--- a/figures/figure1/figure1-vertical-final.pptx
+++ b/figures/figure1/figure1-vertical-final.pptx
@@ -2,18 +2,18 @@
 <file path=ppt/presentation.xml><?xml version="1.0" encoding="utf-8"?>
 <p:presentation xmlns:a="http://schemas.openxmlformats.org/drawingml/2006/main" xmlns:r="http://schemas.openxmlformats.org/officeDocument/2006/relationships" xmlns:p="http://schemas.openxmlformats.org/presentationml/2006/main" saveSubsetFonts="1" autoCompressPictures="0">
   <p:sldMasterIdLst>
-    <p:sldMasterId id="2147483864" r:id="rId1"/>
+    <p:sldMasterId id="2147483924" r:id="rId1"/>
   </p:sldMasterIdLst>
   <p:sldIdLst>
-    <p:sldId id="259" r:id="rId2"/>
+    <p:sldId id="261" r:id="rId2"/>
   </p:sldIdLst>
-  <p:sldSz cx="18288000" cy="12801600"/>
+  <p:sldSz cx="15179675" cy="9144000"/>
   <p:notesSz cx="6858000" cy="9144000"/>
   <p:defaultTextStyle>
     <a:defPPr>
       <a:defRPr lang="en-US"/>
     </a:defPPr>
-    <a:lvl1pPr marL="0" algn="l" defTabSz="914400" rtl="0" eaLnBrk="1" latinLnBrk="0" hangingPunct="1">
+    <a:lvl1pPr marL="0" algn="l" defTabSz="457200" rtl="0" eaLnBrk="1" latinLnBrk="0" hangingPunct="1">
       <a:defRPr sz="1800" kern="1200">
         <a:solidFill>
           <a:schemeClr val="tx1"/>
@@ -23,7 +23,7 @@
         <a:cs typeface="+mn-cs"/>
       </a:defRPr>
     </a:lvl1pPr>
-    <a:lvl2pPr marL="457200" algn="l" defTabSz="914400" rtl="0" eaLnBrk="1" latinLnBrk="0" hangingPunct="1">
+    <a:lvl2pPr marL="457200" algn="l" defTabSz="457200" rtl="0" eaLnBrk="1" latinLnBrk="0" hangingPunct="1">
       <a:defRPr sz="1800" kern="1200">
         <a:solidFill>
           <a:schemeClr val="tx1"/>
@@ -33,7 +33,7 @@
         <a:cs typeface="+mn-cs"/>
       </a:defRPr>
     </a:lvl2pPr>
-    <a:lvl3pPr marL="914400" algn="l" defTabSz="914400" rtl="0" eaLnBrk="1" latinLnBrk="0" hangingPunct="1">
+    <a:lvl3pPr marL="914400" algn="l" defTabSz="457200" rtl="0" eaLnBrk="1" latinLnBrk="0" hangingPunct="1">
       <a:defRPr sz="1800" kern="1200">
         <a:solidFill>
           <a:schemeClr val="tx1"/>
@@ -43,7 +43,7 @@
         <a:cs typeface="+mn-cs"/>
       </a:defRPr>
     </a:lvl3pPr>
-    <a:lvl4pPr marL="1371600" algn="l" defTabSz="914400" rtl="0" eaLnBrk="1" latinLnBrk="0" hangingPunct="1">
+    <a:lvl4pPr marL="1371600" algn="l" defTabSz="457200" rtl="0" eaLnBrk="1" latinLnBrk="0" hangingPunct="1">
       <a:defRPr sz="1800" kern="1200">
         <a:solidFill>
           <a:schemeClr val="tx1"/>
@@ -53,7 +53,7 @@
         <a:cs typeface="+mn-cs"/>
       </a:defRPr>
     </a:lvl4pPr>
-    <a:lvl5pPr marL="1828800" algn="l" defTabSz="914400" rtl="0" eaLnBrk="1" latinLnBrk="0" hangingPunct="1">
+    <a:lvl5pPr marL="1828800" algn="l" defTabSz="457200" rtl="0" eaLnBrk="1" latinLnBrk="0" hangingPunct="1">
       <a:defRPr sz="1800" kern="1200">
         <a:solidFill>
           <a:schemeClr val="tx1"/>
@@ -63,7 +63,7 @@
         <a:cs typeface="+mn-cs"/>
       </a:defRPr>
     </a:lvl5pPr>
-    <a:lvl6pPr marL="2286000" algn="l" defTabSz="914400" rtl="0" eaLnBrk="1" latinLnBrk="0" hangingPunct="1">
+    <a:lvl6pPr marL="2286000" algn="l" defTabSz="457200" rtl="0" eaLnBrk="1" latinLnBrk="0" hangingPunct="1">
       <a:defRPr sz="1800" kern="1200">
         <a:solidFill>
           <a:schemeClr val="tx1"/>
@@ -73,7 +73,7 @@
         <a:cs typeface="+mn-cs"/>
       </a:defRPr>
     </a:lvl6pPr>
-    <a:lvl7pPr marL="2743200" algn="l" defTabSz="914400" rtl="0" eaLnBrk="1" latinLnBrk="0" hangingPunct="1">
+    <a:lvl7pPr marL="2743200" algn="l" defTabSz="457200" rtl="0" eaLnBrk="1" latinLnBrk="0" hangingPunct="1">
       <a:defRPr sz="1800" kern="1200">
         <a:solidFill>
           <a:schemeClr val="tx1"/>
@@ -83,7 +83,7 @@
         <a:cs typeface="+mn-cs"/>
       </a:defRPr>
     </a:lvl7pPr>
-    <a:lvl8pPr marL="3200400" algn="l" defTabSz="914400" rtl="0" eaLnBrk="1" latinLnBrk="0" hangingPunct="1">
+    <a:lvl8pPr marL="3200400" algn="l" defTabSz="457200" rtl="0" eaLnBrk="1" latinLnBrk="0" hangingPunct="1">
       <a:defRPr sz="1800" kern="1200">
         <a:solidFill>
           <a:schemeClr val="tx1"/>
@@ -93,7 +93,7 @@
         <a:cs typeface="+mn-cs"/>
       </a:defRPr>
     </a:lvl8pPr>
-    <a:lvl9pPr marL="3657600" algn="l" defTabSz="914400" rtl="0" eaLnBrk="1" latinLnBrk="0" hangingPunct="1">
+    <a:lvl9pPr marL="3657600" algn="l" defTabSz="457200" rtl="0" eaLnBrk="1" latinLnBrk="0" hangingPunct="1">
       <a:defRPr sz="1800" kern="1200">
         <a:solidFill>
           <a:schemeClr val="tx1"/>
@@ -141,15 +141,15 @@
         </p:nvSpPr>
         <p:spPr>
           <a:xfrm>
-            <a:off x="1371600" y="2095078"/>
-            <a:ext cx="15544800" cy="4456853"/>
+            <a:off x="1897460" y="1496484"/>
+            <a:ext cx="11384756" cy="3183467"/>
           </a:xfrm>
         </p:spPr>
         <p:txBody>
           <a:bodyPr anchor="b"/>
           <a:lstStyle>
             <a:lvl1pPr algn="ctr">
-              <a:defRPr sz="11200"/>
+              <a:defRPr sz="7471"/>
             </a:lvl1pPr>
           </a:lstStyle>
           <a:p>
@@ -173,8 +173,8 @@
         </p:nvSpPr>
         <p:spPr>
           <a:xfrm>
-            <a:off x="2286000" y="6723804"/>
-            <a:ext cx="13716000" cy="3090756"/>
+            <a:off x="1897460" y="4802717"/>
+            <a:ext cx="11384756" cy="2207683"/>
           </a:xfrm>
         </p:spPr>
         <p:txBody>
@@ -182,39 +182,39 @@
           <a:lstStyle>
             <a:lvl1pPr marL="0" indent="0" algn="ctr">
               <a:buNone/>
-              <a:defRPr sz="4480"/>
+              <a:defRPr sz="2988"/>
             </a:lvl1pPr>
-            <a:lvl2pPr marL="853455" indent="0" algn="ctr">
-              <a:buNone/>
-              <a:defRPr sz="3733"/>
+            <a:lvl2pPr marL="569260" indent="0" algn="ctr">
+              <a:buNone/>
+              <a:defRPr sz="2490"/>
             </a:lvl2pPr>
-            <a:lvl3pPr marL="1706910" indent="0" algn="ctr">
-              <a:buNone/>
-              <a:defRPr sz="3360"/>
+            <a:lvl3pPr marL="1138519" indent="0" algn="ctr">
+              <a:buNone/>
+              <a:defRPr sz="2241"/>
             </a:lvl3pPr>
-            <a:lvl4pPr marL="2560366" indent="0" algn="ctr">
-              <a:buNone/>
-              <a:defRPr sz="2987"/>
+            <a:lvl4pPr marL="1707779" indent="0" algn="ctr">
+              <a:buNone/>
+              <a:defRPr sz="1992"/>
             </a:lvl4pPr>
-            <a:lvl5pPr marL="3413821" indent="0" algn="ctr">
-              <a:buNone/>
-              <a:defRPr sz="2987"/>
+            <a:lvl5pPr marL="2277039" indent="0" algn="ctr">
+              <a:buNone/>
+              <a:defRPr sz="1992"/>
             </a:lvl5pPr>
-            <a:lvl6pPr marL="4267276" indent="0" algn="ctr">
-              <a:buNone/>
-              <a:defRPr sz="2987"/>
+            <a:lvl6pPr marL="2846299" indent="0" algn="ctr">
+              <a:buNone/>
+              <a:defRPr sz="1992"/>
             </a:lvl6pPr>
-            <a:lvl7pPr marL="5120731" indent="0" algn="ctr">
-              <a:buNone/>
-              <a:defRPr sz="2987"/>
+            <a:lvl7pPr marL="3415558" indent="0" algn="ctr">
+              <a:buNone/>
+              <a:defRPr sz="1992"/>
             </a:lvl7pPr>
-            <a:lvl8pPr marL="5974187" indent="0" algn="ctr">
-              <a:buNone/>
-              <a:defRPr sz="2987"/>
+            <a:lvl8pPr marL="3984818" indent="0" algn="ctr">
+              <a:buNone/>
+              <a:defRPr sz="1992"/>
             </a:lvl8pPr>
-            <a:lvl9pPr marL="6827642" indent="0" algn="ctr">
-              <a:buNone/>
-              <a:defRPr sz="2987"/>
+            <a:lvl9pPr marL="4554078" indent="0" algn="ctr">
+              <a:buNone/>
+              <a:defRPr sz="1992"/>
             </a:lvl9pPr>
           </a:lstStyle>
           <a:p>
@@ -243,7 +243,7 @@
           <a:p>
             <a:fld id="{36D6B43A-FB72-2B4A-8DB0-B6C23179BADB}" type="datetimeFigureOut">
               <a:rPr lang="en-US" smtClean="0"/>
-              <a:t>2/28/22</a:t>
+              <a:t>4/11/22</a:t>
             </a:fld>
             <a:endParaRPr lang="en-US"/>
           </a:p>
@@ -294,7 +294,7 @@
     </p:spTree>
     <p:extLst>
       <p:ext uri="{BB962C8B-B14F-4D97-AF65-F5344CB8AC3E}">
-        <p14:creationId xmlns:p14="http://schemas.microsoft.com/office/powerpoint/2010/main" val="957248495"/>
+        <p14:creationId xmlns:p14="http://schemas.microsoft.com/office/powerpoint/2010/main" val="797958402"/>
       </p:ext>
     </p:extLst>
   </p:cSld>
@@ -362,7 +362,7 @@
             <a:pPr lvl="0"/>
             <a:r>
               <a:rPr lang="en-US"/>
-              <a:t>Edit Master text styles</a:t>
+              <a:t>Click to edit Master text styles</a:t>
             </a:r>
           </a:p>
           <a:p>
@@ -413,7 +413,7 @@
           <a:p>
             <a:fld id="{36D6B43A-FB72-2B4A-8DB0-B6C23179BADB}" type="datetimeFigureOut">
               <a:rPr lang="en-US" smtClean="0"/>
-              <a:t>2/28/22</a:t>
+              <a:t>4/11/22</a:t>
             </a:fld>
             <a:endParaRPr lang="en-US"/>
           </a:p>
@@ -464,7 +464,7 @@
     </p:spTree>
     <p:extLst>
       <p:ext uri="{BB962C8B-B14F-4D97-AF65-F5344CB8AC3E}">
-        <p14:creationId xmlns:p14="http://schemas.microsoft.com/office/powerpoint/2010/main" val="4137683334"/>
+        <p14:creationId xmlns:p14="http://schemas.microsoft.com/office/powerpoint/2010/main" val="3955697976"/>
       </p:ext>
     </p:extLst>
   </p:cSld>
@@ -503,8 +503,8 @@
         </p:nvSpPr>
         <p:spPr>
           <a:xfrm>
-            <a:off x="13087351" y="681567"/>
-            <a:ext cx="3943350" cy="10848764"/>
+            <a:off x="10862955" y="486834"/>
+            <a:ext cx="3273117" cy="7749117"/>
           </a:xfrm>
         </p:spPr>
         <p:txBody>
@@ -531,8 +531,8 @@
         </p:nvSpPr>
         <p:spPr>
           <a:xfrm>
-            <a:off x="1257301" y="681567"/>
-            <a:ext cx="11601450" cy="10848764"/>
+            <a:off x="1043603" y="486834"/>
+            <a:ext cx="9629606" cy="7749117"/>
           </a:xfrm>
         </p:spPr>
         <p:txBody>
@@ -542,7 +542,7 @@
             <a:pPr lvl="0"/>
             <a:r>
               <a:rPr lang="en-US"/>
-              <a:t>Edit Master text styles</a:t>
+              <a:t>Click to edit Master text styles</a:t>
             </a:r>
           </a:p>
           <a:p>
@@ -593,7 +593,7 @@
           <a:p>
             <a:fld id="{36D6B43A-FB72-2B4A-8DB0-B6C23179BADB}" type="datetimeFigureOut">
               <a:rPr lang="en-US" smtClean="0"/>
-              <a:t>2/28/22</a:t>
+              <a:t>4/11/22</a:t>
             </a:fld>
             <a:endParaRPr lang="en-US"/>
           </a:p>
@@ -644,7 +644,7 @@
     </p:spTree>
     <p:extLst>
       <p:ext uri="{BB962C8B-B14F-4D97-AF65-F5344CB8AC3E}">
-        <p14:creationId xmlns:p14="http://schemas.microsoft.com/office/powerpoint/2010/main" val="1510149243"/>
+        <p14:creationId xmlns:p14="http://schemas.microsoft.com/office/powerpoint/2010/main" val="2424740456"/>
       </p:ext>
     </p:extLst>
   </p:cSld>
@@ -712,7 +712,7 @@
             <a:pPr lvl="0"/>
             <a:r>
               <a:rPr lang="en-US"/>
-              <a:t>Edit Master text styles</a:t>
+              <a:t>Click to edit Master text styles</a:t>
             </a:r>
           </a:p>
           <a:p>
@@ -763,7 +763,7 @@
           <a:p>
             <a:fld id="{36D6B43A-FB72-2B4A-8DB0-B6C23179BADB}" type="datetimeFigureOut">
               <a:rPr lang="en-US" smtClean="0"/>
-              <a:t>2/28/22</a:t>
+              <a:t>4/11/22</a:t>
             </a:fld>
             <a:endParaRPr lang="en-US"/>
           </a:p>
@@ -814,7 +814,7 @@
     </p:spTree>
     <p:extLst>
       <p:ext uri="{BB962C8B-B14F-4D97-AF65-F5344CB8AC3E}">
-        <p14:creationId xmlns:p14="http://schemas.microsoft.com/office/powerpoint/2010/main" val="352004206"/>
+        <p14:creationId xmlns:p14="http://schemas.microsoft.com/office/powerpoint/2010/main" val="1394592972"/>
       </p:ext>
     </p:extLst>
   </p:cSld>
@@ -853,15 +853,15 @@
         </p:nvSpPr>
         <p:spPr>
           <a:xfrm>
-            <a:off x="1247776" y="3191514"/>
-            <a:ext cx="15773400" cy="5325109"/>
+            <a:off x="1035696" y="2279652"/>
+            <a:ext cx="13092470" cy="3803649"/>
           </a:xfrm>
         </p:spPr>
         <p:txBody>
           <a:bodyPr anchor="b"/>
           <a:lstStyle>
             <a:lvl1pPr>
-              <a:defRPr sz="11200"/>
+              <a:defRPr sz="7471"/>
             </a:lvl1pPr>
           </a:lstStyle>
           <a:p>
@@ -885,8 +885,8 @@
         </p:nvSpPr>
         <p:spPr>
           <a:xfrm>
-            <a:off x="1247776" y="8567000"/>
-            <a:ext cx="15773400" cy="2800349"/>
+            <a:off x="1035696" y="6119285"/>
+            <a:ext cx="13092470" cy="2000249"/>
           </a:xfrm>
         </p:spPr>
         <p:txBody>
@@ -894,15 +894,17 @@
           <a:lstStyle>
             <a:lvl1pPr marL="0" indent="0">
               <a:buNone/>
-              <a:defRPr sz="4480">
+              <a:defRPr sz="2988">
                 <a:solidFill>
-                  <a:schemeClr val="tx1"/>
+                  <a:schemeClr val="tx1">
+                    <a:tint val="75000"/>
+                  </a:schemeClr>
                 </a:solidFill>
               </a:defRPr>
             </a:lvl1pPr>
-            <a:lvl2pPr marL="853455" indent="0">
-              <a:buNone/>
-              <a:defRPr sz="3733">
+            <a:lvl2pPr marL="569260" indent="0">
+              <a:buNone/>
+              <a:defRPr sz="2490">
                 <a:solidFill>
                   <a:schemeClr val="tx1">
                     <a:tint val="75000"/>
@@ -910,9 +912,9 @@
                 </a:solidFill>
               </a:defRPr>
             </a:lvl2pPr>
-            <a:lvl3pPr marL="1706910" indent="0">
-              <a:buNone/>
-              <a:defRPr sz="3360">
+            <a:lvl3pPr marL="1138519" indent="0">
+              <a:buNone/>
+              <a:defRPr sz="2241">
                 <a:solidFill>
                   <a:schemeClr val="tx1">
                     <a:tint val="75000"/>
@@ -920,9 +922,9 @@
                 </a:solidFill>
               </a:defRPr>
             </a:lvl3pPr>
-            <a:lvl4pPr marL="2560366" indent="0">
-              <a:buNone/>
-              <a:defRPr sz="2987">
+            <a:lvl4pPr marL="1707779" indent="0">
+              <a:buNone/>
+              <a:defRPr sz="1992">
                 <a:solidFill>
                   <a:schemeClr val="tx1">
                     <a:tint val="75000"/>
@@ -930,9 +932,9 @@
                 </a:solidFill>
               </a:defRPr>
             </a:lvl4pPr>
-            <a:lvl5pPr marL="3413821" indent="0">
-              <a:buNone/>
-              <a:defRPr sz="2987">
+            <a:lvl5pPr marL="2277039" indent="0">
+              <a:buNone/>
+              <a:defRPr sz="1992">
                 <a:solidFill>
                   <a:schemeClr val="tx1">
                     <a:tint val="75000"/>
@@ -940,9 +942,9 @@
                 </a:solidFill>
               </a:defRPr>
             </a:lvl5pPr>
-            <a:lvl6pPr marL="4267276" indent="0">
-              <a:buNone/>
-              <a:defRPr sz="2987">
+            <a:lvl6pPr marL="2846299" indent="0">
+              <a:buNone/>
+              <a:defRPr sz="1992">
                 <a:solidFill>
                   <a:schemeClr val="tx1">
                     <a:tint val="75000"/>
@@ -950,9 +952,9 @@
                 </a:solidFill>
               </a:defRPr>
             </a:lvl6pPr>
-            <a:lvl7pPr marL="5120731" indent="0">
-              <a:buNone/>
-              <a:defRPr sz="2987">
+            <a:lvl7pPr marL="3415558" indent="0">
+              <a:buNone/>
+              <a:defRPr sz="1992">
                 <a:solidFill>
                   <a:schemeClr val="tx1">
                     <a:tint val="75000"/>
@@ -960,9 +962,9 @@
                 </a:solidFill>
               </a:defRPr>
             </a:lvl7pPr>
-            <a:lvl8pPr marL="5974187" indent="0">
-              <a:buNone/>
-              <a:defRPr sz="2987">
+            <a:lvl8pPr marL="3984818" indent="0">
+              <a:buNone/>
+              <a:defRPr sz="1992">
                 <a:solidFill>
                   <a:schemeClr val="tx1">
                     <a:tint val="75000"/>
@@ -970,9 +972,9 @@
                 </a:solidFill>
               </a:defRPr>
             </a:lvl8pPr>
-            <a:lvl9pPr marL="6827642" indent="0">
-              <a:buNone/>
-              <a:defRPr sz="2987">
+            <a:lvl9pPr marL="4554078" indent="0">
+              <a:buNone/>
+              <a:defRPr sz="1992">
                 <a:solidFill>
                   <a:schemeClr val="tx1">
                     <a:tint val="75000"/>
@@ -985,7 +987,7 @@
             <a:pPr lvl="0"/>
             <a:r>
               <a:rPr lang="en-US"/>
-              <a:t>Edit Master text styles</a:t>
+              <a:t>Click to edit Master text styles</a:t>
             </a:r>
           </a:p>
         </p:txBody>
@@ -1007,7 +1009,7 @@
           <a:p>
             <a:fld id="{36D6B43A-FB72-2B4A-8DB0-B6C23179BADB}" type="datetimeFigureOut">
               <a:rPr lang="en-US" smtClean="0"/>
-              <a:t>2/28/22</a:t>
+              <a:t>4/11/22</a:t>
             </a:fld>
             <a:endParaRPr lang="en-US"/>
           </a:p>
@@ -1058,7 +1060,7 @@
     </p:spTree>
     <p:extLst>
       <p:ext uri="{BB962C8B-B14F-4D97-AF65-F5344CB8AC3E}">
-        <p14:creationId xmlns:p14="http://schemas.microsoft.com/office/powerpoint/2010/main" val="788531020"/>
+        <p14:creationId xmlns:p14="http://schemas.microsoft.com/office/powerpoint/2010/main" val="2520454075"/>
       </p:ext>
     </p:extLst>
   </p:cSld>
@@ -1120,8 +1122,8 @@
         </p:nvSpPr>
         <p:spPr>
           <a:xfrm>
-            <a:off x="1257300" y="3407833"/>
-            <a:ext cx="7772400" cy="8122498"/>
+            <a:off x="1043603" y="2434167"/>
+            <a:ext cx="6451362" cy="5801784"/>
           </a:xfrm>
         </p:spPr>
         <p:txBody>
@@ -1131,7 +1133,7 @@
             <a:pPr lvl="0"/>
             <a:r>
               <a:rPr lang="en-US"/>
-              <a:t>Edit Master text styles</a:t>
+              <a:t>Click to edit Master text styles</a:t>
             </a:r>
           </a:p>
           <a:p>
@@ -1177,8 +1179,8 @@
         </p:nvSpPr>
         <p:spPr>
           <a:xfrm>
-            <a:off x="9258300" y="3407833"/>
-            <a:ext cx="7772400" cy="8122498"/>
+            <a:off x="7684710" y="2434167"/>
+            <a:ext cx="6451362" cy="5801784"/>
           </a:xfrm>
         </p:spPr>
         <p:txBody>
@@ -1188,7 +1190,7 @@
             <a:pPr lvl="0"/>
             <a:r>
               <a:rPr lang="en-US"/>
-              <a:t>Edit Master text styles</a:t>
+              <a:t>Click to edit Master text styles</a:t>
             </a:r>
           </a:p>
           <a:p>
@@ -1239,7 +1241,7 @@
           <a:p>
             <a:fld id="{36D6B43A-FB72-2B4A-8DB0-B6C23179BADB}" type="datetimeFigureOut">
               <a:rPr lang="en-US" smtClean="0"/>
-              <a:t>2/28/22</a:t>
+              <a:t>4/11/22</a:t>
             </a:fld>
             <a:endParaRPr lang="en-US"/>
           </a:p>
@@ -1290,7 +1292,7 @@
     </p:spTree>
     <p:extLst>
       <p:ext uri="{BB962C8B-B14F-4D97-AF65-F5344CB8AC3E}">
-        <p14:creationId xmlns:p14="http://schemas.microsoft.com/office/powerpoint/2010/main" val="340405530"/>
+        <p14:creationId xmlns:p14="http://schemas.microsoft.com/office/powerpoint/2010/main" val="3005215467"/>
       </p:ext>
     </p:extLst>
   </p:cSld>
@@ -1329,8 +1331,8 @@
         </p:nvSpPr>
         <p:spPr>
           <a:xfrm>
-            <a:off x="1259682" y="681570"/>
-            <a:ext cx="15773400" cy="2474384"/>
+            <a:off x="1045580" y="486834"/>
+            <a:ext cx="13092470" cy="1767417"/>
           </a:xfrm>
         </p:spPr>
         <p:txBody>
@@ -1357,8 +1359,8 @@
         </p:nvSpPr>
         <p:spPr>
           <a:xfrm>
-            <a:off x="1259684" y="3138171"/>
-            <a:ext cx="7736680" cy="1537969"/>
+            <a:off x="1045581" y="2241551"/>
+            <a:ext cx="6421713" cy="1098549"/>
           </a:xfrm>
         </p:spPr>
         <p:txBody>
@@ -1366,46 +1368,46 @@
           <a:lstStyle>
             <a:lvl1pPr marL="0" indent="0">
               <a:buNone/>
-              <a:defRPr sz="4480" b="1"/>
+              <a:defRPr sz="2988" b="1"/>
             </a:lvl1pPr>
-            <a:lvl2pPr marL="853455" indent="0">
-              <a:buNone/>
-              <a:defRPr sz="3733" b="1"/>
+            <a:lvl2pPr marL="569260" indent="0">
+              <a:buNone/>
+              <a:defRPr sz="2490" b="1"/>
             </a:lvl2pPr>
-            <a:lvl3pPr marL="1706910" indent="0">
-              <a:buNone/>
-              <a:defRPr sz="3360" b="1"/>
+            <a:lvl3pPr marL="1138519" indent="0">
+              <a:buNone/>
+              <a:defRPr sz="2241" b="1"/>
             </a:lvl3pPr>
-            <a:lvl4pPr marL="2560366" indent="0">
-              <a:buNone/>
-              <a:defRPr sz="2987" b="1"/>
+            <a:lvl4pPr marL="1707779" indent="0">
+              <a:buNone/>
+              <a:defRPr sz="1992" b="1"/>
             </a:lvl4pPr>
-            <a:lvl5pPr marL="3413821" indent="0">
-              <a:buNone/>
-              <a:defRPr sz="2987" b="1"/>
+            <a:lvl5pPr marL="2277039" indent="0">
+              <a:buNone/>
+              <a:defRPr sz="1992" b="1"/>
             </a:lvl5pPr>
-            <a:lvl6pPr marL="4267276" indent="0">
-              <a:buNone/>
-              <a:defRPr sz="2987" b="1"/>
+            <a:lvl6pPr marL="2846299" indent="0">
+              <a:buNone/>
+              <a:defRPr sz="1992" b="1"/>
             </a:lvl6pPr>
-            <a:lvl7pPr marL="5120731" indent="0">
-              <a:buNone/>
-              <a:defRPr sz="2987" b="1"/>
+            <a:lvl7pPr marL="3415558" indent="0">
+              <a:buNone/>
+              <a:defRPr sz="1992" b="1"/>
             </a:lvl7pPr>
-            <a:lvl8pPr marL="5974187" indent="0">
-              <a:buNone/>
-              <a:defRPr sz="2987" b="1"/>
+            <a:lvl8pPr marL="3984818" indent="0">
+              <a:buNone/>
+              <a:defRPr sz="1992" b="1"/>
             </a:lvl8pPr>
-            <a:lvl9pPr marL="6827642" indent="0">
-              <a:buNone/>
-              <a:defRPr sz="2987" b="1"/>
+            <a:lvl9pPr marL="4554078" indent="0">
+              <a:buNone/>
+              <a:defRPr sz="1992" b="1"/>
             </a:lvl9pPr>
           </a:lstStyle>
           <a:p>
             <a:pPr lvl="0"/>
             <a:r>
               <a:rPr lang="en-US"/>
-              <a:t>Edit Master text styles</a:t>
+              <a:t>Click to edit Master text styles</a:t>
             </a:r>
           </a:p>
         </p:txBody>
@@ -1422,8 +1424,8 @@
         </p:nvSpPr>
         <p:spPr>
           <a:xfrm>
-            <a:off x="1259684" y="4676140"/>
-            <a:ext cx="7736680" cy="6877898"/>
+            <a:off x="1045581" y="3340100"/>
+            <a:ext cx="6421713" cy="4912784"/>
           </a:xfrm>
         </p:spPr>
         <p:txBody>
@@ -1433,7 +1435,7 @@
             <a:pPr lvl="0"/>
             <a:r>
               <a:rPr lang="en-US"/>
-              <a:t>Edit Master text styles</a:t>
+              <a:t>Click to edit Master text styles</a:t>
             </a:r>
           </a:p>
           <a:p>
@@ -1479,8 +1481,8 @@
         </p:nvSpPr>
         <p:spPr>
           <a:xfrm>
-            <a:off x="9258301" y="3138171"/>
-            <a:ext cx="7774782" cy="1537969"/>
+            <a:off x="7684710" y="2241551"/>
+            <a:ext cx="6453339" cy="1098549"/>
           </a:xfrm>
         </p:spPr>
         <p:txBody>
@@ -1488,46 +1490,46 @@
           <a:lstStyle>
             <a:lvl1pPr marL="0" indent="0">
               <a:buNone/>
-              <a:defRPr sz="4480" b="1"/>
+              <a:defRPr sz="2988" b="1"/>
             </a:lvl1pPr>
-            <a:lvl2pPr marL="853455" indent="0">
-              <a:buNone/>
-              <a:defRPr sz="3733" b="1"/>
+            <a:lvl2pPr marL="569260" indent="0">
+              <a:buNone/>
+              <a:defRPr sz="2490" b="1"/>
             </a:lvl2pPr>
-            <a:lvl3pPr marL="1706910" indent="0">
-              <a:buNone/>
-              <a:defRPr sz="3360" b="1"/>
+            <a:lvl3pPr marL="1138519" indent="0">
+              <a:buNone/>
+              <a:defRPr sz="2241" b="1"/>
             </a:lvl3pPr>
-            <a:lvl4pPr marL="2560366" indent="0">
-              <a:buNone/>
-              <a:defRPr sz="2987" b="1"/>
+            <a:lvl4pPr marL="1707779" indent="0">
+              <a:buNone/>
+              <a:defRPr sz="1992" b="1"/>
             </a:lvl4pPr>
-            <a:lvl5pPr marL="3413821" indent="0">
-              <a:buNone/>
-              <a:defRPr sz="2987" b="1"/>
+            <a:lvl5pPr marL="2277039" indent="0">
+              <a:buNone/>
+              <a:defRPr sz="1992" b="1"/>
             </a:lvl5pPr>
-            <a:lvl6pPr marL="4267276" indent="0">
-              <a:buNone/>
-              <a:defRPr sz="2987" b="1"/>
+            <a:lvl6pPr marL="2846299" indent="0">
+              <a:buNone/>
+              <a:defRPr sz="1992" b="1"/>
             </a:lvl6pPr>
-            <a:lvl7pPr marL="5120731" indent="0">
-              <a:buNone/>
-              <a:defRPr sz="2987" b="1"/>
+            <a:lvl7pPr marL="3415558" indent="0">
+              <a:buNone/>
+              <a:defRPr sz="1992" b="1"/>
             </a:lvl7pPr>
-            <a:lvl8pPr marL="5974187" indent="0">
-              <a:buNone/>
-              <a:defRPr sz="2987" b="1"/>
+            <a:lvl8pPr marL="3984818" indent="0">
+              <a:buNone/>
+              <a:defRPr sz="1992" b="1"/>
             </a:lvl8pPr>
-            <a:lvl9pPr marL="6827642" indent="0">
-              <a:buNone/>
-              <a:defRPr sz="2987" b="1"/>
+            <a:lvl9pPr marL="4554078" indent="0">
+              <a:buNone/>
+              <a:defRPr sz="1992" b="1"/>
             </a:lvl9pPr>
           </a:lstStyle>
           <a:p>
             <a:pPr lvl="0"/>
             <a:r>
               <a:rPr lang="en-US"/>
-              <a:t>Edit Master text styles</a:t>
+              <a:t>Click to edit Master text styles</a:t>
             </a:r>
           </a:p>
         </p:txBody>
@@ -1544,8 +1546,8 @@
         </p:nvSpPr>
         <p:spPr>
           <a:xfrm>
-            <a:off x="9258301" y="4676140"/>
-            <a:ext cx="7774782" cy="6877898"/>
+            <a:off x="7684710" y="3340100"/>
+            <a:ext cx="6453339" cy="4912784"/>
           </a:xfrm>
         </p:spPr>
         <p:txBody>
@@ -1555,7 +1557,7 @@
             <a:pPr lvl="0"/>
             <a:r>
               <a:rPr lang="en-US"/>
-              <a:t>Edit Master text styles</a:t>
+              <a:t>Click to edit Master text styles</a:t>
             </a:r>
           </a:p>
           <a:p>
@@ -1606,7 +1608,7 @@
           <a:p>
             <a:fld id="{36D6B43A-FB72-2B4A-8DB0-B6C23179BADB}" type="datetimeFigureOut">
               <a:rPr lang="en-US" smtClean="0"/>
-              <a:t>2/28/22</a:t>
+              <a:t>4/11/22</a:t>
             </a:fld>
             <a:endParaRPr lang="en-US"/>
           </a:p>
@@ -1657,7 +1659,7 @@
     </p:spTree>
     <p:extLst>
       <p:ext uri="{BB962C8B-B14F-4D97-AF65-F5344CB8AC3E}">
-        <p14:creationId xmlns:p14="http://schemas.microsoft.com/office/powerpoint/2010/main" val="1075295567"/>
+        <p14:creationId xmlns:p14="http://schemas.microsoft.com/office/powerpoint/2010/main" val="1030868300"/>
       </p:ext>
     </p:extLst>
   </p:cSld>
@@ -1724,7 +1726,7 @@
           <a:p>
             <a:fld id="{36D6B43A-FB72-2B4A-8DB0-B6C23179BADB}" type="datetimeFigureOut">
               <a:rPr lang="en-US" smtClean="0"/>
-              <a:t>2/28/22</a:t>
+              <a:t>4/11/22</a:t>
             </a:fld>
             <a:endParaRPr lang="en-US"/>
           </a:p>
@@ -1775,7 +1777,7 @@
     </p:spTree>
     <p:extLst>
       <p:ext uri="{BB962C8B-B14F-4D97-AF65-F5344CB8AC3E}">
-        <p14:creationId xmlns:p14="http://schemas.microsoft.com/office/powerpoint/2010/main" val="3918752224"/>
+        <p14:creationId xmlns:p14="http://schemas.microsoft.com/office/powerpoint/2010/main" val="340753087"/>
       </p:ext>
     </p:extLst>
   </p:cSld>
@@ -1819,7 +1821,7 @@
           <a:p>
             <a:fld id="{36D6B43A-FB72-2B4A-8DB0-B6C23179BADB}" type="datetimeFigureOut">
               <a:rPr lang="en-US" smtClean="0"/>
-              <a:t>2/28/22</a:t>
+              <a:t>4/11/22</a:t>
             </a:fld>
             <a:endParaRPr lang="en-US"/>
           </a:p>
@@ -1870,7 +1872,7 @@
     </p:spTree>
     <p:extLst>
       <p:ext uri="{BB962C8B-B14F-4D97-AF65-F5344CB8AC3E}">
-        <p14:creationId xmlns:p14="http://schemas.microsoft.com/office/powerpoint/2010/main" val="1812236506"/>
+        <p14:creationId xmlns:p14="http://schemas.microsoft.com/office/powerpoint/2010/main" val="1378903696"/>
       </p:ext>
     </p:extLst>
   </p:cSld>
@@ -1909,15 +1911,15 @@
         </p:nvSpPr>
         <p:spPr>
           <a:xfrm>
-            <a:off x="1259682" y="853440"/>
-            <a:ext cx="5898356" cy="2987040"/>
+            <a:off x="1045580" y="609600"/>
+            <a:ext cx="4895840" cy="2133600"/>
           </a:xfrm>
         </p:spPr>
         <p:txBody>
           <a:bodyPr anchor="b"/>
           <a:lstStyle>
             <a:lvl1pPr>
-              <a:defRPr sz="5973"/>
+              <a:defRPr sz="3984"/>
             </a:lvl1pPr>
           </a:lstStyle>
           <a:p>
@@ -1941,46 +1943,46 @@
         </p:nvSpPr>
         <p:spPr>
           <a:xfrm>
-            <a:off x="7774782" y="1843196"/>
-            <a:ext cx="9258300" cy="9097433"/>
+            <a:off x="6453339" y="1316567"/>
+            <a:ext cx="7684710" cy="6498167"/>
           </a:xfrm>
         </p:spPr>
         <p:txBody>
           <a:bodyPr/>
           <a:lstStyle>
             <a:lvl1pPr>
-              <a:defRPr sz="5973"/>
+              <a:defRPr sz="3984"/>
             </a:lvl1pPr>
             <a:lvl2pPr>
-              <a:defRPr sz="5227"/>
+              <a:defRPr sz="3486"/>
             </a:lvl2pPr>
             <a:lvl3pPr>
-              <a:defRPr sz="4480"/>
+              <a:defRPr sz="2988"/>
             </a:lvl3pPr>
             <a:lvl4pPr>
-              <a:defRPr sz="3733"/>
+              <a:defRPr sz="2490"/>
             </a:lvl4pPr>
             <a:lvl5pPr>
-              <a:defRPr sz="3733"/>
+              <a:defRPr sz="2490"/>
             </a:lvl5pPr>
             <a:lvl6pPr>
-              <a:defRPr sz="3733"/>
+              <a:defRPr sz="2490"/>
             </a:lvl6pPr>
             <a:lvl7pPr>
-              <a:defRPr sz="3733"/>
+              <a:defRPr sz="2490"/>
             </a:lvl7pPr>
             <a:lvl8pPr>
-              <a:defRPr sz="3733"/>
+              <a:defRPr sz="2490"/>
             </a:lvl8pPr>
             <a:lvl9pPr>
-              <a:defRPr sz="3733"/>
+              <a:defRPr sz="2490"/>
             </a:lvl9pPr>
           </a:lstStyle>
           <a:p>
             <a:pPr lvl="0"/>
             <a:r>
               <a:rPr lang="en-US"/>
-              <a:t>Edit Master text styles</a:t>
+              <a:t>Click to edit Master text styles</a:t>
             </a:r>
           </a:p>
           <a:p>
@@ -2026,8 +2028,8 @@
         </p:nvSpPr>
         <p:spPr>
           <a:xfrm>
-            <a:off x="1259682" y="3840480"/>
-            <a:ext cx="5898356" cy="7114964"/>
+            <a:off x="1045580" y="2743200"/>
+            <a:ext cx="4895840" cy="5082117"/>
           </a:xfrm>
         </p:spPr>
         <p:txBody>
@@ -2035,46 +2037,46 @@
           <a:lstStyle>
             <a:lvl1pPr marL="0" indent="0">
               <a:buNone/>
-              <a:defRPr sz="2987"/>
+              <a:defRPr sz="1992"/>
             </a:lvl1pPr>
-            <a:lvl2pPr marL="853455" indent="0">
-              <a:buNone/>
-              <a:defRPr sz="2613"/>
+            <a:lvl2pPr marL="569260" indent="0">
+              <a:buNone/>
+              <a:defRPr sz="1743"/>
             </a:lvl2pPr>
-            <a:lvl3pPr marL="1706910" indent="0">
-              <a:buNone/>
-              <a:defRPr sz="2240"/>
+            <a:lvl3pPr marL="1138519" indent="0">
+              <a:buNone/>
+              <a:defRPr sz="1494"/>
             </a:lvl3pPr>
-            <a:lvl4pPr marL="2560366" indent="0">
-              <a:buNone/>
-              <a:defRPr sz="1867"/>
+            <a:lvl4pPr marL="1707779" indent="0">
+              <a:buNone/>
+              <a:defRPr sz="1245"/>
             </a:lvl4pPr>
-            <a:lvl5pPr marL="3413821" indent="0">
-              <a:buNone/>
-              <a:defRPr sz="1867"/>
+            <a:lvl5pPr marL="2277039" indent="0">
+              <a:buNone/>
+              <a:defRPr sz="1245"/>
             </a:lvl5pPr>
-            <a:lvl6pPr marL="4267276" indent="0">
-              <a:buNone/>
-              <a:defRPr sz="1867"/>
+            <a:lvl6pPr marL="2846299" indent="0">
+              <a:buNone/>
+              <a:defRPr sz="1245"/>
             </a:lvl6pPr>
-            <a:lvl7pPr marL="5120731" indent="0">
-              <a:buNone/>
-              <a:defRPr sz="1867"/>
+            <a:lvl7pPr marL="3415558" indent="0">
+              <a:buNone/>
+              <a:defRPr sz="1245"/>
             </a:lvl7pPr>
-            <a:lvl8pPr marL="5974187" indent="0">
-              <a:buNone/>
-              <a:defRPr sz="1867"/>
+            <a:lvl8pPr marL="3984818" indent="0">
+              <a:buNone/>
+              <a:defRPr sz="1245"/>
             </a:lvl8pPr>
-            <a:lvl9pPr marL="6827642" indent="0">
-              <a:buNone/>
-              <a:defRPr sz="1867"/>
+            <a:lvl9pPr marL="4554078" indent="0">
+              <a:buNone/>
+              <a:defRPr sz="1245"/>
             </a:lvl9pPr>
           </a:lstStyle>
           <a:p>
             <a:pPr lvl="0"/>
             <a:r>
               <a:rPr lang="en-US"/>
-              <a:t>Edit Master text styles</a:t>
+              <a:t>Click to edit Master text styles</a:t>
             </a:r>
           </a:p>
         </p:txBody>
@@ -2096,7 +2098,7 @@
           <a:p>
             <a:fld id="{36D6B43A-FB72-2B4A-8DB0-B6C23179BADB}" type="datetimeFigureOut">
               <a:rPr lang="en-US" smtClean="0"/>
-              <a:t>2/28/22</a:t>
+              <a:t>4/11/22</a:t>
             </a:fld>
             <a:endParaRPr lang="en-US"/>
           </a:p>
@@ -2147,7 +2149,7 @@
     </p:spTree>
     <p:extLst>
       <p:ext uri="{BB962C8B-B14F-4D97-AF65-F5344CB8AC3E}">
-        <p14:creationId xmlns:p14="http://schemas.microsoft.com/office/powerpoint/2010/main" val="1627717393"/>
+        <p14:creationId xmlns:p14="http://schemas.microsoft.com/office/powerpoint/2010/main" val="2348542113"/>
       </p:ext>
     </p:extLst>
   </p:cSld>
@@ -2186,15 +2188,15 @@
         </p:nvSpPr>
         <p:spPr>
           <a:xfrm>
-            <a:off x="1259682" y="853440"/>
-            <a:ext cx="5898356" cy="2987040"/>
+            <a:off x="1045580" y="609600"/>
+            <a:ext cx="4895840" cy="2133600"/>
           </a:xfrm>
         </p:spPr>
         <p:txBody>
           <a:bodyPr anchor="b"/>
           <a:lstStyle>
             <a:lvl1pPr>
-              <a:defRPr sz="5973"/>
+              <a:defRPr sz="3984"/>
             </a:lvl1pPr>
           </a:lstStyle>
           <a:p>
@@ -2218,8 +2220,8 @@
         </p:nvSpPr>
         <p:spPr>
           <a:xfrm>
-            <a:off x="7774782" y="1843196"/>
-            <a:ext cx="9258300" cy="9097433"/>
+            <a:off x="6453339" y="1316567"/>
+            <a:ext cx="7684710" cy="6498167"/>
           </a:xfrm>
         </p:spPr>
         <p:txBody>
@@ -2227,39 +2229,39 @@
           <a:lstStyle>
             <a:lvl1pPr marL="0" indent="0">
               <a:buNone/>
-              <a:defRPr sz="5973"/>
+              <a:defRPr sz="3984"/>
             </a:lvl1pPr>
-            <a:lvl2pPr marL="853455" indent="0">
-              <a:buNone/>
-              <a:defRPr sz="5227"/>
+            <a:lvl2pPr marL="569260" indent="0">
+              <a:buNone/>
+              <a:defRPr sz="3486"/>
             </a:lvl2pPr>
-            <a:lvl3pPr marL="1706910" indent="0">
-              <a:buNone/>
-              <a:defRPr sz="4480"/>
+            <a:lvl3pPr marL="1138519" indent="0">
+              <a:buNone/>
+              <a:defRPr sz="2988"/>
             </a:lvl3pPr>
-            <a:lvl4pPr marL="2560366" indent="0">
-              <a:buNone/>
-              <a:defRPr sz="3733"/>
+            <a:lvl4pPr marL="1707779" indent="0">
+              <a:buNone/>
+              <a:defRPr sz="2490"/>
             </a:lvl4pPr>
-            <a:lvl5pPr marL="3413821" indent="0">
-              <a:buNone/>
-              <a:defRPr sz="3733"/>
+            <a:lvl5pPr marL="2277039" indent="0">
+              <a:buNone/>
+              <a:defRPr sz="2490"/>
             </a:lvl5pPr>
-            <a:lvl6pPr marL="4267276" indent="0">
-              <a:buNone/>
-              <a:defRPr sz="3733"/>
+            <a:lvl6pPr marL="2846299" indent="0">
+              <a:buNone/>
+              <a:defRPr sz="2490"/>
             </a:lvl6pPr>
-            <a:lvl7pPr marL="5120731" indent="0">
-              <a:buNone/>
-              <a:defRPr sz="3733"/>
+            <a:lvl7pPr marL="3415558" indent="0">
+              <a:buNone/>
+              <a:defRPr sz="2490"/>
             </a:lvl7pPr>
-            <a:lvl8pPr marL="5974187" indent="0">
-              <a:buNone/>
-              <a:defRPr sz="3733"/>
+            <a:lvl8pPr marL="3984818" indent="0">
+              <a:buNone/>
+              <a:defRPr sz="2490"/>
             </a:lvl8pPr>
-            <a:lvl9pPr marL="6827642" indent="0">
-              <a:buNone/>
-              <a:defRPr sz="3733"/>
+            <a:lvl9pPr marL="4554078" indent="0">
+              <a:buNone/>
+              <a:defRPr sz="2490"/>
             </a:lvl9pPr>
           </a:lstStyle>
           <a:p>
@@ -2283,8 +2285,8 @@
         </p:nvSpPr>
         <p:spPr>
           <a:xfrm>
-            <a:off x="1259682" y="3840480"/>
-            <a:ext cx="5898356" cy="7114964"/>
+            <a:off x="1045580" y="2743200"/>
+            <a:ext cx="4895840" cy="5082117"/>
           </a:xfrm>
         </p:spPr>
         <p:txBody>
@@ -2292,46 +2294,46 @@
           <a:lstStyle>
             <a:lvl1pPr marL="0" indent="0">
               <a:buNone/>
-              <a:defRPr sz="2987"/>
+              <a:defRPr sz="1992"/>
             </a:lvl1pPr>
-            <a:lvl2pPr marL="853455" indent="0">
-              <a:buNone/>
-              <a:defRPr sz="2613"/>
+            <a:lvl2pPr marL="569260" indent="0">
+              <a:buNone/>
+              <a:defRPr sz="1743"/>
             </a:lvl2pPr>
-            <a:lvl3pPr marL="1706910" indent="0">
-              <a:buNone/>
-              <a:defRPr sz="2240"/>
+            <a:lvl3pPr marL="1138519" indent="0">
+              <a:buNone/>
+              <a:defRPr sz="1494"/>
             </a:lvl3pPr>
-            <a:lvl4pPr marL="2560366" indent="0">
-              <a:buNone/>
-              <a:defRPr sz="1867"/>
+            <a:lvl4pPr marL="1707779" indent="0">
+              <a:buNone/>
+              <a:defRPr sz="1245"/>
             </a:lvl4pPr>
-            <a:lvl5pPr marL="3413821" indent="0">
-              <a:buNone/>
-              <a:defRPr sz="1867"/>
+            <a:lvl5pPr marL="2277039" indent="0">
+              <a:buNone/>
+              <a:defRPr sz="1245"/>
             </a:lvl5pPr>
-            <a:lvl6pPr marL="4267276" indent="0">
-              <a:buNone/>
-              <a:defRPr sz="1867"/>
+            <a:lvl6pPr marL="2846299" indent="0">
+              <a:buNone/>
+              <a:defRPr sz="1245"/>
             </a:lvl6pPr>
-            <a:lvl7pPr marL="5120731" indent="0">
-              <a:buNone/>
-              <a:defRPr sz="1867"/>
+            <a:lvl7pPr marL="3415558" indent="0">
+              <a:buNone/>
+              <a:defRPr sz="1245"/>
             </a:lvl7pPr>
-            <a:lvl8pPr marL="5974187" indent="0">
-              <a:buNone/>
-              <a:defRPr sz="1867"/>
+            <a:lvl8pPr marL="3984818" indent="0">
+              <a:buNone/>
+              <a:defRPr sz="1245"/>
             </a:lvl8pPr>
-            <a:lvl9pPr marL="6827642" indent="0">
-              <a:buNone/>
-              <a:defRPr sz="1867"/>
+            <a:lvl9pPr marL="4554078" indent="0">
+              <a:buNone/>
+              <a:defRPr sz="1245"/>
             </a:lvl9pPr>
           </a:lstStyle>
           <a:p>
             <a:pPr lvl="0"/>
             <a:r>
               <a:rPr lang="en-US"/>
-              <a:t>Edit Master text styles</a:t>
+              <a:t>Click to edit Master text styles</a:t>
             </a:r>
           </a:p>
         </p:txBody>
@@ -2353,7 +2355,7 @@
           <a:p>
             <a:fld id="{36D6B43A-FB72-2B4A-8DB0-B6C23179BADB}" type="datetimeFigureOut">
               <a:rPr lang="en-US" smtClean="0"/>
-              <a:t>2/28/22</a:t>
+              <a:t>4/11/22</a:t>
             </a:fld>
             <a:endParaRPr lang="en-US"/>
           </a:p>
@@ -2404,7 +2406,7 @@
     </p:spTree>
     <p:extLst>
       <p:ext uri="{BB962C8B-B14F-4D97-AF65-F5344CB8AC3E}">
-        <p14:creationId xmlns:p14="http://schemas.microsoft.com/office/powerpoint/2010/main" val="2835425102"/>
+        <p14:creationId xmlns:p14="http://schemas.microsoft.com/office/powerpoint/2010/main" val="3607443499"/>
       </p:ext>
     </p:extLst>
   </p:cSld>
@@ -2448,8 +2450,8 @@
         </p:nvSpPr>
         <p:spPr>
           <a:xfrm>
-            <a:off x="1257300" y="681570"/>
-            <a:ext cx="15773400" cy="2474384"/>
+            <a:off x="1043603" y="486834"/>
+            <a:ext cx="13092470" cy="1767417"/>
           </a:xfrm>
           <a:prstGeom prst="rect">
             <a:avLst/>
@@ -2481,8 +2483,8 @@
         </p:nvSpPr>
         <p:spPr>
           <a:xfrm>
-            <a:off x="1257300" y="3407833"/>
-            <a:ext cx="15773400" cy="8122498"/>
+            <a:off x="1043603" y="2434167"/>
+            <a:ext cx="13092470" cy="5801784"/>
           </a:xfrm>
           <a:prstGeom prst="rect">
             <a:avLst/>
@@ -2497,7 +2499,7 @@
             <a:pPr lvl="0"/>
             <a:r>
               <a:rPr lang="en-US"/>
-              <a:t>Edit Master text styles</a:t>
+              <a:t>Click to edit Master text styles</a:t>
             </a:r>
           </a:p>
           <a:p>
@@ -2543,8 +2545,8 @@
         </p:nvSpPr>
         <p:spPr>
           <a:xfrm>
-            <a:off x="1257300" y="11865189"/>
-            <a:ext cx="4114800" cy="681567"/>
+            <a:off x="1043603" y="8475134"/>
+            <a:ext cx="3415427" cy="486833"/>
           </a:xfrm>
           <a:prstGeom prst="rect">
             <a:avLst/>
@@ -2554,7 +2556,7 @@
           <a:bodyPr vert="horz" lIns="91440" tIns="45720" rIns="91440" bIns="45720" rtlCol="0" anchor="ctr"/>
           <a:lstStyle>
             <a:lvl1pPr algn="l">
-              <a:defRPr sz="2240">
+              <a:defRPr sz="1494">
                 <a:solidFill>
                   <a:schemeClr val="tx1">
                     <a:tint val="75000"/>
@@ -2566,7 +2568,7 @@
           <a:p>
             <a:fld id="{36D6B43A-FB72-2B4A-8DB0-B6C23179BADB}" type="datetimeFigureOut">
               <a:rPr lang="en-US" smtClean="0"/>
-              <a:t>2/28/22</a:t>
+              <a:t>4/11/22</a:t>
             </a:fld>
             <a:endParaRPr lang="en-US"/>
           </a:p>
@@ -2584,8 +2586,8 @@
         </p:nvSpPr>
         <p:spPr>
           <a:xfrm>
-            <a:off x="6057900" y="11865189"/>
-            <a:ext cx="6172200" cy="681567"/>
+            <a:off x="5028268" y="8475134"/>
+            <a:ext cx="5123140" cy="486833"/>
           </a:xfrm>
           <a:prstGeom prst="rect">
             <a:avLst/>
@@ -2595,7 +2597,7 @@
           <a:bodyPr vert="horz" lIns="91440" tIns="45720" rIns="91440" bIns="45720" rtlCol="0" anchor="ctr"/>
           <a:lstStyle>
             <a:lvl1pPr algn="ctr">
-              <a:defRPr sz="2240">
+              <a:defRPr sz="1494">
                 <a:solidFill>
                   <a:schemeClr val="tx1">
                     <a:tint val="75000"/>
@@ -2621,8 +2623,8 @@
         </p:nvSpPr>
         <p:spPr>
           <a:xfrm>
-            <a:off x="12915900" y="11865189"/>
-            <a:ext cx="4114800" cy="681567"/>
+            <a:off x="10720645" y="8475134"/>
+            <a:ext cx="3415427" cy="486833"/>
           </a:xfrm>
           <a:prstGeom prst="rect">
             <a:avLst/>
@@ -2632,7 +2634,7 @@
           <a:bodyPr vert="horz" lIns="91440" tIns="45720" rIns="91440" bIns="45720" rtlCol="0" anchor="ctr"/>
           <a:lstStyle>
             <a:lvl1pPr algn="r">
-              <a:defRPr sz="2240">
+              <a:defRPr sz="1494">
                 <a:solidFill>
                   <a:schemeClr val="tx1">
                     <a:tint val="75000"/>
@@ -2653,27 +2655,27 @@
     </p:spTree>
     <p:extLst>
       <p:ext uri="{BB962C8B-B14F-4D97-AF65-F5344CB8AC3E}">
-        <p14:creationId xmlns:p14="http://schemas.microsoft.com/office/powerpoint/2010/main" val="3426316545"/>
+        <p14:creationId xmlns:p14="http://schemas.microsoft.com/office/powerpoint/2010/main" val="2541894880"/>
       </p:ext>
     </p:extLst>
   </p:cSld>
   <p:clrMap bg1="lt1" tx1="dk1" bg2="lt2" tx2="dk2" accent1="accent1" accent2="accent2" accent3="accent3" accent4="accent4" accent5="accent5" accent6="accent6" hlink="hlink" folHlink="folHlink"/>
   <p:sldLayoutIdLst>
-    <p:sldLayoutId id="2147483865" r:id="rId1"/>
-    <p:sldLayoutId id="2147483866" r:id="rId2"/>
-    <p:sldLayoutId id="2147483867" r:id="rId3"/>
-    <p:sldLayoutId id="2147483868" r:id="rId4"/>
-    <p:sldLayoutId id="2147483869" r:id="rId5"/>
-    <p:sldLayoutId id="2147483870" r:id="rId6"/>
-    <p:sldLayoutId id="2147483871" r:id="rId7"/>
-    <p:sldLayoutId id="2147483872" r:id="rId8"/>
-    <p:sldLayoutId id="2147483873" r:id="rId9"/>
-    <p:sldLayoutId id="2147483874" r:id="rId10"/>
-    <p:sldLayoutId id="2147483875" r:id="rId11"/>
+    <p:sldLayoutId id="2147483925" r:id="rId1"/>
+    <p:sldLayoutId id="2147483926" r:id="rId2"/>
+    <p:sldLayoutId id="2147483927" r:id="rId3"/>
+    <p:sldLayoutId id="2147483928" r:id="rId4"/>
+    <p:sldLayoutId id="2147483929" r:id="rId5"/>
+    <p:sldLayoutId id="2147483930" r:id="rId6"/>
+    <p:sldLayoutId id="2147483931" r:id="rId7"/>
+    <p:sldLayoutId id="2147483932" r:id="rId8"/>
+    <p:sldLayoutId id="2147483933" r:id="rId9"/>
+    <p:sldLayoutId id="2147483934" r:id="rId10"/>
+    <p:sldLayoutId id="2147483935" r:id="rId11"/>
   </p:sldLayoutIdLst>
   <p:txStyles>
     <p:titleStyle>
-      <a:lvl1pPr algn="l" defTabSz="1706910" rtl="0" eaLnBrk="1" latinLnBrk="0" hangingPunct="1">
+      <a:lvl1pPr algn="l" defTabSz="1138519" rtl="0" eaLnBrk="1" latinLnBrk="0" hangingPunct="1">
         <a:lnSpc>
           <a:spcPct val="90000"/>
         </a:lnSpc>
@@ -2681,7 +2683,7 @@
           <a:spcPct val="0"/>
         </a:spcBef>
         <a:buNone/>
-        <a:defRPr sz="8213" kern="1200">
+        <a:defRPr sz="5478" kern="1200">
           <a:solidFill>
             <a:schemeClr val="tx1"/>
           </a:solidFill>
@@ -2692,16 +2694,16 @@
       </a:lvl1pPr>
     </p:titleStyle>
     <p:bodyStyle>
-      <a:lvl1pPr marL="426728" indent="-426728" algn="l" defTabSz="1706910" rtl="0" eaLnBrk="1" latinLnBrk="0" hangingPunct="1">
+      <a:lvl1pPr marL="284630" indent="-284630" algn="l" defTabSz="1138519" rtl="0" eaLnBrk="1" latinLnBrk="0" hangingPunct="1">
         <a:lnSpc>
           <a:spcPct val="90000"/>
         </a:lnSpc>
         <a:spcBef>
-          <a:spcPts val="1867"/>
+          <a:spcPts val="1245"/>
         </a:spcBef>
         <a:buFont typeface="Arial" panose="020B0604020202020204" pitchFamily="34" charset="0"/>
         <a:buChar char="•"/>
-        <a:defRPr sz="5227" kern="1200">
+        <a:defRPr sz="3486" kern="1200">
           <a:solidFill>
             <a:schemeClr val="tx1"/>
           </a:solidFill>
@@ -2710,16 +2712,16 @@
           <a:cs typeface="+mn-cs"/>
         </a:defRPr>
       </a:lvl1pPr>
-      <a:lvl2pPr marL="1280183" indent="-426728" algn="l" defTabSz="1706910" rtl="0" eaLnBrk="1" latinLnBrk="0" hangingPunct="1">
+      <a:lvl2pPr marL="853890" indent="-284630" algn="l" defTabSz="1138519" rtl="0" eaLnBrk="1" latinLnBrk="0" hangingPunct="1">
         <a:lnSpc>
           <a:spcPct val="90000"/>
         </a:lnSpc>
         <a:spcBef>
-          <a:spcPts val="933"/>
+          <a:spcPts val="623"/>
         </a:spcBef>
         <a:buFont typeface="Arial" panose="020B0604020202020204" pitchFamily="34" charset="0"/>
         <a:buChar char="•"/>
-        <a:defRPr sz="4480" kern="1200">
+        <a:defRPr sz="2988" kern="1200">
           <a:solidFill>
             <a:schemeClr val="tx1"/>
           </a:solidFill>
@@ -2728,16 +2730,16 @@
           <a:cs typeface="+mn-cs"/>
         </a:defRPr>
       </a:lvl2pPr>
-      <a:lvl3pPr marL="2133638" indent="-426728" algn="l" defTabSz="1706910" rtl="0" eaLnBrk="1" latinLnBrk="0" hangingPunct="1">
+      <a:lvl3pPr marL="1423149" indent="-284630" algn="l" defTabSz="1138519" rtl="0" eaLnBrk="1" latinLnBrk="0" hangingPunct="1">
         <a:lnSpc>
           <a:spcPct val="90000"/>
         </a:lnSpc>
         <a:spcBef>
-          <a:spcPts val="933"/>
+          <a:spcPts val="623"/>
         </a:spcBef>
         <a:buFont typeface="Arial" panose="020B0604020202020204" pitchFamily="34" charset="0"/>
         <a:buChar char="•"/>
-        <a:defRPr sz="3733" kern="1200">
+        <a:defRPr sz="2490" kern="1200">
           <a:solidFill>
             <a:schemeClr val="tx1"/>
           </a:solidFill>
@@ -2746,16 +2748,16 @@
           <a:cs typeface="+mn-cs"/>
         </a:defRPr>
       </a:lvl3pPr>
-      <a:lvl4pPr marL="2987093" indent="-426728" algn="l" defTabSz="1706910" rtl="0" eaLnBrk="1" latinLnBrk="0" hangingPunct="1">
+      <a:lvl4pPr marL="1992409" indent="-284630" algn="l" defTabSz="1138519" rtl="0" eaLnBrk="1" latinLnBrk="0" hangingPunct="1">
         <a:lnSpc>
           <a:spcPct val="90000"/>
         </a:lnSpc>
         <a:spcBef>
-          <a:spcPts val="933"/>
+          <a:spcPts val="623"/>
         </a:spcBef>
         <a:buFont typeface="Arial" panose="020B0604020202020204" pitchFamily="34" charset="0"/>
         <a:buChar char="•"/>
-        <a:defRPr sz="3360" kern="1200">
+        <a:defRPr sz="2241" kern="1200">
           <a:solidFill>
             <a:schemeClr val="tx1"/>
           </a:solidFill>
@@ -2764,16 +2766,16 @@
           <a:cs typeface="+mn-cs"/>
         </a:defRPr>
       </a:lvl4pPr>
-      <a:lvl5pPr marL="3840549" indent="-426728" algn="l" defTabSz="1706910" rtl="0" eaLnBrk="1" latinLnBrk="0" hangingPunct="1">
+      <a:lvl5pPr marL="2561669" indent="-284630" algn="l" defTabSz="1138519" rtl="0" eaLnBrk="1" latinLnBrk="0" hangingPunct="1">
         <a:lnSpc>
           <a:spcPct val="90000"/>
         </a:lnSpc>
         <a:spcBef>
-          <a:spcPts val="933"/>
+          <a:spcPts val="623"/>
         </a:spcBef>
         <a:buFont typeface="Arial" panose="020B0604020202020204" pitchFamily="34" charset="0"/>
         <a:buChar char="•"/>
-        <a:defRPr sz="3360" kern="1200">
+        <a:defRPr sz="2241" kern="1200">
           <a:solidFill>
             <a:schemeClr val="tx1"/>
           </a:solidFill>
@@ -2782,16 +2784,16 @@
           <a:cs typeface="+mn-cs"/>
         </a:defRPr>
       </a:lvl5pPr>
-      <a:lvl6pPr marL="4694004" indent="-426728" algn="l" defTabSz="1706910" rtl="0" eaLnBrk="1" latinLnBrk="0" hangingPunct="1">
+      <a:lvl6pPr marL="3130928" indent="-284630" algn="l" defTabSz="1138519" rtl="0" eaLnBrk="1" latinLnBrk="0" hangingPunct="1">
         <a:lnSpc>
           <a:spcPct val="90000"/>
         </a:lnSpc>
         <a:spcBef>
-          <a:spcPts val="933"/>
+          <a:spcPts val="623"/>
         </a:spcBef>
         <a:buFont typeface="Arial" panose="020B0604020202020204" pitchFamily="34" charset="0"/>
         <a:buChar char="•"/>
-        <a:defRPr sz="3360" kern="1200">
+        <a:defRPr sz="2241" kern="1200">
           <a:solidFill>
             <a:schemeClr val="tx1"/>
           </a:solidFill>
@@ -2800,16 +2802,16 @@
           <a:cs typeface="+mn-cs"/>
         </a:defRPr>
       </a:lvl6pPr>
-      <a:lvl7pPr marL="5547459" indent="-426728" algn="l" defTabSz="1706910" rtl="0" eaLnBrk="1" latinLnBrk="0" hangingPunct="1">
+      <a:lvl7pPr marL="3700188" indent="-284630" algn="l" defTabSz="1138519" rtl="0" eaLnBrk="1" latinLnBrk="0" hangingPunct="1">
         <a:lnSpc>
           <a:spcPct val="90000"/>
         </a:lnSpc>
         <a:spcBef>
-          <a:spcPts val="933"/>
+          <a:spcPts val="623"/>
         </a:spcBef>
         <a:buFont typeface="Arial" panose="020B0604020202020204" pitchFamily="34" charset="0"/>
         <a:buChar char="•"/>
-        <a:defRPr sz="3360" kern="1200">
+        <a:defRPr sz="2241" kern="1200">
           <a:solidFill>
             <a:schemeClr val="tx1"/>
           </a:solidFill>
@@ -2818,16 +2820,16 @@
           <a:cs typeface="+mn-cs"/>
         </a:defRPr>
       </a:lvl7pPr>
-      <a:lvl8pPr marL="6400914" indent="-426728" algn="l" defTabSz="1706910" rtl="0" eaLnBrk="1" latinLnBrk="0" hangingPunct="1">
+      <a:lvl8pPr marL="4269448" indent="-284630" algn="l" defTabSz="1138519" rtl="0" eaLnBrk="1" latinLnBrk="0" hangingPunct="1">
         <a:lnSpc>
           <a:spcPct val="90000"/>
         </a:lnSpc>
         <a:spcBef>
-          <a:spcPts val="933"/>
+          <a:spcPts val="623"/>
         </a:spcBef>
         <a:buFont typeface="Arial" panose="020B0604020202020204" pitchFamily="34" charset="0"/>
         <a:buChar char="•"/>
-        <a:defRPr sz="3360" kern="1200">
+        <a:defRPr sz="2241" kern="1200">
           <a:solidFill>
             <a:schemeClr val="tx1"/>
           </a:solidFill>
@@ -2836,16 +2838,16 @@
           <a:cs typeface="+mn-cs"/>
         </a:defRPr>
       </a:lvl8pPr>
-      <a:lvl9pPr marL="7254370" indent="-426728" algn="l" defTabSz="1706910" rtl="0" eaLnBrk="1" latinLnBrk="0" hangingPunct="1">
+      <a:lvl9pPr marL="4838708" indent="-284630" algn="l" defTabSz="1138519" rtl="0" eaLnBrk="1" latinLnBrk="0" hangingPunct="1">
         <a:lnSpc>
           <a:spcPct val="90000"/>
         </a:lnSpc>
         <a:spcBef>
-          <a:spcPts val="933"/>
+          <a:spcPts val="623"/>
         </a:spcBef>
         <a:buFont typeface="Arial" panose="020B0604020202020204" pitchFamily="34" charset="0"/>
         <a:buChar char="•"/>
-        <a:defRPr sz="3360" kern="1200">
+        <a:defRPr sz="2241" kern="1200">
           <a:solidFill>
             <a:schemeClr val="tx1"/>
           </a:solidFill>
@@ -2859,8 +2861,8 @@
       <a:defPPr>
         <a:defRPr lang="en-US"/>
       </a:defPPr>
-      <a:lvl1pPr marL="0" algn="l" defTabSz="1706910" rtl="0" eaLnBrk="1" latinLnBrk="0" hangingPunct="1">
-        <a:defRPr sz="3360" kern="1200">
+      <a:lvl1pPr marL="0" algn="l" defTabSz="1138519" rtl="0" eaLnBrk="1" latinLnBrk="0" hangingPunct="1">
+        <a:defRPr sz="2241" kern="1200">
           <a:solidFill>
             <a:schemeClr val="tx1"/>
           </a:solidFill>
@@ -2869,8 +2871,8 @@
           <a:cs typeface="+mn-cs"/>
         </a:defRPr>
       </a:lvl1pPr>
-      <a:lvl2pPr marL="853455" algn="l" defTabSz="1706910" rtl="0" eaLnBrk="1" latinLnBrk="0" hangingPunct="1">
-        <a:defRPr sz="3360" kern="1200">
+      <a:lvl2pPr marL="569260" algn="l" defTabSz="1138519" rtl="0" eaLnBrk="1" latinLnBrk="0" hangingPunct="1">
+        <a:defRPr sz="2241" kern="1200">
           <a:solidFill>
             <a:schemeClr val="tx1"/>
           </a:solidFill>
@@ -2879,8 +2881,8 @@
           <a:cs typeface="+mn-cs"/>
         </a:defRPr>
       </a:lvl2pPr>
-      <a:lvl3pPr marL="1706910" algn="l" defTabSz="1706910" rtl="0" eaLnBrk="1" latinLnBrk="0" hangingPunct="1">
-        <a:defRPr sz="3360" kern="1200">
+      <a:lvl3pPr marL="1138519" algn="l" defTabSz="1138519" rtl="0" eaLnBrk="1" latinLnBrk="0" hangingPunct="1">
+        <a:defRPr sz="2241" kern="1200">
           <a:solidFill>
             <a:schemeClr val="tx1"/>
           </a:solidFill>
@@ -2889,8 +2891,8 @@
           <a:cs typeface="+mn-cs"/>
         </a:defRPr>
       </a:lvl3pPr>
-      <a:lvl4pPr marL="2560366" algn="l" defTabSz="1706910" rtl="0" eaLnBrk="1" latinLnBrk="0" hangingPunct="1">
-        <a:defRPr sz="3360" kern="1200">
+      <a:lvl4pPr marL="1707779" algn="l" defTabSz="1138519" rtl="0" eaLnBrk="1" latinLnBrk="0" hangingPunct="1">
+        <a:defRPr sz="2241" kern="1200">
           <a:solidFill>
             <a:schemeClr val="tx1"/>
           </a:solidFill>
@@ -2899,8 +2901,8 @@
           <a:cs typeface="+mn-cs"/>
         </a:defRPr>
       </a:lvl4pPr>
-      <a:lvl5pPr marL="3413821" algn="l" defTabSz="1706910" rtl="0" eaLnBrk="1" latinLnBrk="0" hangingPunct="1">
-        <a:defRPr sz="3360" kern="1200">
+      <a:lvl5pPr marL="2277039" algn="l" defTabSz="1138519" rtl="0" eaLnBrk="1" latinLnBrk="0" hangingPunct="1">
+        <a:defRPr sz="2241" kern="1200">
           <a:solidFill>
             <a:schemeClr val="tx1"/>
           </a:solidFill>
@@ -2909,8 +2911,8 @@
           <a:cs typeface="+mn-cs"/>
         </a:defRPr>
       </a:lvl5pPr>
-      <a:lvl6pPr marL="4267276" algn="l" defTabSz="1706910" rtl="0" eaLnBrk="1" latinLnBrk="0" hangingPunct="1">
-        <a:defRPr sz="3360" kern="1200">
+      <a:lvl6pPr marL="2846299" algn="l" defTabSz="1138519" rtl="0" eaLnBrk="1" latinLnBrk="0" hangingPunct="1">
+        <a:defRPr sz="2241" kern="1200">
           <a:solidFill>
             <a:schemeClr val="tx1"/>
           </a:solidFill>
@@ -2919,8 +2921,8 @@
           <a:cs typeface="+mn-cs"/>
         </a:defRPr>
       </a:lvl6pPr>
-      <a:lvl7pPr marL="5120731" algn="l" defTabSz="1706910" rtl="0" eaLnBrk="1" latinLnBrk="0" hangingPunct="1">
-        <a:defRPr sz="3360" kern="1200">
+      <a:lvl7pPr marL="3415558" algn="l" defTabSz="1138519" rtl="0" eaLnBrk="1" latinLnBrk="0" hangingPunct="1">
+        <a:defRPr sz="2241" kern="1200">
           <a:solidFill>
             <a:schemeClr val="tx1"/>
           </a:solidFill>
@@ -2929,8 +2931,8 @@
           <a:cs typeface="+mn-cs"/>
         </a:defRPr>
       </a:lvl7pPr>
-      <a:lvl8pPr marL="5974187" algn="l" defTabSz="1706910" rtl="0" eaLnBrk="1" latinLnBrk="0" hangingPunct="1">
-        <a:defRPr sz="3360" kern="1200">
+      <a:lvl8pPr marL="3984818" algn="l" defTabSz="1138519" rtl="0" eaLnBrk="1" latinLnBrk="0" hangingPunct="1">
+        <a:defRPr sz="2241" kern="1200">
           <a:solidFill>
             <a:schemeClr val="tx1"/>
           </a:solidFill>
@@ -2939,8 +2941,8 @@
           <a:cs typeface="+mn-cs"/>
         </a:defRPr>
       </a:lvl8pPr>
-      <a:lvl9pPr marL="6827642" algn="l" defTabSz="1706910" rtl="0" eaLnBrk="1" latinLnBrk="0" hangingPunct="1">
-        <a:defRPr sz="3360" kern="1200">
+      <a:lvl9pPr marL="4554078" algn="l" defTabSz="1138519" rtl="0" eaLnBrk="1" latinLnBrk="0" hangingPunct="1">
+        <a:defRPr sz="2241" kern="1200">
           <a:solidFill>
             <a:schemeClr val="tx1"/>
           </a:solidFill>
@@ -2971,346 +2973,6 @@
           <a:chExt cx="0" cy="0"/>
         </a:xfrm>
       </p:grpSpPr>
-      <p:pic>
-        <p:nvPicPr>
-          <p:cNvPr id="61" name="Graphic 60">
-            <a:extLst>
-              <a:ext uri="{FF2B5EF4-FFF2-40B4-BE49-F238E27FC236}">
-                <a16:creationId xmlns:a16="http://schemas.microsoft.com/office/drawing/2014/main" id="{1D1A540E-0BB8-B541-A179-A5CE8D152C76}"/>
-              </a:ext>
-            </a:extLst>
-          </p:cNvPr>
-          <p:cNvPicPr>
-            <a:picLocks noChangeAspect="1"/>
-          </p:cNvPicPr>
-          <p:nvPr/>
-        </p:nvPicPr>
-        <p:blipFill>
-          <a:blip r:embed="rId2">
-            <a:extLst>
-              <a:ext uri="{96DAC541-7B7A-43D3-8B79-37D633B846F1}">
-                <asvg:svgBlip xmlns:asvg="http://schemas.microsoft.com/office/drawing/2016/SVG/main" r:embed="rId3"/>
-              </a:ext>
-            </a:extLst>
-          </a:blip>
-          <a:stretch>
-            <a:fillRect/>
-          </a:stretch>
-        </p:blipFill>
-        <p:spPr>
-          <a:xfrm>
-            <a:off x="7777913" y="6215764"/>
-            <a:ext cx="4572000" cy="4572000"/>
-          </a:xfrm>
-          <a:prstGeom prst="rect">
-            <a:avLst/>
-          </a:prstGeom>
-        </p:spPr>
-      </p:pic>
-      <p:sp>
-        <p:nvSpPr>
-          <p:cNvPr id="107" name="Rounded Rectangle 106">
-            <a:extLst>
-              <a:ext uri="{FF2B5EF4-FFF2-40B4-BE49-F238E27FC236}">
-                <a16:creationId xmlns:a16="http://schemas.microsoft.com/office/drawing/2014/main" id="{BAD03912-E807-EC44-8E8C-FD89FC7FE5B2}"/>
-              </a:ext>
-            </a:extLst>
-          </p:cNvPr>
-          <p:cNvSpPr/>
-          <p:nvPr/>
-        </p:nvSpPr>
-        <p:spPr>
-          <a:xfrm>
-            <a:off x="4674509" y="782022"/>
-            <a:ext cx="2377842" cy="1940264"/>
-          </a:xfrm>
-          <a:prstGeom prst="roundRect">
-            <a:avLst/>
-          </a:prstGeom>
-          <a:solidFill>
-            <a:schemeClr val="accent6">
-              <a:lumMod val="40000"/>
-              <a:lumOff val="60000"/>
-            </a:schemeClr>
-          </a:solidFill>
-          <a:ln>
-            <a:noFill/>
-          </a:ln>
-        </p:spPr>
-        <p:style>
-          <a:lnRef idx="2">
-            <a:schemeClr val="accent1">
-              <a:shade val="50000"/>
-            </a:schemeClr>
-          </a:lnRef>
-          <a:fillRef idx="1">
-            <a:schemeClr val="accent1"/>
-          </a:fillRef>
-          <a:effectRef idx="0">
-            <a:schemeClr val="accent1"/>
-          </a:effectRef>
-          <a:fontRef idx="minor">
-            <a:schemeClr val="lt1"/>
-          </a:fontRef>
-        </p:style>
-        <p:txBody>
-          <a:bodyPr rot="0" spcFirstLastPara="0" vertOverflow="overflow" horzOverflow="overflow" vert="horz" wrap="square" lIns="91440" tIns="45720" rIns="91440" bIns="45720" numCol="1" spcCol="0" rtlCol="0" fromWordArt="0" anchor="ctr" anchorCtr="0" forceAA="0" compatLnSpc="1">
-            <a:prstTxWarp prst="textNoShape">
-              <a:avLst/>
-            </a:prstTxWarp>
-            <a:noAutofit/>
-          </a:bodyPr>
-          <a:lstStyle/>
-          <a:p>
-            <a:pPr algn="ctr"/>
-            <a:endParaRPr lang="en-US">
-              <a:solidFill>
-                <a:schemeClr val="accent6">
-                  <a:lumMod val="40000"/>
-                  <a:lumOff val="60000"/>
-                </a:schemeClr>
-              </a:solidFill>
-            </a:endParaRPr>
-          </a:p>
-        </p:txBody>
-      </p:sp>
-      <p:grpSp>
-        <p:nvGrpSpPr>
-          <p:cNvPr id="44" name="Group 43">
-            <a:extLst>
-              <a:ext uri="{FF2B5EF4-FFF2-40B4-BE49-F238E27FC236}">
-                <a16:creationId xmlns:a16="http://schemas.microsoft.com/office/drawing/2014/main" id="{19BDF75F-3F12-2A40-967C-67D193E9D372}"/>
-              </a:ext>
-            </a:extLst>
-          </p:cNvPr>
-          <p:cNvGrpSpPr/>
-          <p:nvPr/>
-        </p:nvGrpSpPr>
-        <p:grpSpPr>
-          <a:xfrm>
-            <a:off x="3252722" y="9633641"/>
-            <a:ext cx="2281394" cy="853440"/>
-            <a:chOff x="2480555" y="546299"/>
-            <a:chExt cx="2281394" cy="853440"/>
-          </a:xfrm>
-        </p:grpSpPr>
-        <p:sp>
-          <p:nvSpPr>
-            <p:cNvPr id="43" name="Snip Diagonal Corner Rectangle 42">
-              <a:extLst>
-                <a:ext uri="{FF2B5EF4-FFF2-40B4-BE49-F238E27FC236}">
-                  <a16:creationId xmlns:a16="http://schemas.microsoft.com/office/drawing/2014/main" id="{ABF182D5-D85F-FE41-8034-3ECED1B9631F}"/>
-                </a:ext>
-              </a:extLst>
-            </p:cNvPr>
-            <p:cNvSpPr/>
-            <p:nvPr/>
-          </p:nvSpPr>
-          <p:spPr>
-            <a:xfrm>
-              <a:off x="2520978" y="546299"/>
-              <a:ext cx="2197068" cy="853440"/>
-            </a:xfrm>
-            <a:prstGeom prst="snip2DiagRect">
-              <a:avLst/>
-            </a:prstGeom>
-            <a:solidFill>
-              <a:srgbClr val="00B0F0"/>
-            </a:solidFill>
-            <a:ln>
-              <a:noFill/>
-            </a:ln>
-          </p:spPr>
-          <p:style>
-            <a:lnRef idx="2">
-              <a:schemeClr val="accent1">
-                <a:shade val="50000"/>
-              </a:schemeClr>
-            </a:lnRef>
-            <a:fillRef idx="1">
-              <a:schemeClr val="accent1"/>
-            </a:fillRef>
-            <a:effectRef idx="0">
-              <a:schemeClr val="accent1"/>
-            </a:effectRef>
-            <a:fontRef idx="minor">
-              <a:schemeClr val="lt1"/>
-            </a:fontRef>
-          </p:style>
-          <p:txBody>
-            <a:bodyPr rtlCol="0" anchor="ctr"/>
-            <a:lstStyle/>
-            <a:p>
-              <a:pPr algn="ctr"/>
-              <a:endParaRPr lang="en-US"/>
-            </a:p>
-          </p:txBody>
-        </p:sp>
-        <p:sp>
-          <p:nvSpPr>
-            <p:cNvPr id="81" name="TextBox 80">
-              <a:extLst>
-                <a:ext uri="{FF2B5EF4-FFF2-40B4-BE49-F238E27FC236}">
-                  <a16:creationId xmlns:a16="http://schemas.microsoft.com/office/drawing/2014/main" id="{FC6AAB64-DE8E-954D-B242-FD6858A28E03}"/>
-                </a:ext>
-              </a:extLst>
-            </p:cNvPr>
-            <p:cNvSpPr txBox="1"/>
-            <p:nvPr/>
-          </p:nvSpPr>
-          <p:spPr>
-            <a:xfrm>
-              <a:off x="2480555" y="709509"/>
-              <a:ext cx="2281394" cy="523220"/>
-            </a:xfrm>
-            <a:prstGeom prst="rect">
-              <a:avLst/>
-            </a:prstGeom>
-            <a:noFill/>
-          </p:spPr>
-          <p:txBody>
-            <a:bodyPr wrap="none" rtlCol="0">
-              <a:spAutoFit/>
-            </a:bodyPr>
-            <a:lstStyle/>
-            <a:p>
-              <a:pPr algn="ctr"/>
-              <a:r>
-                <a:rPr lang="en-US" sz="2800" b="1" dirty="0">
-                  <a:solidFill>
-                    <a:srgbClr val="C00000"/>
-                  </a:solidFill>
-                </a:rPr>
-                <a:t>Your own tree</a:t>
-              </a:r>
-            </a:p>
-          </p:txBody>
-        </p:sp>
-      </p:grpSp>
-      <p:grpSp>
-        <p:nvGrpSpPr>
-          <p:cNvPr id="101" name="Group 100">
-            <a:extLst>
-              <a:ext uri="{FF2B5EF4-FFF2-40B4-BE49-F238E27FC236}">
-                <a16:creationId xmlns:a16="http://schemas.microsoft.com/office/drawing/2014/main" id="{C5340886-8821-304A-968C-88F22C6F4938}"/>
-              </a:ext>
-            </a:extLst>
-          </p:cNvPr>
-          <p:cNvGrpSpPr/>
-          <p:nvPr/>
-        </p:nvGrpSpPr>
-        <p:grpSpPr>
-          <a:xfrm>
-            <a:off x="428276" y="9739151"/>
-            <a:ext cx="2479782" cy="1088510"/>
-            <a:chOff x="1881713" y="5326412"/>
-            <a:chExt cx="2479782" cy="1088510"/>
-          </a:xfrm>
-        </p:grpSpPr>
-        <p:sp>
-          <p:nvSpPr>
-            <p:cNvPr id="64" name="Teardrop 63">
-              <a:extLst>
-                <a:ext uri="{FF2B5EF4-FFF2-40B4-BE49-F238E27FC236}">
-                  <a16:creationId xmlns:a16="http://schemas.microsoft.com/office/drawing/2014/main" id="{EEB2452F-0E35-8F42-A342-CB674DEC00B0}"/>
-                </a:ext>
-              </a:extLst>
-            </p:cNvPr>
-            <p:cNvSpPr/>
-            <p:nvPr/>
-          </p:nvSpPr>
-          <p:spPr>
-            <a:xfrm>
-              <a:off x="1884097" y="5326412"/>
-              <a:ext cx="2415287" cy="1080494"/>
-            </a:xfrm>
-            <a:prstGeom prst="teardrop">
-              <a:avLst/>
-            </a:prstGeom>
-            <a:solidFill>
-              <a:srgbClr val="FFC000"/>
-            </a:solidFill>
-            <a:ln>
-              <a:noFill/>
-            </a:ln>
-          </p:spPr>
-          <p:style>
-            <a:lnRef idx="2">
-              <a:schemeClr val="accent1">
-                <a:shade val="50000"/>
-              </a:schemeClr>
-            </a:lnRef>
-            <a:fillRef idx="1">
-              <a:schemeClr val="accent1"/>
-            </a:fillRef>
-            <a:effectRef idx="0">
-              <a:schemeClr val="accent1"/>
-            </a:effectRef>
-            <a:fontRef idx="minor">
-              <a:schemeClr val="lt1"/>
-            </a:fontRef>
-          </p:style>
-          <p:txBody>
-            <a:bodyPr rtlCol="0" anchor="ctr"/>
-            <a:lstStyle/>
-            <a:p>
-              <a:pPr algn="ctr"/>
-              <a:endParaRPr lang="en-US"/>
-            </a:p>
-          </p:txBody>
-        </p:sp>
-        <p:sp>
-          <p:nvSpPr>
-            <p:cNvPr id="83" name="TextBox 82">
-              <a:extLst>
-                <a:ext uri="{FF2B5EF4-FFF2-40B4-BE49-F238E27FC236}">
-                  <a16:creationId xmlns:a16="http://schemas.microsoft.com/office/drawing/2014/main" id="{6A567310-544C-9341-8336-FF46C5C5A55D}"/>
-                </a:ext>
-              </a:extLst>
-            </p:cNvPr>
-            <p:cNvSpPr txBox="1"/>
-            <p:nvPr/>
-          </p:nvSpPr>
-          <p:spPr>
-            <a:xfrm>
-              <a:off x="1881713" y="5460815"/>
-              <a:ext cx="2479782" cy="954107"/>
-            </a:xfrm>
-            <a:prstGeom prst="rect">
-              <a:avLst/>
-            </a:prstGeom>
-            <a:noFill/>
-          </p:spPr>
-          <p:txBody>
-            <a:bodyPr wrap="none" rtlCol="0">
-              <a:spAutoFit/>
-            </a:bodyPr>
-            <a:lstStyle/>
-            <a:p>
-              <a:pPr algn="ctr"/>
-              <a:r>
-                <a:rPr lang="en-US" sz="2800" b="1" dirty="0">
-                  <a:solidFill>
-                    <a:srgbClr val="7030A0"/>
-                  </a:solidFill>
-                </a:rPr>
-                <a:t>A tree from the</a:t>
-              </a:r>
-            </a:p>
-            <a:p>
-              <a:pPr algn="ctr"/>
-              <a:r>
-                <a:rPr lang="en-US" sz="2800" b="1" dirty="0">
-                  <a:solidFill>
-                    <a:srgbClr val="7030A0"/>
-                  </a:solidFill>
-                </a:rPr>
-                <a:t>literature</a:t>
-              </a:r>
-            </a:p>
-          </p:txBody>
-        </p:sp>
-      </p:grpSp>
       <p:grpSp>
         <p:nvGrpSpPr>
           <p:cNvPr id="11" name="Group 10">
@@ -3325,8 +2987,8 @@
         </p:nvGrpSpPr>
         <p:grpSpPr>
           <a:xfrm>
-            <a:off x="379760" y="7454082"/>
-            <a:ext cx="2375842" cy="1418668"/>
+            <a:off x="11862874" y="5350846"/>
+            <a:ext cx="1737083" cy="1037251"/>
             <a:chOff x="8180912" y="11275546"/>
             <a:chExt cx="2375842" cy="1418668"/>
           </a:xfrm>
@@ -3352,7 +3014,9 @@
               <a:avLst/>
             </a:prstGeom>
             <a:solidFill>
-              <a:srgbClr val="7030A0"/>
+              <a:srgbClr val="02819C">
+                <a:alpha val="82000"/>
+              </a:srgbClr>
             </a:solidFill>
             <a:ln>
               <a:noFill/>
@@ -3398,7 +3062,7 @@
             <p:nvPr/>
           </p:nvPicPr>
           <p:blipFill>
-            <a:blip r:embed="rId4"/>
+            <a:blip r:embed="rId2"/>
             <a:stretch>
               <a:fillRect/>
             </a:stretch>
@@ -3416,10 +3080,39 @@
       </p:grpSp>
       <p:pic>
         <p:nvPicPr>
-          <p:cNvPr id="20" name="Picture 19">
+          <p:cNvPr id="9" name="Picture 8">
             <a:extLst>
               <a:ext uri="{FF2B5EF4-FFF2-40B4-BE49-F238E27FC236}">
-                <a16:creationId xmlns:a16="http://schemas.microsoft.com/office/drawing/2014/main" id="{BB36B237-683F-C746-B544-8CD0F747106F}"/>
+                <a16:creationId xmlns:a16="http://schemas.microsoft.com/office/drawing/2014/main" id="{8AAE1BBB-7378-124F-9B85-2CD136B5556C}"/>
+              </a:ext>
+            </a:extLst>
+          </p:cNvPr>
+          <p:cNvPicPr>
+            <a:picLocks noChangeAspect="1"/>
+          </p:cNvPicPr>
+          <p:nvPr/>
+        </p:nvPicPr>
+        <p:blipFill rotWithShape="1">
+          <a:blip r:embed="rId3"/>
+          <a:srcRect l="16380" t="19406" r="13693" b="19021"/>
+          <a:stretch/>
+        </p:blipFill>
+        <p:spPr>
+          <a:xfrm>
+            <a:off x="5564394" y="4104472"/>
+            <a:ext cx="3860910" cy="3399647"/>
+          </a:xfrm>
+          <a:prstGeom prst="rect">
+            <a:avLst/>
+          </a:prstGeom>
+        </p:spPr>
+      </p:pic>
+      <p:pic>
+        <p:nvPicPr>
+          <p:cNvPr id="40" name="Graphic 39">
+            <a:extLst>
+              <a:ext uri="{FF2B5EF4-FFF2-40B4-BE49-F238E27FC236}">
+                <a16:creationId xmlns:a16="http://schemas.microsoft.com/office/drawing/2014/main" id="{1261CEDD-11B7-6E41-891F-2C0CFD11EDD9}"/>
               </a:ext>
             </a:extLst>
           </p:cNvPr>
@@ -3429,15 +3122,21 @@
           <p:nvPr/>
         </p:nvPicPr>
         <p:blipFill>
-          <a:blip r:embed="rId5"/>
+          <a:blip r:embed="rId4">
+            <a:extLst>
+              <a:ext uri="{96DAC541-7B7A-43D3-8B79-37D633B846F1}">
+                <asvg:svgBlip xmlns:asvg="http://schemas.microsoft.com/office/drawing/2016/SVG/main" r:embed="rId5"/>
+              </a:ext>
+            </a:extLst>
+          </a:blip>
           <a:stretch>
             <a:fillRect/>
           </a:stretch>
         </p:blipFill>
         <p:spPr>
           <a:xfrm>
-            <a:off x="1579046" y="4659861"/>
-            <a:ext cx="3851557" cy="1800184"/>
+            <a:off x="406664" y="4203424"/>
+            <a:ext cx="3944253" cy="3585684"/>
           </a:xfrm>
           <a:prstGeom prst="rect">
             <a:avLst/>
@@ -3446,10 +3145,460 @@
       </p:pic>
       <p:sp>
         <p:nvSpPr>
-          <p:cNvPr id="56" name="Right Arrow 55">
+          <p:cNvPr id="119" name="TextBox 118">
             <a:extLst>
               <a:ext uri="{FF2B5EF4-FFF2-40B4-BE49-F238E27FC236}">
-                <a16:creationId xmlns:a16="http://schemas.microsoft.com/office/drawing/2014/main" id="{D45C1CBB-6A98-E04A-A080-D624736FE173}"/>
+                <a16:creationId xmlns:a16="http://schemas.microsoft.com/office/drawing/2014/main" id="{29413002-8637-6B49-9BC9-E20CAE816881}"/>
+              </a:ext>
+            </a:extLst>
+          </p:cNvPr>
+          <p:cNvSpPr txBox="1"/>
+          <p:nvPr/>
+        </p:nvSpPr>
+        <p:spPr>
+          <a:xfrm>
+            <a:off x="172528" y="621800"/>
+            <a:ext cx="3228484" cy="523220"/>
+          </a:xfrm>
+          <a:prstGeom prst="rect">
+            <a:avLst/>
+          </a:prstGeom>
+          <a:noFill/>
+        </p:spPr>
+        <p:txBody>
+          <a:bodyPr wrap="square" rtlCol="0">
+            <a:spAutoFit/>
+          </a:bodyPr>
+          <a:lstStyle/>
+          <a:p>
+            <a:pPr algn="ctr"/>
+            <a:r>
+              <a:rPr lang="en-US" sz="2800" b="1" i="1" dirty="0"/>
+              <a:t>B</a:t>
+            </a:r>
+            <a:r>
+              <a:rPr lang="en-US" sz="2800" b="1" i="1" baseline="-25000" dirty="0"/>
+              <a:t>1 </a:t>
+            </a:r>
+            <a:r>
+              <a:rPr lang="en-US" sz="2800" b="1" i="1" dirty="0"/>
+              <a:t>,  A,  C,  E,  </a:t>
+            </a:r>
+            <a:r>
+              <a:rPr lang="en-US" sz="2800" b="1" i="1" dirty="0" err="1"/>
+              <a:t>F</a:t>
+            </a:r>
+            <a:r>
+              <a:rPr lang="en-US" sz="2800" b="1" i="1" baseline="-25000" dirty="0" err="1"/>
+              <a:t>x</a:t>
+            </a:r>
+            <a:r>
+              <a:rPr lang="en-US" sz="2800" b="1" i="1" dirty="0"/>
+              <a:t> ,  D</a:t>
+            </a:r>
+            <a:endParaRPr lang="en-US" sz="2800" b="1" i="1" baseline="-25000" dirty="0"/>
+          </a:p>
+        </p:txBody>
+      </p:sp>
+      <p:sp>
+        <p:nvSpPr>
+          <p:cNvPr id="126" name="TextBox 125">
+            <a:extLst>
+              <a:ext uri="{FF2B5EF4-FFF2-40B4-BE49-F238E27FC236}">
+                <a16:creationId xmlns:a16="http://schemas.microsoft.com/office/drawing/2014/main" id="{CC43384F-D18F-8948-8D26-D0FDB4A6F9F5}"/>
+              </a:ext>
+            </a:extLst>
+          </p:cNvPr>
+          <p:cNvSpPr txBox="1"/>
+          <p:nvPr/>
+        </p:nvSpPr>
+        <p:spPr>
+          <a:xfrm>
+            <a:off x="-5345" y="1941050"/>
+            <a:ext cx="3073317" cy="923330"/>
+          </a:xfrm>
+          <a:prstGeom prst="rect">
+            <a:avLst/>
+          </a:prstGeom>
+          <a:noFill/>
+        </p:spPr>
+        <p:txBody>
+          <a:bodyPr wrap="square" rtlCol="0">
+            <a:spAutoFit/>
+          </a:bodyPr>
+          <a:lstStyle/>
+          <a:p>
+            <a:pPr algn="ctr"/>
+            <a:r>
+              <a:rPr lang="en-US" dirty="0"/>
+              <a:t>2) Processing taxon names with TNRS and standardizing them to a taxonomy</a:t>
+            </a:r>
+          </a:p>
+        </p:txBody>
+      </p:sp>
+      <p:grpSp>
+        <p:nvGrpSpPr>
+          <p:cNvPr id="131" name="Group 130">
+            <a:extLst>
+              <a:ext uri="{FF2B5EF4-FFF2-40B4-BE49-F238E27FC236}">
+                <a16:creationId xmlns:a16="http://schemas.microsoft.com/office/drawing/2014/main" id="{237CE8B6-FF88-A54D-9058-1A544CD55E4E}"/>
+              </a:ext>
+            </a:extLst>
+          </p:cNvPr>
+          <p:cNvGrpSpPr/>
+          <p:nvPr/>
+        </p:nvGrpSpPr>
+        <p:grpSpPr>
+          <a:xfrm>
+            <a:off x="12850735" y="205627"/>
+            <a:ext cx="2128684" cy="1689674"/>
+            <a:chOff x="349831" y="5774256"/>
+            <a:chExt cx="2128684" cy="1689674"/>
+          </a:xfrm>
+        </p:grpSpPr>
+        <p:sp>
+          <p:nvSpPr>
+            <p:cNvPr id="132" name="Rounded Rectangle 131">
+              <a:extLst>
+                <a:ext uri="{FF2B5EF4-FFF2-40B4-BE49-F238E27FC236}">
+                  <a16:creationId xmlns:a16="http://schemas.microsoft.com/office/drawing/2014/main" id="{78450D60-342C-774D-889C-C19A33B394BE}"/>
+                </a:ext>
+              </a:extLst>
+            </p:cNvPr>
+            <p:cNvSpPr/>
+            <p:nvPr/>
+          </p:nvSpPr>
+          <p:spPr>
+            <a:xfrm>
+              <a:off x="349831" y="5774256"/>
+              <a:ext cx="2128684" cy="1689674"/>
+            </a:xfrm>
+            <a:prstGeom prst="roundRect">
+              <a:avLst/>
+            </a:prstGeom>
+            <a:solidFill>
+              <a:srgbClr val="A2FD3B">
+                <a:alpha val="69804"/>
+              </a:srgbClr>
+            </a:solidFill>
+          </p:spPr>
+          <p:style>
+            <a:lnRef idx="2">
+              <a:schemeClr val="accent1">
+                <a:shade val="50000"/>
+              </a:schemeClr>
+            </a:lnRef>
+            <a:fillRef idx="1">
+              <a:schemeClr val="accent1"/>
+            </a:fillRef>
+            <a:effectRef idx="0">
+              <a:schemeClr val="accent1"/>
+            </a:effectRef>
+            <a:fontRef idx="minor">
+              <a:schemeClr val="lt1"/>
+            </a:fontRef>
+          </p:style>
+          <p:txBody>
+            <a:bodyPr rot="0" spcFirstLastPara="0" vertOverflow="overflow" horzOverflow="overflow" vert="horz" wrap="square" lIns="91440" tIns="45720" rIns="91440" bIns="45720" numCol="1" spcCol="0" rtlCol="0" fromWordArt="0" anchor="ctr" anchorCtr="0" forceAA="0" compatLnSpc="1">
+              <a:prstTxWarp prst="textNoShape">
+                <a:avLst/>
+              </a:prstTxWarp>
+              <a:noAutofit/>
+            </a:bodyPr>
+            <a:lstStyle/>
+            <a:p>
+              <a:pPr algn="ctr"/>
+              <a:endParaRPr lang="en-US" dirty="0"/>
+            </a:p>
+          </p:txBody>
+        </p:sp>
+        <p:pic>
+          <p:nvPicPr>
+            <p:cNvPr id="133" name="Picture 132">
+              <a:extLst>
+                <a:ext uri="{FF2B5EF4-FFF2-40B4-BE49-F238E27FC236}">
+                  <a16:creationId xmlns:a16="http://schemas.microsoft.com/office/drawing/2014/main" id="{9094FA13-8AF7-1A40-8183-C2AFE2C7E83B}"/>
+                </a:ext>
+              </a:extLst>
+            </p:cNvPr>
+            <p:cNvPicPr>
+              <a:picLocks noChangeAspect="1"/>
+            </p:cNvPicPr>
+            <p:nvPr/>
+          </p:nvPicPr>
+          <p:blipFill>
+            <a:blip r:embed="rId6"/>
+            <a:stretch>
+              <a:fillRect/>
+            </a:stretch>
+          </p:blipFill>
+          <p:spPr>
+            <a:xfrm>
+              <a:off x="374937" y="5929435"/>
+              <a:ext cx="2057400" cy="1428750"/>
+            </a:xfrm>
+            <a:prstGeom prst="rect">
+              <a:avLst/>
+            </a:prstGeom>
+          </p:spPr>
+        </p:pic>
+      </p:grpSp>
+      <p:grpSp>
+        <p:nvGrpSpPr>
+          <p:cNvPr id="134" name="Group 133">
+            <a:extLst>
+              <a:ext uri="{FF2B5EF4-FFF2-40B4-BE49-F238E27FC236}">
+                <a16:creationId xmlns:a16="http://schemas.microsoft.com/office/drawing/2014/main" id="{AE709E57-87A7-8746-BDED-FE896E621DEC}"/>
+              </a:ext>
+            </a:extLst>
+          </p:cNvPr>
+          <p:cNvGrpSpPr/>
+          <p:nvPr/>
+        </p:nvGrpSpPr>
+        <p:grpSpPr>
+          <a:xfrm>
+            <a:off x="10566903" y="192748"/>
+            <a:ext cx="2145091" cy="1691640"/>
+            <a:chOff x="347050" y="4140009"/>
+            <a:chExt cx="2145091" cy="1691640"/>
+          </a:xfrm>
+        </p:grpSpPr>
+        <p:sp>
+          <p:nvSpPr>
+            <p:cNvPr id="135" name="Rounded Rectangle 134">
+              <a:extLst>
+                <a:ext uri="{FF2B5EF4-FFF2-40B4-BE49-F238E27FC236}">
+                  <a16:creationId xmlns:a16="http://schemas.microsoft.com/office/drawing/2014/main" id="{D8549988-4248-B648-80CE-CD62D9C40C3E}"/>
+                </a:ext>
+              </a:extLst>
+            </p:cNvPr>
+            <p:cNvSpPr/>
+            <p:nvPr/>
+          </p:nvSpPr>
+          <p:spPr>
+            <a:xfrm>
+              <a:off x="347050" y="4140009"/>
+              <a:ext cx="2128684" cy="1691640"/>
+            </a:xfrm>
+            <a:prstGeom prst="roundRect">
+              <a:avLst/>
+            </a:prstGeom>
+            <a:solidFill>
+              <a:srgbClr val="456CE3">
+                <a:alpha val="69804"/>
+              </a:srgbClr>
+            </a:solidFill>
+          </p:spPr>
+          <p:style>
+            <a:lnRef idx="2">
+              <a:schemeClr val="accent1">
+                <a:shade val="50000"/>
+              </a:schemeClr>
+            </a:lnRef>
+            <a:fillRef idx="1">
+              <a:schemeClr val="accent1"/>
+            </a:fillRef>
+            <a:effectRef idx="0">
+              <a:schemeClr val="accent1"/>
+            </a:effectRef>
+            <a:fontRef idx="minor">
+              <a:schemeClr val="lt1"/>
+            </a:fontRef>
+          </p:style>
+          <p:txBody>
+            <a:bodyPr rot="0" spcFirstLastPara="0" vertOverflow="overflow" horzOverflow="overflow" vert="horz" wrap="square" lIns="91440" tIns="45720" rIns="91440" bIns="45720" numCol="1" spcCol="0" rtlCol="0" fromWordArt="0" anchor="ctr" anchorCtr="0" forceAA="0" compatLnSpc="1">
+              <a:prstTxWarp prst="textNoShape">
+                <a:avLst/>
+              </a:prstTxWarp>
+              <a:noAutofit/>
+            </a:bodyPr>
+            <a:lstStyle/>
+            <a:p>
+              <a:pPr algn="ctr"/>
+              <a:endParaRPr lang="en-US" dirty="0"/>
+            </a:p>
+          </p:txBody>
+        </p:sp>
+        <p:pic>
+          <p:nvPicPr>
+            <p:cNvPr id="136" name="Picture 135">
+              <a:extLst>
+                <a:ext uri="{FF2B5EF4-FFF2-40B4-BE49-F238E27FC236}">
+                  <a16:creationId xmlns:a16="http://schemas.microsoft.com/office/drawing/2014/main" id="{83F8F78E-7FBF-4547-94EE-B9D2766E2B43}"/>
+                </a:ext>
+              </a:extLst>
+            </p:cNvPr>
+            <p:cNvPicPr>
+              <a:picLocks noChangeAspect="1"/>
+            </p:cNvPicPr>
+            <p:nvPr/>
+          </p:nvPicPr>
+          <p:blipFill>
+            <a:blip r:embed="rId7"/>
+            <a:stretch>
+              <a:fillRect/>
+            </a:stretch>
+          </p:blipFill>
+          <p:spPr>
+            <a:xfrm>
+              <a:off x="434741" y="4269374"/>
+              <a:ext cx="2057400" cy="1428750"/>
+            </a:xfrm>
+            <a:prstGeom prst="rect">
+              <a:avLst/>
+            </a:prstGeom>
+          </p:spPr>
+        </p:pic>
+      </p:grpSp>
+      <p:grpSp>
+        <p:nvGrpSpPr>
+          <p:cNvPr id="137" name="Group 136">
+            <a:extLst>
+              <a:ext uri="{FF2B5EF4-FFF2-40B4-BE49-F238E27FC236}">
+                <a16:creationId xmlns:a16="http://schemas.microsoft.com/office/drawing/2014/main" id="{C7ECA3AB-4175-7A4B-98A2-3E0A1938CB40}"/>
+              </a:ext>
+            </a:extLst>
+          </p:cNvPr>
+          <p:cNvGrpSpPr/>
+          <p:nvPr/>
+        </p:nvGrpSpPr>
+        <p:grpSpPr>
+          <a:xfrm>
+            <a:off x="8300322" y="353953"/>
+            <a:ext cx="2128684" cy="1442486"/>
+            <a:chOff x="3095159" y="6869139"/>
+            <a:chExt cx="2128684" cy="1442486"/>
+          </a:xfrm>
+        </p:grpSpPr>
+        <p:sp>
+          <p:nvSpPr>
+            <p:cNvPr id="138" name="Rounded Rectangle 137">
+              <a:extLst>
+                <a:ext uri="{FF2B5EF4-FFF2-40B4-BE49-F238E27FC236}">
+                  <a16:creationId xmlns:a16="http://schemas.microsoft.com/office/drawing/2014/main" id="{6DEEC078-29E2-AB4C-AA8E-79FB6365CAEC}"/>
+                </a:ext>
+              </a:extLst>
+            </p:cNvPr>
+            <p:cNvSpPr/>
+            <p:nvPr/>
+          </p:nvSpPr>
+          <p:spPr>
+            <a:xfrm>
+              <a:off x="3095159" y="6869139"/>
+              <a:ext cx="2128684" cy="1442486"/>
+            </a:xfrm>
+            <a:prstGeom prst="roundRect">
+              <a:avLst/>
+            </a:prstGeom>
+            <a:solidFill>
+              <a:srgbClr val="D23004">
+                <a:alpha val="69804"/>
+              </a:srgbClr>
+            </a:solidFill>
+          </p:spPr>
+          <p:style>
+            <a:lnRef idx="2">
+              <a:schemeClr val="accent1">
+                <a:shade val="50000"/>
+              </a:schemeClr>
+            </a:lnRef>
+            <a:fillRef idx="1">
+              <a:schemeClr val="accent1"/>
+            </a:fillRef>
+            <a:effectRef idx="0">
+              <a:schemeClr val="accent1"/>
+            </a:effectRef>
+            <a:fontRef idx="minor">
+              <a:schemeClr val="lt1"/>
+            </a:fontRef>
+          </p:style>
+          <p:txBody>
+            <a:bodyPr rot="0" spcFirstLastPara="0" vertOverflow="overflow" horzOverflow="overflow" vert="horz" wrap="square" lIns="91440" tIns="45720" rIns="91440" bIns="45720" numCol="1" spcCol="0" rtlCol="0" fromWordArt="0" anchor="ctr" anchorCtr="0" forceAA="0" compatLnSpc="1">
+              <a:prstTxWarp prst="textNoShape">
+                <a:avLst/>
+              </a:prstTxWarp>
+              <a:noAutofit/>
+            </a:bodyPr>
+            <a:lstStyle/>
+            <a:p>
+              <a:pPr algn="ctr"/>
+              <a:endParaRPr lang="en-US" dirty="0"/>
+            </a:p>
+          </p:txBody>
+        </p:sp>
+        <p:pic>
+          <p:nvPicPr>
+            <p:cNvPr id="139" name="Picture 138">
+              <a:extLst>
+                <a:ext uri="{FF2B5EF4-FFF2-40B4-BE49-F238E27FC236}">
+                  <a16:creationId xmlns:a16="http://schemas.microsoft.com/office/drawing/2014/main" id="{CA3DB4E6-6898-2A42-9EFC-2EAACE0FC24F}"/>
+                </a:ext>
+              </a:extLst>
+            </p:cNvPr>
+            <p:cNvPicPr>
+              <a:picLocks noChangeAspect="1"/>
+            </p:cNvPicPr>
+            <p:nvPr/>
+          </p:nvPicPr>
+          <p:blipFill>
+            <a:blip r:embed="rId8"/>
+            <a:stretch>
+              <a:fillRect/>
+            </a:stretch>
+          </p:blipFill>
+          <p:spPr>
+            <a:xfrm>
+              <a:off x="3104106" y="6876007"/>
+              <a:ext cx="2057400" cy="1428750"/>
+            </a:xfrm>
+            <a:prstGeom prst="rect">
+              <a:avLst/>
+            </a:prstGeom>
+          </p:spPr>
+        </p:pic>
+      </p:grpSp>
+      <p:sp>
+        <p:nvSpPr>
+          <p:cNvPr id="142" name="TextBox 141">
+            <a:extLst>
+              <a:ext uri="{FF2B5EF4-FFF2-40B4-BE49-F238E27FC236}">
+                <a16:creationId xmlns:a16="http://schemas.microsoft.com/office/drawing/2014/main" id="{E1F9AEA3-5120-D64B-9A13-430AA9AAD530}"/>
+              </a:ext>
+            </a:extLst>
+          </p:cNvPr>
+          <p:cNvSpPr txBox="1"/>
+          <p:nvPr/>
+        </p:nvSpPr>
+        <p:spPr>
+          <a:xfrm>
+            <a:off x="80921" y="2916409"/>
+            <a:ext cx="3066451" cy="523220"/>
+          </a:xfrm>
+          <a:prstGeom prst="rect">
+            <a:avLst/>
+          </a:prstGeom>
+          <a:noFill/>
+        </p:spPr>
+        <p:txBody>
+          <a:bodyPr wrap="square" rtlCol="0">
+            <a:spAutoFit/>
+          </a:bodyPr>
+          <a:lstStyle/>
+          <a:p>
+            <a:pPr algn="ctr"/>
+            <a:r>
+              <a:rPr lang="en-US" sz="2800" b="1" i="1" dirty="0"/>
+              <a:t>A   B  C  D   E   F</a:t>
+            </a:r>
+          </a:p>
+        </p:txBody>
+      </p:sp>
+      <p:sp>
+        <p:nvSpPr>
+          <p:cNvPr id="152" name="Rounded Rectangle 151">
+            <a:extLst>
+              <a:ext uri="{FF2B5EF4-FFF2-40B4-BE49-F238E27FC236}">
+                <a16:creationId xmlns:a16="http://schemas.microsoft.com/office/drawing/2014/main" id="{EE5806D5-A969-EB41-9E18-D682277B7927}"/>
               </a:ext>
             </a:extLst>
           </p:cNvPr>
@@ -3457,9 +3606,181 @@
           <p:nvPr/>
         </p:nvSpPr>
         <p:spPr>
-          <a:xfrm rot="18028128">
-            <a:off x="4534172" y="3805749"/>
-            <a:ext cx="685800" cy="713232"/>
+          <a:xfrm>
+            <a:off x="38631" y="1973711"/>
+            <a:ext cx="3108741" cy="1551768"/>
+          </a:xfrm>
+          <a:prstGeom prst="roundRect">
+            <a:avLst/>
+          </a:prstGeom>
+          <a:noFill/>
+          <a:ln w="38100">
+            <a:solidFill>
+              <a:srgbClr val="92D050"/>
+            </a:solidFill>
+          </a:ln>
+        </p:spPr>
+        <p:style>
+          <a:lnRef idx="2">
+            <a:schemeClr val="accent1">
+              <a:shade val="50000"/>
+            </a:schemeClr>
+          </a:lnRef>
+          <a:fillRef idx="1">
+            <a:schemeClr val="accent1"/>
+          </a:fillRef>
+          <a:effectRef idx="0">
+            <a:schemeClr val="accent1"/>
+          </a:effectRef>
+          <a:fontRef idx="minor">
+            <a:schemeClr val="lt1"/>
+          </a:fontRef>
+        </p:style>
+        <p:txBody>
+          <a:bodyPr rot="0" spcFirstLastPara="0" vertOverflow="overflow" horzOverflow="overflow" vert="horz" wrap="square" lIns="91440" tIns="45720" rIns="91440" bIns="45720" numCol="1" spcCol="0" rtlCol="0" fromWordArt="0" anchor="ctr" anchorCtr="0" forceAA="0" compatLnSpc="1">
+            <a:prstTxWarp prst="textNoShape">
+              <a:avLst/>
+            </a:prstTxWarp>
+            <a:noAutofit/>
+          </a:bodyPr>
+          <a:lstStyle/>
+          <a:p>
+            <a:pPr algn="ctr"/>
+            <a:endParaRPr lang="en-US"/>
+          </a:p>
+        </p:txBody>
+      </p:sp>
+      <p:sp>
+        <p:nvSpPr>
+          <p:cNvPr id="157" name="TextBox 156">
+            <a:extLst>
+              <a:ext uri="{FF2B5EF4-FFF2-40B4-BE49-F238E27FC236}">
+                <a16:creationId xmlns:a16="http://schemas.microsoft.com/office/drawing/2014/main" id="{69803FA4-C060-3640-AE0A-B5EB185D5CB9}"/>
+              </a:ext>
+            </a:extLst>
+          </p:cNvPr>
+          <p:cNvSpPr txBox="1"/>
+          <p:nvPr/>
+        </p:nvSpPr>
+        <p:spPr>
+          <a:xfrm>
+            <a:off x="119744" y="91736"/>
+            <a:ext cx="3656643" cy="646331"/>
+          </a:xfrm>
+          <a:prstGeom prst="rect">
+            <a:avLst/>
+          </a:prstGeom>
+          <a:noFill/>
+        </p:spPr>
+        <p:txBody>
+          <a:bodyPr wrap="square" rtlCol="0">
+            <a:spAutoFit/>
+          </a:bodyPr>
+          <a:lstStyle/>
+          <a:p>
+            <a:pPr algn="ctr"/>
+            <a:r>
+              <a:rPr lang="en-US" dirty="0"/>
+              <a:t>1) A list of taxon names provided by the user</a:t>
+            </a:r>
+          </a:p>
+        </p:txBody>
+      </p:sp>
+      <p:sp>
+        <p:nvSpPr>
+          <p:cNvPr id="159" name="TextBox 158">
+            <a:extLst>
+              <a:ext uri="{FF2B5EF4-FFF2-40B4-BE49-F238E27FC236}">
+                <a16:creationId xmlns:a16="http://schemas.microsoft.com/office/drawing/2014/main" id="{79BA94DE-7262-0748-8C22-AEDF266E034A}"/>
+              </a:ext>
+            </a:extLst>
+          </p:cNvPr>
+          <p:cNvSpPr txBox="1"/>
+          <p:nvPr/>
+        </p:nvSpPr>
+        <p:spPr>
+          <a:xfrm>
+            <a:off x="5904454" y="7985328"/>
+            <a:ext cx="3277135" cy="646331"/>
+          </a:xfrm>
+          <a:prstGeom prst="rect">
+            <a:avLst/>
+          </a:prstGeom>
+          <a:noFill/>
+        </p:spPr>
+        <p:txBody>
+          <a:bodyPr wrap="square" rtlCol="0">
+            <a:spAutoFit/>
+          </a:bodyPr>
+          <a:lstStyle/>
+          <a:p>
+            <a:r>
+              <a:rPr lang="en-US" dirty="0"/>
+              <a:t>5) </a:t>
+            </a:r>
+            <a:r>
+              <a:rPr lang="en-US" dirty="0" err="1"/>
+              <a:t>Congruify</a:t>
+            </a:r>
+            <a:r>
+              <a:rPr lang="en-US" dirty="0"/>
+              <a:t> source chronogram nodes to nodes of tree topology</a:t>
+            </a:r>
+          </a:p>
+        </p:txBody>
+      </p:sp>
+      <p:sp>
+        <p:nvSpPr>
+          <p:cNvPr id="165" name="TextBox 164">
+            <a:extLst>
+              <a:ext uri="{FF2B5EF4-FFF2-40B4-BE49-F238E27FC236}">
+                <a16:creationId xmlns:a16="http://schemas.microsoft.com/office/drawing/2014/main" id="{EB7E5FA8-FC3F-A841-A7A5-691B0FBFB1AF}"/>
+              </a:ext>
+            </a:extLst>
+          </p:cNvPr>
+          <p:cNvSpPr txBox="1"/>
+          <p:nvPr/>
+        </p:nvSpPr>
+        <p:spPr>
+          <a:xfrm>
+            <a:off x="11202840" y="3416668"/>
+            <a:ext cx="2981651" cy="369332"/>
+          </a:xfrm>
+          <a:prstGeom prst="rect">
+            <a:avLst/>
+          </a:prstGeom>
+          <a:noFill/>
+        </p:spPr>
+        <p:txBody>
+          <a:bodyPr wrap="square" rtlCol="0">
+            <a:spAutoFit/>
+          </a:bodyPr>
+          <a:lstStyle/>
+          <a:p>
+            <a:pPr algn="ctr"/>
+            <a:r>
+              <a:rPr lang="en-US" dirty="0"/>
+              <a:t>4) Choose tree topology </a:t>
+            </a:r>
+          </a:p>
+        </p:txBody>
+      </p:sp>
+      <p:sp>
+        <p:nvSpPr>
+          <p:cNvPr id="41" name="Right Arrow 40">
+            <a:extLst>
+              <a:ext uri="{FF2B5EF4-FFF2-40B4-BE49-F238E27FC236}">
+                <a16:creationId xmlns:a16="http://schemas.microsoft.com/office/drawing/2014/main" id="{DFCDBECB-F7D8-C74D-AE89-8D7C4EDD78BC}"/>
+              </a:ext>
+            </a:extLst>
+          </p:cNvPr>
+          <p:cNvSpPr/>
+          <p:nvPr/>
+        </p:nvSpPr>
+        <p:spPr>
+          <a:xfrm>
+            <a:off x="3172338" y="1965729"/>
+            <a:ext cx="872092" cy="722643"/>
           </a:xfrm>
           <a:prstGeom prst="rightArrow">
             <a:avLst/>
@@ -3505,10 +3826,10 @@
       </p:sp>
       <p:sp>
         <p:nvSpPr>
-          <p:cNvPr id="60" name="Right Arrow 59">
+          <p:cNvPr id="42" name="Right Arrow 41">
             <a:extLst>
               <a:ext uri="{FF2B5EF4-FFF2-40B4-BE49-F238E27FC236}">
-                <a16:creationId xmlns:a16="http://schemas.microsoft.com/office/drawing/2014/main" id="{40A0691B-9C86-D842-B51B-043150C5CAFA}"/>
+                <a16:creationId xmlns:a16="http://schemas.microsoft.com/office/drawing/2014/main" id="{C34DE3F3-9297-EA41-A318-75D27C90CE93}"/>
               </a:ext>
             </a:extLst>
           </p:cNvPr>
@@ -3516,8 +3837,8 @@
           <p:nvPr/>
         </p:nvSpPr>
         <p:spPr>
-          <a:xfrm rot="2985550" flipV="1">
-            <a:off x="7068279" y="3561304"/>
+          <a:xfrm rot="10800000" flipV="1">
+            <a:off x="4782630" y="5888775"/>
             <a:ext cx="688359" cy="716625"/>
           </a:xfrm>
           <a:prstGeom prst="rightArrow">
@@ -3562,12 +3883,378 @@
           </a:p>
         </p:txBody>
       </p:sp>
+      <p:sp>
+        <p:nvSpPr>
+          <p:cNvPr id="44" name="TextBox 43">
+            <a:extLst>
+              <a:ext uri="{FF2B5EF4-FFF2-40B4-BE49-F238E27FC236}">
+                <a16:creationId xmlns:a16="http://schemas.microsoft.com/office/drawing/2014/main" id="{AE041B43-3B0C-AD4C-BC5E-3486F0A0EABA}"/>
+              </a:ext>
+            </a:extLst>
+          </p:cNvPr>
+          <p:cNvSpPr txBox="1"/>
+          <p:nvPr/>
+        </p:nvSpPr>
+        <p:spPr>
+          <a:xfrm>
+            <a:off x="159294" y="8055261"/>
+            <a:ext cx="4345558" cy="646331"/>
+          </a:xfrm>
+          <a:prstGeom prst="rect">
+            <a:avLst/>
+          </a:prstGeom>
+          <a:noFill/>
+        </p:spPr>
+        <p:txBody>
+          <a:bodyPr wrap="square" rtlCol="0">
+            <a:spAutoFit/>
+          </a:bodyPr>
+          <a:lstStyle/>
+          <a:p>
+            <a:pPr algn="ctr"/>
+            <a:r>
+              <a:rPr lang="en-US" dirty="0"/>
+              <a:t>6) Use ages of congruent nodes to date a tree topology</a:t>
+            </a:r>
+          </a:p>
+        </p:txBody>
+      </p:sp>
+      <p:sp>
+        <p:nvSpPr>
+          <p:cNvPr id="45" name="Rounded Rectangle 44">
+            <a:extLst>
+              <a:ext uri="{FF2B5EF4-FFF2-40B4-BE49-F238E27FC236}">
+                <a16:creationId xmlns:a16="http://schemas.microsoft.com/office/drawing/2014/main" id="{7935E882-84C9-6D44-A54C-7F063C054409}"/>
+              </a:ext>
+            </a:extLst>
+          </p:cNvPr>
+          <p:cNvSpPr/>
+          <p:nvPr/>
+        </p:nvSpPr>
+        <p:spPr>
+          <a:xfrm>
+            <a:off x="10231494" y="3410413"/>
+            <a:ext cx="4902007" cy="5606472"/>
+          </a:xfrm>
+          <a:prstGeom prst="roundRect">
+            <a:avLst/>
+          </a:prstGeom>
+          <a:noFill/>
+          <a:ln w="38100">
+            <a:solidFill>
+              <a:srgbClr val="92D050"/>
+            </a:solidFill>
+          </a:ln>
+        </p:spPr>
+        <p:style>
+          <a:lnRef idx="2">
+            <a:schemeClr val="accent1">
+              <a:shade val="50000"/>
+            </a:schemeClr>
+          </a:lnRef>
+          <a:fillRef idx="1">
+            <a:schemeClr val="accent1"/>
+          </a:fillRef>
+          <a:effectRef idx="0">
+            <a:schemeClr val="accent1"/>
+          </a:effectRef>
+          <a:fontRef idx="minor">
+            <a:schemeClr val="lt1"/>
+          </a:fontRef>
+        </p:style>
+        <p:txBody>
+          <a:bodyPr rot="0" spcFirstLastPara="0" vertOverflow="overflow" horzOverflow="overflow" vert="horz" wrap="square" lIns="91440" tIns="45720" rIns="91440" bIns="45720" numCol="1" spcCol="0" rtlCol="0" fromWordArt="0" anchor="ctr" anchorCtr="0" forceAA="0" compatLnSpc="1">
+            <a:prstTxWarp prst="textNoShape">
+              <a:avLst/>
+            </a:prstTxWarp>
+            <a:noAutofit/>
+          </a:bodyPr>
+          <a:lstStyle/>
+          <a:p>
+            <a:pPr algn="ctr"/>
+            <a:endParaRPr lang="en-US"/>
+          </a:p>
+        </p:txBody>
+      </p:sp>
+      <p:sp>
+        <p:nvSpPr>
+          <p:cNvPr id="46" name="Rounded Rectangle 45">
+            <a:extLst>
+              <a:ext uri="{FF2B5EF4-FFF2-40B4-BE49-F238E27FC236}">
+                <a16:creationId xmlns:a16="http://schemas.microsoft.com/office/drawing/2014/main" id="{DF4C36AE-6208-E241-994B-9CB06B47231B}"/>
+              </a:ext>
+            </a:extLst>
+          </p:cNvPr>
+          <p:cNvSpPr/>
+          <p:nvPr/>
+        </p:nvSpPr>
+        <p:spPr>
+          <a:xfrm>
+            <a:off x="38630" y="4023149"/>
+            <a:ext cx="4719774" cy="4993736"/>
+          </a:xfrm>
+          <a:prstGeom prst="roundRect">
+            <a:avLst/>
+          </a:prstGeom>
+          <a:noFill/>
+          <a:ln w="38100">
+            <a:solidFill>
+              <a:srgbClr val="92D050"/>
+            </a:solidFill>
+          </a:ln>
+        </p:spPr>
+        <p:style>
+          <a:lnRef idx="2">
+            <a:schemeClr val="accent1">
+              <a:shade val="50000"/>
+            </a:schemeClr>
+          </a:lnRef>
+          <a:fillRef idx="1">
+            <a:schemeClr val="accent1"/>
+          </a:fillRef>
+          <a:effectRef idx="0">
+            <a:schemeClr val="accent1"/>
+          </a:effectRef>
+          <a:fontRef idx="minor">
+            <a:schemeClr val="lt1"/>
+          </a:fontRef>
+        </p:style>
+        <p:txBody>
+          <a:bodyPr rot="0" spcFirstLastPara="0" vertOverflow="overflow" horzOverflow="overflow" vert="horz" wrap="square" lIns="91440" tIns="45720" rIns="91440" bIns="45720" numCol="1" spcCol="0" rtlCol="0" fromWordArt="0" anchor="ctr" anchorCtr="0" forceAA="0" compatLnSpc="1">
+            <a:prstTxWarp prst="textNoShape">
+              <a:avLst/>
+            </a:prstTxWarp>
+            <a:noAutofit/>
+          </a:bodyPr>
+          <a:lstStyle/>
+          <a:p>
+            <a:pPr algn="ctr"/>
+            <a:endParaRPr lang="en-US"/>
+          </a:p>
+        </p:txBody>
+      </p:sp>
+      <p:sp>
+        <p:nvSpPr>
+          <p:cNvPr id="47" name="TextBox 46">
+            <a:extLst>
+              <a:ext uri="{FF2B5EF4-FFF2-40B4-BE49-F238E27FC236}">
+                <a16:creationId xmlns:a16="http://schemas.microsoft.com/office/drawing/2014/main" id="{975C0793-409C-F546-BDAB-F28196CE4460}"/>
+              </a:ext>
+            </a:extLst>
+          </p:cNvPr>
+          <p:cNvSpPr txBox="1"/>
+          <p:nvPr/>
+        </p:nvSpPr>
+        <p:spPr>
+          <a:xfrm>
+            <a:off x="4286155" y="1987059"/>
+            <a:ext cx="3509406" cy="646331"/>
+          </a:xfrm>
+          <a:prstGeom prst="rect">
+            <a:avLst/>
+          </a:prstGeom>
+          <a:noFill/>
+        </p:spPr>
+        <p:txBody>
+          <a:bodyPr wrap="square" rtlCol="0">
+            <a:spAutoFit/>
+          </a:bodyPr>
+          <a:lstStyle/>
+          <a:p>
+            <a:pPr algn="ctr"/>
+            <a:r>
+              <a:rPr lang="en-US" dirty="0"/>
+              <a:t>3a) Search processed taxon names in chronogram database</a:t>
+            </a:r>
+          </a:p>
+        </p:txBody>
+      </p:sp>
+      <p:sp>
+        <p:nvSpPr>
+          <p:cNvPr id="49" name="Rounded Rectangle 48">
+            <a:extLst>
+              <a:ext uri="{FF2B5EF4-FFF2-40B4-BE49-F238E27FC236}">
+                <a16:creationId xmlns:a16="http://schemas.microsoft.com/office/drawing/2014/main" id="{56623323-5AFA-0840-A232-8400F1FBBC9D}"/>
+              </a:ext>
+            </a:extLst>
+          </p:cNvPr>
+          <p:cNvSpPr/>
+          <p:nvPr/>
+        </p:nvSpPr>
+        <p:spPr>
+          <a:xfrm>
+            <a:off x="8762" y="51055"/>
+            <a:ext cx="3767624" cy="1193574"/>
+          </a:xfrm>
+          <a:prstGeom prst="roundRect">
+            <a:avLst/>
+          </a:prstGeom>
+          <a:noFill/>
+          <a:ln w="38100">
+            <a:solidFill>
+              <a:srgbClr val="92D050"/>
+            </a:solidFill>
+          </a:ln>
+        </p:spPr>
+        <p:style>
+          <a:lnRef idx="2">
+            <a:schemeClr val="accent1">
+              <a:shade val="50000"/>
+            </a:schemeClr>
+          </a:lnRef>
+          <a:fillRef idx="1">
+            <a:schemeClr val="accent1"/>
+          </a:fillRef>
+          <a:effectRef idx="0">
+            <a:schemeClr val="accent1"/>
+          </a:effectRef>
+          <a:fontRef idx="minor">
+            <a:schemeClr val="lt1"/>
+          </a:fontRef>
+        </p:style>
+        <p:txBody>
+          <a:bodyPr rot="0" spcFirstLastPara="0" vertOverflow="overflow" horzOverflow="overflow" vert="horz" wrap="square" lIns="91440" tIns="45720" rIns="91440" bIns="45720" numCol="1" spcCol="0" rtlCol="0" fromWordArt="0" anchor="ctr" anchorCtr="0" forceAA="0" compatLnSpc="1">
+            <a:prstTxWarp prst="textNoShape">
+              <a:avLst/>
+            </a:prstTxWarp>
+            <a:noAutofit/>
+          </a:bodyPr>
+          <a:lstStyle/>
+          <a:p>
+            <a:pPr algn="ctr"/>
+            <a:endParaRPr lang="en-US"/>
+          </a:p>
+        </p:txBody>
+      </p:sp>
+      <p:pic>
+        <p:nvPicPr>
+          <p:cNvPr id="50" name="Picture 49">
+            <a:extLst>
+              <a:ext uri="{FF2B5EF4-FFF2-40B4-BE49-F238E27FC236}">
+                <a16:creationId xmlns:a16="http://schemas.microsoft.com/office/drawing/2014/main" id="{86FE2408-C305-8A49-8970-5845641389BD}"/>
+              </a:ext>
+            </a:extLst>
+          </p:cNvPr>
+          <p:cNvPicPr>
+            <a:picLocks noChangeAspect="1"/>
+          </p:cNvPicPr>
+          <p:nvPr/>
+        </p:nvPicPr>
+        <p:blipFill>
+          <a:blip r:embed="rId9"/>
+          <a:stretch>
+            <a:fillRect/>
+          </a:stretch>
+        </p:blipFill>
+        <p:spPr>
+          <a:xfrm>
+            <a:off x="5382138" y="1008404"/>
+            <a:ext cx="1382850" cy="646332"/>
+          </a:xfrm>
+          <a:prstGeom prst="rect">
+            <a:avLst/>
+          </a:prstGeom>
+        </p:spPr>
+      </p:pic>
+      <p:sp>
+        <p:nvSpPr>
+          <p:cNvPr id="51" name="TextBox 50">
+            <a:extLst>
+              <a:ext uri="{FF2B5EF4-FFF2-40B4-BE49-F238E27FC236}">
+                <a16:creationId xmlns:a16="http://schemas.microsoft.com/office/drawing/2014/main" id="{E51426A1-0692-484A-9BA0-880D455CEDDD}"/>
+              </a:ext>
+            </a:extLst>
+          </p:cNvPr>
+          <p:cNvSpPr txBox="1"/>
+          <p:nvPr/>
+        </p:nvSpPr>
+        <p:spPr>
+          <a:xfrm>
+            <a:off x="8278561" y="2074459"/>
+            <a:ext cx="6711195" cy="369332"/>
+          </a:xfrm>
+          <a:prstGeom prst="rect">
+            <a:avLst/>
+          </a:prstGeom>
+          <a:noFill/>
+        </p:spPr>
+        <p:txBody>
+          <a:bodyPr wrap="square" rtlCol="0">
+            <a:spAutoFit/>
+          </a:bodyPr>
+          <a:lstStyle/>
+          <a:p>
+            <a:pPr algn="ctr"/>
+            <a:r>
+              <a:rPr lang="en-US" dirty="0"/>
+              <a:t>3b) prune matching chronograms = source chronograms</a:t>
+            </a:r>
+          </a:p>
+        </p:txBody>
+      </p:sp>
+      <p:sp>
+        <p:nvSpPr>
+          <p:cNvPr id="54" name="Rounded Rectangle 53">
+            <a:extLst>
+              <a:ext uri="{FF2B5EF4-FFF2-40B4-BE49-F238E27FC236}">
+                <a16:creationId xmlns:a16="http://schemas.microsoft.com/office/drawing/2014/main" id="{DC50EA97-6647-2143-B29D-D0F836D6D119}"/>
+              </a:ext>
+            </a:extLst>
+          </p:cNvPr>
+          <p:cNvSpPr/>
+          <p:nvPr/>
+        </p:nvSpPr>
+        <p:spPr>
+          <a:xfrm>
+            <a:off x="5579870" y="4025907"/>
+            <a:ext cx="3888023" cy="4993736"/>
+          </a:xfrm>
+          <a:prstGeom prst="roundRect">
+            <a:avLst/>
+          </a:prstGeom>
+          <a:noFill/>
+          <a:ln w="38100">
+            <a:solidFill>
+              <a:srgbClr val="92D050"/>
+            </a:solidFill>
+          </a:ln>
+        </p:spPr>
+        <p:style>
+          <a:lnRef idx="2">
+            <a:schemeClr val="accent1">
+              <a:shade val="50000"/>
+            </a:schemeClr>
+          </a:lnRef>
+          <a:fillRef idx="1">
+            <a:schemeClr val="accent1"/>
+          </a:fillRef>
+          <a:effectRef idx="0">
+            <a:schemeClr val="accent1"/>
+          </a:effectRef>
+          <a:fontRef idx="minor">
+            <a:schemeClr val="lt1"/>
+          </a:fontRef>
+        </p:style>
+        <p:txBody>
+          <a:bodyPr rot="0" spcFirstLastPara="0" vertOverflow="overflow" horzOverflow="overflow" vert="horz" wrap="square" lIns="91440" tIns="45720" rIns="91440" bIns="45720" numCol="1" spcCol="0" rtlCol="0" fromWordArt="0" anchor="ctr" anchorCtr="0" forceAA="0" compatLnSpc="1">
+            <a:prstTxWarp prst="textNoShape">
+              <a:avLst/>
+            </a:prstTxWarp>
+            <a:noAutofit/>
+          </a:bodyPr>
+          <a:lstStyle/>
+          <a:p>
+            <a:pPr algn="ctr"/>
+            <a:endParaRPr lang="en-US"/>
+          </a:p>
+        </p:txBody>
+      </p:sp>
       <p:grpSp>
         <p:nvGrpSpPr>
-          <p:cNvPr id="88" name="Group 87">
+          <p:cNvPr id="5" name="Group 4">
             <a:extLst>
               <a:ext uri="{FF2B5EF4-FFF2-40B4-BE49-F238E27FC236}">
-                <a16:creationId xmlns:a16="http://schemas.microsoft.com/office/drawing/2014/main" id="{1655DAAD-A8AD-B649-8248-5475AB07A996}"/>
+                <a16:creationId xmlns:a16="http://schemas.microsoft.com/office/drawing/2014/main" id="{8C1C9DBF-BD1D-C545-B352-FA0901555B94}"/>
               </a:ext>
             </a:extLst>
           </p:cNvPr>
@@ -3576,18 +4263,18 @@
         </p:nvGrpSpPr>
         <p:grpSpPr>
           <a:xfrm>
-            <a:off x="7471044" y="11415336"/>
-            <a:ext cx="4400961" cy="903967"/>
-            <a:chOff x="5491689" y="2041122"/>
-            <a:chExt cx="4466125" cy="794998"/>
+            <a:off x="10338698" y="4661053"/>
+            <a:ext cx="1240513" cy="1220852"/>
+            <a:chOff x="10386505" y="7974231"/>
+            <a:chExt cx="1706127" cy="1679086"/>
           </a:xfrm>
         </p:grpSpPr>
         <p:sp>
           <p:nvSpPr>
-            <p:cNvPr id="87" name="Rounded Rectangle 86">
+            <p:cNvPr id="56" name="Oval 55">
               <a:extLst>
                 <a:ext uri="{FF2B5EF4-FFF2-40B4-BE49-F238E27FC236}">
-                  <a16:creationId xmlns:a16="http://schemas.microsoft.com/office/drawing/2014/main" id="{D438B834-A981-B84F-971E-5689DDDECE28}"/>
+                  <a16:creationId xmlns:a16="http://schemas.microsoft.com/office/drawing/2014/main" id="{9836CEC5-3584-7F4C-BE47-0C85E5C1408C}"/>
                 </a:ext>
               </a:extLst>
             </p:cNvPr>
@@ -3596,21 +4283,19 @@
           </p:nvSpPr>
           <p:spPr>
             <a:xfrm>
-              <a:off x="5491689" y="2041122"/>
-              <a:ext cx="4466125" cy="794998"/>
+              <a:off x="10386505" y="7974231"/>
+              <a:ext cx="1706127" cy="1679086"/>
             </a:xfrm>
-            <a:prstGeom prst="roundRect">
+            <a:prstGeom prst="ellipse">
               <a:avLst/>
             </a:prstGeom>
             <a:solidFill>
-              <a:schemeClr val="bg2">
-                <a:lumMod val="90000"/>
-              </a:schemeClr>
+              <a:srgbClr val="558997">
+                <a:alpha val="71000"/>
+              </a:srgbClr>
             </a:solidFill>
             <a:ln>
-              <a:solidFill>
-                <a:srgbClr val="92D050"/>
-              </a:solidFill>
+              <a:noFill/>
             </a:ln>
           </p:spPr>
           <p:style>
@@ -3630,12 +4315,7 @@
             </a:fontRef>
           </p:style>
           <p:txBody>
-            <a:bodyPr rot="0" spcFirstLastPara="0" vertOverflow="overflow" horzOverflow="overflow" vert="horz" wrap="square" lIns="91440" tIns="45720" rIns="91440" bIns="45720" numCol="1" spcCol="0" rtlCol="0" fromWordArt="0" anchor="ctr" anchorCtr="0" forceAA="0" compatLnSpc="1">
-              <a:prstTxWarp prst="textNoShape">
-                <a:avLst/>
-              </a:prstTxWarp>
-              <a:noAutofit/>
-            </a:bodyPr>
+            <a:bodyPr rtlCol="0" anchor="ctr"/>
             <a:lstStyle/>
             <a:p>
               <a:pPr algn="ctr"/>
@@ -3643,582 +4323,69 @@
             </a:p>
           </p:txBody>
         </p:sp>
-        <p:sp>
-          <p:nvSpPr>
-            <p:cNvPr id="86" name="TextBox 85">
+        <p:pic>
+          <p:nvPicPr>
+            <p:cNvPr id="1026" name="Picture 2" descr="BOLD: Barcode of Life Data Systems | Centre for Biodiversity Genomics">
               <a:extLst>
                 <a:ext uri="{FF2B5EF4-FFF2-40B4-BE49-F238E27FC236}">
-                  <a16:creationId xmlns:a16="http://schemas.microsoft.com/office/drawing/2014/main" id="{34D3BC7D-A9DA-084E-A193-564B8DF11611}"/>
+                  <a16:creationId xmlns:a16="http://schemas.microsoft.com/office/drawing/2014/main" id="{D950FC1E-FA59-844B-9413-CCF31982CC2B}"/>
                 </a:ext>
               </a:extLst>
             </p:cNvPr>
-            <p:cNvSpPr txBox="1"/>
+            <p:cNvPicPr>
+              <a:picLocks noChangeAspect="1" noChangeArrowheads="1"/>
+            </p:cNvPicPr>
             <p:nvPr/>
-          </p:nvSpPr>
-          <p:spPr>
+          </p:nvPicPr>
+          <p:blipFill>
+            <a:blip r:embed="rId10">
+              <a:extLst>
+                <a:ext uri="{BEBA8EAE-BF5A-486C-A8C5-ECC9F3942E4B}">
+                  <a14:imgProps xmlns:a14="http://schemas.microsoft.com/office/drawing/2010/main">
+                    <a14:imgLayer r:embed="rId11">
+                      <a14:imgEffect>
+                        <a14:brightnessContrast contrast="-40000"/>
+                      </a14:imgEffect>
+                    </a14:imgLayer>
+                  </a14:imgProps>
+                </a:ext>
+                <a:ext uri="{28A0092B-C50C-407E-A947-70E740481C1C}">
+                  <a14:useLocalDpi xmlns:a14="http://schemas.microsoft.com/office/drawing/2010/main" val="0"/>
+                </a:ext>
+              </a:extLst>
+            </a:blip>
+            <a:srcRect/>
+            <a:stretch>
+              <a:fillRect/>
+            </a:stretch>
+          </p:blipFill>
+          <p:spPr bwMode="auto">
             <a:xfrm>
-              <a:off x="5552031" y="2114035"/>
-              <a:ext cx="4336025" cy="622554"/>
+              <a:off x="10594348" y="8425714"/>
+              <a:ext cx="1272973" cy="779727"/>
             </a:xfrm>
             <a:prstGeom prst="rect">
               <a:avLst/>
             </a:prstGeom>
             <a:noFill/>
+            <a:extLst>
+              <a:ext uri="{909E8E84-426E-40DD-AFC4-6F175D3DCCD1}">
+                <a14:hiddenFill xmlns:a14="http://schemas.microsoft.com/office/drawing/2010/main">
+                  <a:solidFill>
+                    <a:srgbClr val="FFFFFF"/>
+                  </a:solidFill>
+                </a14:hiddenFill>
+              </a:ext>
+            </a:extLst>
           </p:spPr>
-          <p:txBody>
-            <a:bodyPr wrap="square" rtlCol="0">
-              <a:spAutoFit/>
-            </a:bodyPr>
-            <a:lstStyle/>
-            <a:p>
-              <a:pPr algn="ctr"/>
-              <a:r>
-                <a:rPr lang="en-US" sz="2000" dirty="0"/>
-                <a:t>Map pruned source chronogram ages unto nodes  of tree topology</a:t>
-              </a:r>
-            </a:p>
-          </p:txBody>
-        </p:sp>
+        </p:pic>
       </p:grpSp>
-      <p:pic>
-        <p:nvPicPr>
-          <p:cNvPr id="9" name="Picture 8">
+      <p:sp>
+        <p:nvSpPr>
+          <p:cNvPr id="57" name="Right Arrow 56">
             <a:extLst>
               <a:ext uri="{FF2B5EF4-FFF2-40B4-BE49-F238E27FC236}">
-                <a16:creationId xmlns:a16="http://schemas.microsoft.com/office/drawing/2014/main" id="{8AAE1BBB-7378-124F-9B85-2CD136B5556C}"/>
-              </a:ext>
-            </a:extLst>
-          </p:cNvPr>
-          <p:cNvPicPr>
-            <a:picLocks noChangeAspect="1"/>
-          </p:cNvPicPr>
-          <p:nvPr/>
-        </p:nvPicPr>
-        <p:blipFill rotWithShape="1">
-          <a:blip r:embed="rId6"/>
-          <a:srcRect l="16380" t="19406" r="13693" b="19021"/>
-          <a:stretch/>
-        </p:blipFill>
-        <p:spPr>
-          <a:xfrm>
-            <a:off x="12830506" y="6797557"/>
-            <a:ext cx="5457494" cy="4805487"/>
-          </a:xfrm>
-          <a:prstGeom prst="rect">
-            <a:avLst/>
-          </a:prstGeom>
-        </p:spPr>
-      </p:pic>
-      <p:grpSp>
-        <p:nvGrpSpPr>
-          <p:cNvPr id="47" name="Group 46">
-            <a:extLst>
-              <a:ext uri="{FF2B5EF4-FFF2-40B4-BE49-F238E27FC236}">
-                <a16:creationId xmlns:a16="http://schemas.microsoft.com/office/drawing/2014/main" id="{6684F230-95A0-E146-BCA2-FE9FD1E512D9}"/>
-              </a:ext>
-            </a:extLst>
-          </p:cNvPr>
-          <p:cNvGrpSpPr/>
-          <p:nvPr/>
-        </p:nvGrpSpPr>
-        <p:grpSpPr>
-          <a:xfrm>
-            <a:off x="12963454" y="11483612"/>
-            <a:ext cx="5130759" cy="794998"/>
-            <a:chOff x="5491689" y="2041122"/>
-            <a:chExt cx="4466126" cy="794998"/>
-          </a:xfrm>
-        </p:grpSpPr>
-        <p:sp>
-          <p:nvSpPr>
-            <p:cNvPr id="50" name="Rounded Rectangle 49">
-              <a:extLst>
-                <a:ext uri="{FF2B5EF4-FFF2-40B4-BE49-F238E27FC236}">
-                  <a16:creationId xmlns:a16="http://schemas.microsoft.com/office/drawing/2014/main" id="{375EA8E1-68BD-AD4C-A75E-DE8EDEE0F56A}"/>
-                </a:ext>
-              </a:extLst>
-            </p:cNvPr>
-            <p:cNvSpPr/>
-            <p:nvPr/>
-          </p:nvSpPr>
-          <p:spPr>
-            <a:xfrm>
-              <a:off x="5491689" y="2041122"/>
-              <a:ext cx="4466125" cy="794998"/>
-            </a:xfrm>
-            <a:prstGeom prst="roundRect">
-              <a:avLst/>
-            </a:prstGeom>
-            <a:solidFill>
-              <a:schemeClr val="bg2">
-                <a:lumMod val="90000"/>
-              </a:schemeClr>
-            </a:solidFill>
-            <a:ln>
-              <a:solidFill>
-                <a:srgbClr val="92D050"/>
-              </a:solidFill>
-            </a:ln>
-          </p:spPr>
-          <p:style>
-            <a:lnRef idx="2">
-              <a:schemeClr val="accent1">
-                <a:shade val="50000"/>
-              </a:schemeClr>
-            </a:lnRef>
-            <a:fillRef idx="1">
-              <a:schemeClr val="accent1"/>
-            </a:fillRef>
-            <a:effectRef idx="0">
-              <a:schemeClr val="accent1"/>
-            </a:effectRef>
-            <a:fontRef idx="minor">
-              <a:schemeClr val="lt1"/>
-            </a:fontRef>
-          </p:style>
-          <p:txBody>
-            <a:bodyPr rot="0" spcFirstLastPara="0" vertOverflow="overflow" horzOverflow="overflow" vert="horz" wrap="square" lIns="91440" tIns="45720" rIns="91440" bIns="45720" numCol="1" spcCol="0" rtlCol="0" fromWordArt="0" anchor="ctr" anchorCtr="0" forceAA="0" compatLnSpc="1">
-              <a:prstTxWarp prst="textNoShape">
-                <a:avLst/>
-              </a:prstTxWarp>
-              <a:noAutofit/>
-            </a:bodyPr>
-            <a:lstStyle/>
-            <a:p>
-              <a:pPr algn="ctr"/>
-              <a:endParaRPr lang="en-US"/>
-            </a:p>
-          </p:txBody>
-        </p:sp>
-        <p:sp>
-          <p:nvSpPr>
-            <p:cNvPr id="51" name="TextBox 50">
-              <a:extLst>
-                <a:ext uri="{FF2B5EF4-FFF2-40B4-BE49-F238E27FC236}">
-                  <a16:creationId xmlns:a16="http://schemas.microsoft.com/office/drawing/2014/main" id="{7D59CAE3-2233-FF44-B4A8-07E326DE68DC}"/>
-                </a:ext>
-              </a:extLst>
-            </p:cNvPr>
-            <p:cNvSpPr txBox="1"/>
-            <p:nvPr/>
-          </p:nvSpPr>
-          <p:spPr>
-            <a:xfrm>
-              <a:off x="5491690" y="2264625"/>
-              <a:ext cx="4466125" cy="400110"/>
-            </a:xfrm>
-            <a:prstGeom prst="rect">
-              <a:avLst/>
-            </a:prstGeom>
-            <a:noFill/>
-          </p:spPr>
-          <p:txBody>
-            <a:bodyPr wrap="square" rtlCol="0">
-              <a:spAutoFit/>
-            </a:bodyPr>
-            <a:lstStyle/>
-            <a:p>
-              <a:pPr algn="ctr"/>
-              <a:r>
-                <a:rPr lang="en-US" sz="2000" dirty="0"/>
-                <a:t>Calculate summary pairwise ages per node</a:t>
-              </a:r>
-            </a:p>
-          </p:txBody>
-        </p:sp>
-      </p:grpSp>
-      <p:grpSp>
-        <p:nvGrpSpPr>
-          <p:cNvPr id="52" name="Group 51">
-            <a:extLst>
-              <a:ext uri="{FF2B5EF4-FFF2-40B4-BE49-F238E27FC236}">
-                <a16:creationId xmlns:a16="http://schemas.microsoft.com/office/drawing/2014/main" id="{4857A793-0553-5E45-B949-A9E735BE1999}"/>
-              </a:ext>
-            </a:extLst>
-          </p:cNvPr>
-          <p:cNvGrpSpPr/>
-          <p:nvPr/>
-        </p:nvGrpSpPr>
-        <p:grpSpPr>
-          <a:xfrm>
-            <a:off x="13140538" y="5289139"/>
-            <a:ext cx="4948960" cy="794998"/>
-            <a:chOff x="5491689" y="2041122"/>
-            <a:chExt cx="5293715" cy="794998"/>
-          </a:xfrm>
-        </p:grpSpPr>
-        <p:sp>
-          <p:nvSpPr>
-            <p:cNvPr id="53" name="Rounded Rectangle 52">
-              <a:extLst>
-                <a:ext uri="{FF2B5EF4-FFF2-40B4-BE49-F238E27FC236}">
-                  <a16:creationId xmlns:a16="http://schemas.microsoft.com/office/drawing/2014/main" id="{FCD1970C-58B3-C845-B66D-AB3934FE3A81}"/>
-                </a:ext>
-              </a:extLst>
-            </p:cNvPr>
-            <p:cNvSpPr/>
-            <p:nvPr/>
-          </p:nvSpPr>
-          <p:spPr>
-            <a:xfrm>
-              <a:off x="5491689" y="2041122"/>
-              <a:ext cx="5293715" cy="794998"/>
-            </a:xfrm>
-            <a:prstGeom prst="roundRect">
-              <a:avLst/>
-            </a:prstGeom>
-            <a:solidFill>
-              <a:schemeClr val="bg2">
-                <a:lumMod val="90000"/>
-              </a:schemeClr>
-            </a:solidFill>
-            <a:ln>
-              <a:solidFill>
-                <a:srgbClr val="92D050"/>
-              </a:solidFill>
-            </a:ln>
-          </p:spPr>
-          <p:style>
-            <a:lnRef idx="2">
-              <a:schemeClr val="accent1">
-                <a:shade val="50000"/>
-              </a:schemeClr>
-            </a:lnRef>
-            <a:fillRef idx="1">
-              <a:schemeClr val="accent1"/>
-            </a:fillRef>
-            <a:effectRef idx="0">
-              <a:schemeClr val="accent1"/>
-            </a:effectRef>
-            <a:fontRef idx="minor">
-              <a:schemeClr val="lt1"/>
-            </a:fontRef>
-          </p:style>
-          <p:txBody>
-            <a:bodyPr rot="0" spcFirstLastPara="0" vertOverflow="overflow" horzOverflow="overflow" vert="horz" wrap="square" lIns="91440" tIns="45720" rIns="91440" bIns="45720" numCol="1" spcCol="0" rtlCol="0" fromWordArt="0" anchor="ctr" anchorCtr="0" forceAA="0" compatLnSpc="1">
-              <a:prstTxWarp prst="textNoShape">
-                <a:avLst/>
-              </a:prstTxWarp>
-              <a:noAutofit/>
-            </a:bodyPr>
-            <a:lstStyle/>
-            <a:p>
-              <a:pPr algn="ctr"/>
-              <a:endParaRPr lang="en-US" sz="2000"/>
-            </a:p>
-          </p:txBody>
-        </p:sp>
-        <p:sp>
-          <p:nvSpPr>
-            <p:cNvPr id="57" name="TextBox 56">
-              <a:extLst>
-                <a:ext uri="{FF2B5EF4-FFF2-40B4-BE49-F238E27FC236}">
-                  <a16:creationId xmlns:a16="http://schemas.microsoft.com/office/drawing/2014/main" id="{085C1F15-2F74-3048-A431-44C8257ED14F}"/>
-                </a:ext>
-              </a:extLst>
-            </p:cNvPr>
-            <p:cNvSpPr txBox="1"/>
-            <p:nvPr/>
-          </p:nvSpPr>
-          <p:spPr>
-            <a:xfrm>
-              <a:off x="5562491" y="2094931"/>
-              <a:ext cx="5222913" cy="707886"/>
-            </a:xfrm>
-            <a:prstGeom prst="rect">
-              <a:avLst/>
-            </a:prstGeom>
-            <a:noFill/>
-          </p:spPr>
-          <p:txBody>
-            <a:bodyPr wrap="square" rtlCol="0">
-              <a:spAutoFit/>
-            </a:bodyPr>
-            <a:lstStyle/>
-            <a:p>
-              <a:pPr algn="ctr"/>
-              <a:r>
-                <a:rPr lang="en-US" sz="2000" dirty="0"/>
-                <a:t>Use summary pairwise ages to date the tree topology</a:t>
-              </a:r>
-            </a:p>
-          </p:txBody>
-        </p:sp>
-      </p:grpSp>
-      <p:pic>
-        <p:nvPicPr>
-          <p:cNvPr id="40" name="Graphic 39">
-            <a:extLst>
-              <a:ext uri="{FF2B5EF4-FFF2-40B4-BE49-F238E27FC236}">
-                <a16:creationId xmlns:a16="http://schemas.microsoft.com/office/drawing/2014/main" id="{1261CEDD-11B7-6E41-891F-2C0CFD11EDD9}"/>
-              </a:ext>
-            </a:extLst>
-          </p:cNvPr>
-          <p:cNvPicPr>
-            <a:picLocks noChangeAspect="1"/>
-          </p:cNvPicPr>
-          <p:nvPr/>
-        </p:nvPicPr>
-        <p:blipFill>
-          <a:blip r:embed="rId7">
-            <a:extLst>
-              <a:ext uri="{96DAC541-7B7A-43D3-8B79-37D633B846F1}">
-                <asvg:svgBlip xmlns:asvg="http://schemas.microsoft.com/office/drawing/2016/SVG/main" r:embed="rId8"/>
-              </a:ext>
-            </a:extLst>
-          </a:blip>
-          <a:stretch>
-            <a:fillRect/>
-          </a:stretch>
-        </p:blipFill>
-        <p:spPr>
-          <a:xfrm>
-            <a:off x="13144497" y="597637"/>
-            <a:ext cx="5029200" cy="4572000"/>
-          </a:xfrm>
-          <a:prstGeom prst="rect">
-            <a:avLst/>
-          </a:prstGeom>
-        </p:spPr>
-      </p:pic>
-      <p:grpSp>
-        <p:nvGrpSpPr>
-          <p:cNvPr id="89" name="Group 88">
-            <a:extLst>
-              <a:ext uri="{FF2B5EF4-FFF2-40B4-BE49-F238E27FC236}">
-                <a16:creationId xmlns:a16="http://schemas.microsoft.com/office/drawing/2014/main" id="{983E0517-547E-5947-8F60-F443CC8A1CC9}"/>
-              </a:ext>
-            </a:extLst>
-          </p:cNvPr>
-          <p:cNvGrpSpPr/>
-          <p:nvPr/>
-        </p:nvGrpSpPr>
-        <p:grpSpPr>
-          <a:xfrm>
-            <a:off x="4748257" y="2815998"/>
-            <a:ext cx="2309204" cy="752185"/>
-            <a:chOff x="5880861" y="2064645"/>
-            <a:chExt cx="3331307" cy="771474"/>
-          </a:xfrm>
-          <a:noFill/>
-        </p:grpSpPr>
-        <p:sp>
-          <p:nvSpPr>
-            <p:cNvPr id="90" name="Rounded Rectangle 89">
-              <a:extLst>
-                <a:ext uri="{FF2B5EF4-FFF2-40B4-BE49-F238E27FC236}">
-                  <a16:creationId xmlns:a16="http://schemas.microsoft.com/office/drawing/2014/main" id="{BB79A917-3218-4A4D-B671-FEEFC48464E2}"/>
-                </a:ext>
-              </a:extLst>
-            </p:cNvPr>
-            <p:cNvSpPr/>
-            <p:nvPr/>
-          </p:nvSpPr>
-          <p:spPr>
-            <a:xfrm>
-              <a:off x="5880863" y="2127102"/>
-              <a:ext cx="3277579" cy="709017"/>
-            </a:xfrm>
-            <a:prstGeom prst="roundRect">
-              <a:avLst/>
-            </a:prstGeom>
-            <a:solidFill>
-              <a:srgbClr val="D0CECD"/>
-            </a:solidFill>
-            <a:ln>
-              <a:solidFill>
-                <a:srgbClr val="92D050"/>
-              </a:solidFill>
-            </a:ln>
-          </p:spPr>
-          <p:style>
-            <a:lnRef idx="2">
-              <a:schemeClr val="accent1">
-                <a:shade val="50000"/>
-              </a:schemeClr>
-            </a:lnRef>
-            <a:fillRef idx="1">
-              <a:schemeClr val="accent1"/>
-            </a:fillRef>
-            <a:effectRef idx="0">
-              <a:schemeClr val="accent1"/>
-            </a:effectRef>
-            <a:fontRef idx="minor">
-              <a:schemeClr val="lt1"/>
-            </a:fontRef>
-          </p:style>
-          <p:txBody>
-            <a:bodyPr rot="0" spcFirstLastPara="0" vertOverflow="overflow" horzOverflow="overflow" vert="horz" wrap="square" lIns="91440" tIns="45720" rIns="91440" bIns="45720" numCol="1" spcCol="0" rtlCol="0" fromWordArt="0" anchor="ctr" anchorCtr="0" forceAA="0" compatLnSpc="1">
-              <a:prstTxWarp prst="textNoShape">
-                <a:avLst/>
-              </a:prstTxWarp>
-              <a:noAutofit/>
-            </a:bodyPr>
-            <a:lstStyle/>
-            <a:p>
-              <a:pPr algn="ctr"/>
-              <a:endParaRPr lang="en-US"/>
-            </a:p>
-          </p:txBody>
-        </p:sp>
-        <p:sp>
-          <p:nvSpPr>
-            <p:cNvPr id="91" name="TextBox 90">
-              <a:extLst>
-                <a:ext uri="{FF2B5EF4-FFF2-40B4-BE49-F238E27FC236}">
-                  <a16:creationId xmlns:a16="http://schemas.microsoft.com/office/drawing/2014/main" id="{1F23C719-B619-1047-8085-B7CD26660880}"/>
-                </a:ext>
-              </a:extLst>
-            </p:cNvPr>
-            <p:cNvSpPr txBox="1"/>
-            <p:nvPr/>
-          </p:nvSpPr>
-          <p:spPr>
-            <a:xfrm>
-              <a:off x="5880861" y="2064645"/>
-              <a:ext cx="3331307" cy="726039"/>
-            </a:xfrm>
-            <a:prstGeom prst="rect">
-              <a:avLst/>
-            </a:prstGeom>
-            <a:grpFill/>
-          </p:spPr>
-          <p:txBody>
-            <a:bodyPr wrap="square" rtlCol="0">
-              <a:spAutoFit/>
-            </a:bodyPr>
-            <a:lstStyle/>
-            <a:p>
-              <a:pPr algn="ctr"/>
-              <a:r>
-                <a:rPr lang="en-US" sz="2000" dirty="0"/>
-                <a:t>Standardize taxon names to database</a:t>
-              </a:r>
-            </a:p>
-          </p:txBody>
-        </p:sp>
-      </p:grpSp>
-      <p:grpSp>
-        <p:nvGrpSpPr>
-          <p:cNvPr id="58" name="Group 57">
-            <a:extLst>
-              <a:ext uri="{FF2B5EF4-FFF2-40B4-BE49-F238E27FC236}">
-                <a16:creationId xmlns:a16="http://schemas.microsoft.com/office/drawing/2014/main" id="{47BE80A3-96DD-9B42-9CE1-6041D07645FF}"/>
-              </a:ext>
-            </a:extLst>
-          </p:cNvPr>
-          <p:cNvGrpSpPr/>
-          <p:nvPr/>
-        </p:nvGrpSpPr>
-        <p:grpSpPr>
-          <a:xfrm>
-            <a:off x="3126119" y="7245351"/>
-            <a:ext cx="2445594" cy="1500416"/>
-            <a:chOff x="8588970" y="4222510"/>
-            <a:chExt cx="2445594" cy="1500416"/>
-          </a:xfrm>
-        </p:grpSpPr>
-        <p:sp>
-          <p:nvSpPr>
-            <p:cNvPr id="48" name="Hexagon 47">
-              <a:extLst>
-                <a:ext uri="{FF2B5EF4-FFF2-40B4-BE49-F238E27FC236}">
-                  <a16:creationId xmlns:a16="http://schemas.microsoft.com/office/drawing/2014/main" id="{BA7CA2A7-FF79-A940-B20E-2380E922ADDA}"/>
-                </a:ext>
-              </a:extLst>
-            </p:cNvPr>
-            <p:cNvSpPr/>
-            <p:nvPr/>
-          </p:nvSpPr>
-          <p:spPr>
-            <a:xfrm>
-              <a:off x="8588970" y="4222510"/>
-              <a:ext cx="2445594" cy="1500416"/>
-            </a:xfrm>
-            <a:prstGeom prst="hexagon">
-              <a:avLst/>
-            </a:prstGeom>
-            <a:solidFill>
-              <a:srgbClr val="498285"/>
-            </a:solidFill>
-          </p:spPr>
-          <p:style>
-            <a:lnRef idx="2">
-              <a:schemeClr val="accent1">
-                <a:shade val="50000"/>
-              </a:schemeClr>
-            </a:lnRef>
-            <a:fillRef idx="1">
-              <a:schemeClr val="accent1"/>
-            </a:fillRef>
-            <a:effectRef idx="0">
-              <a:schemeClr val="accent1"/>
-            </a:effectRef>
-            <a:fontRef idx="minor">
-              <a:schemeClr val="lt1"/>
-            </a:fontRef>
-          </p:style>
-          <p:txBody>
-            <a:bodyPr rot="0" spcFirstLastPara="0" vertOverflow="overflow" horzOverflow="overflow" vert="horz" wrap="square" lIns="91440" tIns="45720" rIns="91440" bIns="45720" numCol="1" spcCol="0" rtlCol="0" fromWordArt="0" anchor="ctr" anchorCtr="0" forceAA="0" compatLnSpc="1">
-              <a:prstTxWarp prst="textNoShape">
-                <a:avLst/>
-              </a:prstTxWarp>
-              <a:noAutofit/>
-            </a:bodyPr>
-            <a:lstStyle/>
-            <a:p>
-              <a:pPr algn="ctr"/>
-              <a:endParaRPr lang="en-US"/>
-            </a:p>
-          </p:txBody>
-        </p:sp>
-        <p:sp>
-          <p:nvSpPr>
-            <p:cNvPr id="4" name="TextBox 3">
-              <a:extLst>
-                <a:ext uri="{FF2B5EF4-FFF2-40B4-BE49-F238E27FC236}">
-                  <a16:creationId xmlns:a16="http://schemas.microsoft.com/office/drawing/2014/main" id="{46DFAA83-C637-014A-A5F0-D5805EB6FEA2}"/>
-                </a:ext>
-              </a:extLst>
-            </p:cNvPr>
-            <p:cNvSpPr txBox="1"/>
-            <p:nvPr/>
-          </p:nvSpPr>
-          <p:spPr>
-            <a:xfrm>
-              <a:off x="8588970" y="4337931"/>
-              <a:ext cx="2422573" cy="1384995"/>
-            </a:xfrm>
-            <a:prstGeom prst="rect">
-              <a:avLst/>
-            </a:prstGeom>
-            <a:noFill/>
-          </p:spPr>
-          <p:txBody>
-            <a:bodyPr wrap="square" rtlCol="0">
-              <a:spAutoFit/>
-            </a:bodyPr>
-            <a:lstStyle/>
-            <a:p>
-              <a:pPr algn="ctr"/>
-              <a:r>
-                <a:rPr lang="en-US" sz="2800" b="1" dirty="0">
-                  <a:solidFill>
-                    <a:srgbClr val="FF7D18"/>
-                  </a:solidFill>
-                </a:rPr>
-                <a:t>Bar Code of Life Data System</a:t>
-              </a:r>
-            </a:p>
-          </p:txBody>
-        </p:sp>
-      </p:grpSp>
-      <p:sp>
-        <p:nvSpPr>
-          <p:cNvPr id="71" name="Right Arrow 70">
-            <a:extLst>
-              <a:ext uri="{FF2B5EF4-FFF2-40B4-BE49-F238E27FC236}">
-                <a16:creationId xmlns:a16="http://schemas.microsoft.com/office/drawing/2014/main" id="{92A725CD-E3C5-124F-A962-CC4C87118FD2}"/>
+                <a16:creationId xmlns:a16="http://schemas.microsoft.com/office/drawing/2014/main" id="{FE526C97-AC6D-4D4F-9BEC-3E2905BFDAB4}"/>
               </a:ext>
             </a:extLst>
           </p:cNvPr>
@@ -4226,8 +4393,8 @@
           <p:nvPr/>
         </p:nvSpPr>
         <p:spPr>
-          <a:xfrm rot="5400000" flipV="1">
-            <a:off x="9836524" y="5022581"/>
+          <a:xfrm rot="10800000" flipV="1">
+            <a:off x="9483368" y="7917923"/>
             <a:ext cx="688359" cy="716625"/>
           </a:xfrm>
           <a:prstGeom prst="rightArrow">
@@ -4272,454 +4439,12 @@
           </a:p>
         </p:txBody>
       </p:sp>
-      <p:grpSp>
-        <p:nvGrpSpPr>
-          <p:cNvPr id="14" name="Group 13">
+      <p:sp>
+        <p:nvSpPr>
+          <p:cNvPr id="59" name="Right Arrow 58">
             <a:extLst>
               <a:ext uri="{FF2B5EF4-FFF2-40B4-BE49-F238E27FC236}">
-                <a16:creationId xmlns:a16="http://schemas.microsoft.com/office/drawing/2014/main" id="{A8216911-084B-4D46-A2C8-FA2B6A06F733}"/>
-              </a:ext>
-            </a:extLst>
-          </p:cNvPr>
-          <p:cNvGrpSpPr/>
-          <p:nvPr/>
-        </p:nvGrpSpPr>
-        <p:grpSpPr>
-          <a:xfrm>
-            <a:off x="8086243" y="664879"/>
-            <a:ext cx="4300968" cy="3205805"/>
-            <a:chOff x="5749510" y="120409"/>
-            <a:chExt cx="4300968" cy="3205805"/>
-          </a:xfrm>
-        </p:grpSpPr>
-        <p:grpSp>
-          <p:nvGrpSpPr>
-            <p:cNvPr id="38" name="Group 37">
-              <a:extLst>
-                <a:ext uri="{FF2B5EF4-FFF2-40B4-BE49-F238E27FC236}">
-                  <a16:creationId xmlns:a16="http://schemas.microsoft.com/office/drawing/2014/main" id="{021664E1-387F-D743-8AF8-7C254D0B1243}"/>
-                </a:ext>
-              </a:extLst>
-            </p:cNvPr>
-            <p:cNvGrpSpPr/>
-            <p:nvPr/>
-          </p:nvGrpSpPr>
-          <p:grpSpPr>
-            <a:xfrm>
-              <a:off x="5749510" y="120409"/>
-              <a:ext cx="4300968" cy="3205805"/>
-              <a:chOff x="5588400" y="1897576"/>
-              <a:chExt cx="4300968" cy="3205805"/>
-            </a:xfrm>
-          </p:grpSpPr>
-          <p:sp>
-            <p:nvSpPr>
-              <p:cNvPr id="72" name="Rounded Rectangle 71">
-                <a:extLst>
-                  <a:ext uri="{FF2B5EF4-FFF2-40B4-BE49-F238E27FC236}">
-                    <a16:creationId xmlns:a16="http://schemas.microsoft.com/office/drawing/2014/main" id="{4E90CA2C-B4F1-DA48-8794-60FE301DA923}"/>
-                  </a:ext>
-                </a:extLst>
-              </p:cNvPr>
-              <p:cNvSpPr/>
-              <p:nvPr/>
-            </p:nvSpPr>
-            <p:spPr>
-              <a:xfrm>
-                <a:off x="7760684" y="1897576"/>
-                <a:ext cx="2128684" cy="1442486"/>
-              </a:xfrm>
-              <a:prstGeom prst="roundRect">
-                <a:avLst/>
-              </a:prstGeom>
-              <a:solidFill>
-                <a:srgbClr val="D0CECD"/>
-              </a:solidFill>
-              <a:ln>
-                <a:noFill/>
-              </a:ln>
-            </p:spPr>
-            <p:style>
-              <a:lnRef idx="2">
-                <a:schemeClr val="accent1">
-                  <a:shade val="50000"/>
-                </a:schemeClr>
-              </a:lnRef>
-              <a:fillRef idx="1">
-                <a:schemeClr val="accent1"/>
-              </a:fillRef>
-              <a:effectRef idx="0">
-                <a:schemeClr val="accent1"/>
-              </a:effectRef>
-              <a:fontRef idx="minor">
-                <a:schemeClr val="lt1"/>
-              </a:fontRef>
-            </p:style>
-            <p:txBody>
-              <a:bodyPr rot="0" spcFirstLastPara="0" vertOverflow="overflow" horzOverflow="overflow" vert="horz" wrap="square" lIns="91440" tIns="45720" rIns="91440" bIns="45720" numCol="1" spcCol="0" rtlCol="0" fromWordArt="0" anchor="ctr" anchorCtr="0" forceAA="0" compatLnSpc="1">
-                <a:prstTxWarp prst="textNoShape">
-                  <a:avLst/>
-                </a:prstTxWarp>
-                <a:noAutofit/>
-              </a:bodyPr>
-              <a:lstStyle/>
-              <a:p>
-                <a:pPr algn="ctr"/>
-                <a:endParaRPr lang="en-US" dirty="0"/>
-              </a:p>
-            </p:txBody>
-          </p:sp>
-          <p:sp>
-            <p:nvSpPr>
-              <p:cNvPr id="69" name="TextBox 68">
-                <a:extLst>
-                  <a:ext uri="{FF2B5EF4-FFF2-40B4-BE49-F238E27FC236}">
-                    <a16:creationId xmlns:a16="http://schemas.microsoft.com/office/drawing/2014/main" id="{89E8E659-EE61-1042-8A4B-A68D4A0CD9B3}"/>
-                  </a:ext>
-                </a:extLst>
-              </p:cNvPr>
-              <p:cNvSpPr txBox="1"/>
-              <p:nvPr/>
-            </p:nvSpPr>
-            <p:spPr>
-              <a:xfrm>
-                <a:off x="7949442" y="2273989"/>
-                <a:ext cx="1774397" cy="707886"/>
-              </a:xfrm>
-              <a:prstGeom prst="rect">
-                <a:avLst/>
-              </a:prstGeom>
-              <a:noFill/>
-            </p:spPr>
-            <p:txBody>
-              <a:bodyPr wrap="none" rtlCol="0">
-                <a:spAutoFit/>
-              </a:bodyPr>
-              <a:lstStyle/>
-              <a:p>
-                <a:pPr algn="ctr"/>
-                <a:r>
-                  <a:rPr lang="en-US" sz="2000" b="1" dirty="0"/>
-                  <a:t>Pruned source </a:t>
-                </a:r>
-              </a:p>
-              <a:p>
-                <a:pPr algn="ctr"/>
-                <a:r>
-                  <a:rPr lang="en-US" sz="2000" b="1" dirty="0"/>
-                  <a:t>chronograms</a:t>
-                </a:r>
-              </a:p>
-            </p:txBody>
-          </p:sp>
-          <p:sp>
-            <p:nvSpPr>
-              <p:cNvPr id="34" name="Rounded Rectangle 33">
-                <a:extLst>
-                  <a:ext uri="{FF2B5EF4-FFF2-40B4-BE49-F238E27FC236}">
-                    <a16:creationId xmlns:a16="http://schemas.microsoft.com/office/drawing/2014/main" id="{33D05290-8A40-FE40-B299-1F189A78A030}"/>
-                  </a:ext>
-                </a:extLst>
-              </p:cNvPr>
-              <p:cNvSpPr/>
-              <p:nvPr/>
-            </p:nvSpPr>
-            <p:spPr>
-              <a:xfrm>
-                <a:off x="5596604" y="1928056"/>
-                <a:ext cx="2128684" cy="1442486"/>
-              </a:xfrm>
-              <a:prstGeom prst="roundRect">
-                <a:avLst/>
-              </a:prstGeom>
-              <a:solidFill>
-                <a:srgbClr val="D23004">
-                  <a:alpha val="69804"/>
-                </a:srgbClr>
-              </a:solidFill>
-            </p:spPr>
-            <p:style>
-              <a:lnRef idx="2">
-                <a:schemeClr val="accent1">
-                  <a:shade val="50000"/>
-                </a:schemeClr>
-              </a:lnRef>
-              <a:fillRef idx="1">
-                <a:schemeClr val="accent1"/>
-              </a:fillRef>
-              <a:effectRef idx="0">
-                <a:schemeClr val="accent1"/>
-              </a:effectRef>
-              <a:fontRef idx="minor">
-                <a:schemeClr val="lt1"/>
-              </a:fontRef>
-            </p:style>
-            <p:txBody>
-              <a:bodyPr rot="0" spcFirstLastPara="0" vertOverflow="overflow" horzOverflow="overflow" vert="horz" wrap="square" lIns="91440" tIns="45720" rIns="91440" bIns="45720" numCol="1" spcCol="0" rtlCol="0" fromWordArt="0" anchor="ctr" anchorCtr="0" forceAA="0" compatLnSpc="1">
-                <a:prstTxWarp prst="textNoShape">
-                  <a:avLst/>
-                </a:prstTxWarp>
-                <a:noAutofit/>
-              </a:bodyPr>
-              <a:lstStyle/>
-              <a:p>
-                <a:pPr algn="ctr"/>
-                <a:endParaRPr lang="en-US" dirty="0"/>
-              </a:p>
-            </p:txBody>
-          </p:sp>
-          <p:grpSp>
-            <p:nvGrpSpPr>
-              <p:cNvPr id="27" name="Group 26">
-                <a:extLst>
-                  <a:ext uri="{FF2B5EF4-FFF2-40B4-BE49-F238E27FC236}">
-                    <a16:creationId xmlns:a16="http://schemas.microsoft.com/office/drawing/2014/main" id="{229E6B18-7FEE-7444-AD9E-234279E4811F}"/>
-                  </a:ext>
-                </a:extLst>
-              </p:cNvPr>
-              <p:cNvGrpSpPr/>
-              <p:nvPr/>
-            </p:nvGrpSpPr>
-            <p:grpSpPr>
-              <a:xfrm>
-                <a:off x="7733491" y="3374052"/>
-                <a:ext cx="2128684" cy="1689674"/>
-                <a:chOff x="349831" y="5774256"/>
-                <a:chExt cx="2128684" cy="1689674"/>
-              </a:xfrm>
-            </p:grpSpPr>
-            <p:sp>
-              <p:nvSpPr>
-                <p:cNvPr id="35" name="Rounded Rectangle 34">
-                  <a:extLst>
-                    <a:ext uri="{FF2B5EF4-FFF2-40B4-BE49-F238E27FC236}">
-                      <a16:creationId xmlns:a16="http://schemas.microsoft.com/office/drawing/2014/main" id="{324B8426-E3BE-B34E-8A6F-E1CDC7669758}"/>
-                    </a:ext>
-                  </a:extLst>
-                </p:cNvPr>
-                <p:cNvSpPr/>
-                <p:nvPr/>
-              </p:nvSpPr>
-              <p:spPr>
-                <a:xfrm>
-                  <a:off x="349831" y="5774256"/>
-                  <a:ext cx="2128684" cy="1689674"/>
-                </a:xfrm>
-                <a:prstGeom prst="roundRect">
-                  <a:avLst/>
-                </a:prstGeom>
-                <a:solidFill>
-                  <a:srgbClr val="A2FD3B">
-                    <a:alpha val="69804"/>
-                  </a:srgbClr>
-                </a:solidFill>
-              </p:spPr>
-              <p:style>
-                <a:lnRef idx="2">
-                  <a:schemeClr val="accent1">
-                    <a:shade val="50000"/>
-                  </a:schemeClr>
-                </a:lnRef>
-                <a:fillRef idx="1">
-                  <a:schemeClr val="accent1"/>
-                </a:fillRef>
-                <a:effectRef idx="0">
-                  <a:schemeClr val="accent1"/>
-                </a:effectRef>
-                <a:fontRef idx="minor">
-                  <a:schemeClr val="lt1"/>
-                </a:fontRef>
-              </p:style>
-              <p:txBody>
-                <a:bodyPr rot="0" spcFirstLastPara="0" vertOverflow="overflow" horzOverflow="overflow" vert="horz" wrap="square" lIns="91440" tIns="45720" rIns="91440" bIns="45720" numCol="1" spcCol="0" rtlCol="0" fromWordArt="0" anchor="ctr" anchorCtr="0" forceAA="0" compatLnSpc="1">
-                  <a:prstTxWarp prst="textNoShape">
-                    <a:avLst/>
-                  </a:prstTxWarp>
-                  <a:noAutofit/>
-                </a:bodyPr>
-                <a:lstStyle/>
-                <a:p>
-                  <a:pPr algn="ctr"/>
-                  <a:endParaRPr lang="en-US" dirty="0"/>
-                </a:p>
-              </p:txBody>
-            </p:sp>
-            <p:pic>
-              <p:nvPicPr>
-                <p:cNvPr id="19" name="Picture 18">
-                  <a:extLst>
-                    <a:ext uri="{FF2B5EF4-FFF2-40B4-BE49-F238E27FC236}">
-                      <a16:creationId xmlns:a16="http://schemas.microsoft.com/office/drawing/2014/main" id="{A1435571-2753-5848-BAA3-433423E125E8}"/>
-                    </a:ext>
-                  </a:extLst>
-                </p:cNvPr>
-                <p:cNvPicPr>
-                  <a:picLocks noChangeAspect="1"/>
-                </p:cNvPicPr>
-                <p:nvPr/>
-              </p:nvPicPr>
-              <p:blipFill>
-                <a:blip r:embed="rId9"/>
-                <a:stretch>
-                  <a:fillRect/>
-                </a:stretch>
-              </p:blipFill>
-              <p:spPr>
-                <a:xfrm>
-                  <a:off x="374937" y="5929435"/>
-                  <a:ext cx="2057400" cy="1428750"/>
-                </a:xfrm>
-                <a:prstGeom prst="rect">
-                  <a:avLst/>
-                </a:prstGeom>
-              </p:spPr>
-            </p:pic>
-          </p:grpSp>
-          <p:grpSp>
-            <p:nvGrpSpPr>
-              <p:cNvPr id="28" name="Group 27">
-                <a:extLst>
-                  <a:ext uri="{FF2B5EF4-FFF2-40B4-BE49-F238E27FC236}">
-                    <a16:creationId xmlns:a16="http://schemas.microsoft.com/office/drawing/2014/main" id="{DA0E12DC-6A43-1848-A519-16D412A8496D}"/>
-                  </a:ext>
-                </a:extLst>
-              </p:cNvPr>
-              <p:cNvGrpSpPr/>
-              <p:nvPr/>
-            </p:nvGrpSpPr>
-            <p:grpSpPr>
-              <a:xfrm>
-                <a:off x="5588400" y="3411741"/>
-                <a:ext cx="2145091" cy="1691640"/>
-                <a:chOff x="347050" y="4140009"/>
-                <a:chExt cx="2145091" cy="1691640"/>
-              </a:xfrm>
-            </p:grpSpPr>
-            <p:sp>
-              <p:nvSpPr>
-                <p:cNvPr id="36" name="Rounded Rectangle 35">
-                  <a:extLst>
-                    <a:ext uri="{FF2B5EF4-FFF2-40B4-BE49-F238E27FC236}">
-                      <a16:creationId xmlns:a16="http://schemas.microsoft.com/office/drawing/2014/main" id="{CD58CEDB-EFC2-6841-8A61-8BB2FCF16A78}"/>
-                    </a:ext>
-                  </a:extLst>
-                </p:cNvPr>
-                <p:cNvSpPr/>
-                <p:nvPr/>
-              </p:nvSpPr>
-              <p:spPr>
-                <a:xfrm>
-                  <a:off x="347050" y="4140009"/>
-                  <a:ext cx="2128684" cy="1691640"/>
-                </a:xfrm>
-                <a:prstGeom prst="roundRect">
-                  <a:avLst/>
-                </a:prstGeom>
-                <a:solidFill>
-                  <a:srgbClr val="456CE3">
-                    <a:alpha val="69804"/>
-                  </a:srgbClr>
-                </a:solidFill>
-              </p:spPr>
-              <p:style>
-                <a:lnRef idx="2">
-                  <a:schemeClr val="accent1">
-                    <a:shade val="50000"/>
-                  </a:schemeClr>
-                </a:lnRef>
-                <a:fillRef idx="1">
-                  <a:schemeClr val="accent1"/>
-                </a:fillRef>
-                <a:effectRef idx="0">
-                  <a:schemeClr val="accent1"/>
-                </a:effectRef>
-                <a:fontRef idx="minor">
-                  <a:schemeClr val="lt1"/>
-                </a:fontRef>
-              </p:style>
-              <p:txBody>
-                <a:bodyPr rot="0" spcFirstLastPara="0" vertOverflow="overflow" horzOverflow="overflow" vert="horz" wrap="square" lIns="91440" tIns="45720" rIns="91440" bIns="45720" numCol="1" spcCol="0" rtlCol="0" fromWordArt="0" anchor="ctr" anchorCtr="0" forceAA="0" compatLnSpc="1">
-                  <a:prstTxWarp prst="textNoShape">
-                    <a:avLst/>
-                  </a:prstTxWarp>
-                  <a:noAutofit/>
-                </a:bodyPr>
-                <a:lstStyle/>
-                <a:p>
-                  <a:pPr algn="ctr"/>
-                  <a:endParaRPr lang="en-US" dirty="0"/>
-                </a:p>
-              </p:txBody>
-            </p:sp>
-            <p:pic>
-              <p:nvPicPr>
-                <p:cNvPr id="63" name="Picture 62">
-                  <a:extLst>
-                    <a:ext uri="{FF2B5EF4-FFF2-40B4-BE49-F238E27FC236}">
-                      <a16:creationId xmlns:a16="http://schemas.microsoft.com/office/drawing/2014/main" id="{D2F5FBC9-907E-FC4B-BD8A-3105433DECD3}"/>
-                    </a:ext>
-                  </a:extLst>
-                </p:cNvPr>
-                <p:cNvPicPr>
-                  <a:picLocks noChangeAspect="1"/>
-                </p:cNvPicPr>
-                <p:nvPr/>
-              </p:nvPicPr>
-              <p:blipFill>
-                <a:blip r:embed="rId10"/>
-                <a:stretch>
-                  <a:fillRect/>
-                </a:stretch>
-              </p:blipFill>
-              <p:spPr>
-                <a:xfrm>
-                  <a:off x="434741" y="4269374"/>
-                  <a:ext cx="2057400" cy="1428750"/>
-                </a:xfrm>
-                <a:prstGeom prst="rect">
-                  <a:avLst/>
-                </a:prstGeom>
-              </p:spPr>
-            </p:pic>
-          </p:grpSp>
-        </p:grpSp>
-        <p:pic>
-          <p:nvPicPr>
-            <p:cNvPr id="74" name="Picture 73">
-              <a:extLst>
-                <a:ext uri="{FF2B5EF4-FFF2-40B4-BE49-F238E27FC236}">
-                  <a16:creationId xmlns:a16="http://schemas.microsoft.com/office/drawing/2014/main" id="{0453353C-2471-9943-AD6D-6FD35D2046CF}"/>
-                </a:ext>
-              </a:extLst>
-            </p:cNvPr>
-            <p:cNvPicPr>
-              <a:picLocks noChangeAspect="1"/>
-            </p:cNvPicPr>
-            <p:nvPr/>
-          </p:nvPicPr>
-          <p:blipFill>
-            <a:blip r:embed="rId11"/>
-            <a:stretch>
-              <a:fillRect/>
-            </a:stretch>
-          </p:blipFill>
-          <p:spPr>
-            <a:xfrm>
-              <a:off x="5805714" y="188013"/>
-              <a:ext cx="2057400" cy="1428750"/>
-            </a:xfrm>
-            <a:prstGeom prst="rect">
-              <a:avLst/>
-            </a:prstGeom>
-          </p:spPr>
-        </p:pic>
-      </p:grpSp>
-      <p:sp>
-        <p:nvSpPr>
-          <p:cNvPr id="77" name="Right Arrow 76">
-            <a:extLst>
-              <a:ext uri="{FF2B5EF4-FFF2-40B4-BE49-F238E27FC236}">
-                <a16:creationId xmlns:a16="http://schemas.microsoft.com/office/drawing/2014/main" id="{15718B9C-EC65-1F4E-9A82-61862C31678E}"/>
+                <a16:creationId xmlns:a16="http://schemas.microsoft.com/office/drawing/2014/main" id="{4FAA0A27-5D81-2A4B-8E4E-EB71A5ED4E14}"/>
               </a:ext>
             </a:extLst>
           </p:cNvPr>
@@ -4728,7 +4453,7 @@
         </p:nvSpPr>
         <p:spPr>
           <a:xfrm rot="5400000" flipV="1">
-            <a:off x="9301965" y="10391947"/>
+            <a:off x="12334785" y="2689256"/>
             <a:ext cx="688359" cy="716625"/>
           </a:xfrm>
           <a:prstGeom prst="rightArrow">
@@ -4775,10 +4500,10 @@
       </p:sp>
       <p:grpSp>
         <p:nvGrpSpPr>
-          <p:cNvPr id="39" name="Group 38">
+          <p:cNvPr id="3" name="Group 2">
             <a:extLst>
               <a:ext uri="{FF2B5EF4-FFF2-40B4-BE49-F238E27FC236}">
-                <a16:creationId xmlns:a16="http://schemas.microsoft.com/office/drawing/2014/main" id="{18DB74D5-D778-0A43-BFDF-F82DAF062CA7}"/>
+                <a16:creationId xmlns:a16="http://schemas.microsoft.com/office/drawing/2014/main" id="{66F95A62-866B-C24C-B4E0-50FC4FECBC1D}"/>
               </a:ext>
             </a:extLst>
           </p:cNvPr>
@@ -4787,254 +4512,18 @@
         </p:nvGrpSpPr>
         <p:grpSpPr>
           <a:xfrm>
-            <a:off x="5092517" y="870877"/>
-            <a:ext cx="1672181" cy="1878295"/>
-            <a:chOff x="2580041" y="130050"/>
-            <a:chExt cx="1672181" cy="1878295"/>
+            <a:off x="11579210" y="4122669"/>
+            <a:ext cx="1362974" cy="1227483"/>
+            <a:chOff x="11668312" y="9142886"/>
+            <a:chExt cx="1481924" cy="1334609"/>
           </a:xfrm>
         </p:grpSpPr>
         <p:sp>
           <p:nvSpPr>
-            <p:cNvPr id="93" name="TextBox 92">
+            <p:cNvPr id="62" name="Oval 61">
               <a:extLst>
                 <a:ext uri="{FF2B5EF4-FFF2-40B4-BE49-F238E27FC236}">
-                  <a16:creationId xmlns:a16="http://schemas.microsoft.com/office/drawing/2014/main" id="{2030857C-FF36-E349-84E9-4EAABCDF7FA7}"/>
-                </a:ext>
-              </a:extLst>
-            </p:cNvPr>
-            <p:cNvSpPr txBox="1"/>
-            <p:nvPr/>
-          </p:nvSpPr>
-          <p:spPr>
-            <a:xfrm>
-              <a:off x="2580041" y="1151644"/>
-              <a:ext cx="495649" cy="707887"/>
-            </a:xfrm>
-            <a:prstGeom prst="rect">
-              <a:avLst/>
-            </a:prstGeom>
-            <a:noFill/>
-          </p:spPr>
-          <p:txBody>
-            <a:bodyPr wrap="none" rtlCol="0">
-              <a:spAutoFit/>
-            </a:bodyPr>
-            <a:lstStyle/>
-            <a:p>
-              <a:r>
-                <a:rPr lang="en-US" sz="4000" b="1" i="1" dirty="0"/>
-                <a:t>A</a:t>
-              </a:r>
-            </a:p>
-          </p:txBody>
-        </p:sp>
-        <p:sp>
-          <p:nvSpPr>
-            <p:cNvPr id="98" name="TextBox 97">
-              <a:extLst>
-                <a:ext uri="{FF2B5EF4-FFF2-40B4-BE49-F238E27FC236}">
-                  <a16:creationId xmlns:a16="http://schemas.microsoft.com/office/drawing/2014/main" id="{F34CF39E-1447-5946-9C3E-3B7CECB4A803}"/>
-                </a:ext>
-              </a:extLst>
-            </p:cNvPr>
-            <p:cNvSpPr txBox="1"/>
-            <p:nvPr/>
-          </p:nvSpPr>
-          <p:spPr>
-            <a:xfrm>
-              <a:off x="2584674" y="276186"/>
-              <a:ext cx="471604" cy="707886"/>
-            </a:xfrm>
-            <a:prstGeom prst="rect">
-              <a:avLst/>
-            </a:prstGeom>
-            <a:noFill/>
-          </p:spPr>
-          <p:txBody>
-            <a:bodyPr wrap="none" rtlCol="0">
-              <a:spAutoFit/>
-            </a:bodyPr>
-            <a:lstStyle/>
-            <a:p>
-              <a:r>
-                <a:rPr lang="en-US" sz="4000" b="1" i="1" dirty="0"/>
-                <a:t>B</a:t>
-              </a:r>
-              <a:endParaRPr lang="en-US" sz="4000" b="1" i="1" baseline="-25000" dirty="0"/>
-            </a:p>
-          </p:txBody>
-        </p:sp>
-        <p:sp>
-          <p:nvSpPr>
-            <p:cNvPr id="102" name="TextBox 101">
-              <a:extLst>
-                <a:ext uri="{FF2B5EF4-FFF2-40B4-BE49-F238E27FC236}">
-                  <a16:creationId xmlns:a16="http://schemas.microsoft.com/office/drawing/2014/main" id="{3374AA94-F50B-4647-9F67-9FD13A84DA9D}"/>
-                </a:ext>
-              </a:extLst>
-            </p:cNvPr>
-            <p:cNvSpPr txBox="1"/>
-            <p:nvPr/>
-          </p:nvSpPr>
-          <p:spPr>
-            <a:xfrm>
-              <a:off x="3084451" y="737224"/>
-              <a:ext cx="450764" cy="707887"/>
-            </a:xfrm>
-            <a:prstGeom prst="rect">
-              <a:avLst/>
-            </a:prstGeom>
-            <a:noFill/>
-          </p:spPr>
-          <p:txBody>
-            <a:bodyPr wrap="none" rtlCol="0">
-              <a:spAutoFit/>
-            </a:bodyPr>
-            <a:lstStyle/>
-            <a:p>
-              <a:r>
-                <a:rPr lang="en-US" sz="4000" b="1" i="1" dirty="0"/>
-                <a:t>C</a:t>
-              </a:r>
-            </a:p>
-          </p:txBody>
-        </p:sp>
-        <p:sp>
-          <p:nvSpPr>
-            <p:cNvPr id="103" name="TextBox 102">
-              <a:extLst>
-                <a:ext uri="{FF2B5EF4-FFF2-40B4-BE49-F238E27FC236}">
-                  <a16:creationId xmlns:a16="http://schemas.microsoft.com/office/drawing/2014/main" id="{5C2E121B-344E-EA42-8128-8CD94C6EABCC}"/>
-                </a:ext>
-              </a:extLst>
-            </p:cNvPr>
-            <p:cNvSpPr txBox="1"/>
-            <p:nvPr/>
-          </p:nvSpPr>
-          <p:spPr>
-            <a:xfrm>
-              <a:off x="3743748" y="1300458"/>
-              <a:ext cx="508474" cy="707887"/>
-            </a:xfrm>
-            <a:prstGeom prst="rect">
-              <a:avLst/>
-            </a:prstGeom>
-            <a:noFill/>
-          </p:spPr>
-          <p:txBody>
-            <a:bodyPr wrap="none" rtlCol="0">
-              <a:spAutoFit/>
-            </a:bodyPr>
-            <a:lstStyle/>
-            <a:p>
-              <a:pPr algn="ctr"/>
-              <a:r>
-                <a:rPr lang="en-US" sz="4000" b="1" i="1" dirty="0"/>
-                <a:t>D</a:t>
-              </a:r>
-            </a:p>
-          </p:txBody>
-        </p:sp>
-        <p:sp>
-          <p:nvSpPr>
-            <p:cNvPr id="104" name="TextBox 103">
-              <a:extLst>
-                <a:ext uri="{FF2B5EF4-FFF2-40B4-BE49-F238E27FC236}">
-                  <a16:creationId xmlns:a16="http://schemas.microsoft.com/office/drawing/2014/main" id="{5AE6A7BB-C527-BF42-92A3-C3C5B1415978}"/>
-                </a:ext>
-              </a:extLst>
-            </p:cNvPr>
-            <p:cNvSpPr txBox="1"/>
-            <p:nvPr/>
-          </p:nvSpPr>
-          <p:spPr>
-            <a:xfrm>
-              <a:off x="3236273" y="130050"/>
-              <a:ext cx="434734" cy="707887"/>
-            </a:xfrm>
-            <a:prstGeom prst="rect">
-              <a:avLst/>
-            </a:prstGeom>
-            <a:noFill/>
-          </p:spPr>
-          <p:txBody>
-            <a:bodyPr wrap="none" rtlCol="0">
-              <a:spAutoFit/>
-            </a:bodyPr>
-            <a:lstStyle/>
-            <a:p>
-              <a:pPr algn="ctr"/>
-              <a:r>
-                <a:rPr lang="en-US" sz="4000" b="1" i="1" dirty="0"/>
-                <a:t>E</a:t>
-              </a:r>
-            </a:p>
-          </p:txBody>
-        </p:sp>
-        <p:sp>
-          <p:nvSpPr>
-            <p:cNvPr id="105" name="TextBox 104">
-              <a:extLst>
-                <a:ext uri="{FF2B5EF4-FFF2-40B4-BE49-F238E27FC236}">
-                  <a16:creationId xmlns:a16="http://schemas.microsoft.com/office/drawing/2014/main" id="{92F3BCFB-55EC-8B44-B34A-C22680C4AE9C}"/>
-                </a:ext>
-              </a:extLst>
-            </p:cNvPr>
-            <p:cNvSpPr txBox="1"/>
-            <p:nvPr/>
-          </p:nvSpPr>
-          <p:spPr>
-            <a:xfrm>
-              <a:off x="3810859" y="583933"/>
-              <a:ext cx="420308" cy="707886"/>
-            </a:xfrm>
-            <a:prstGeom prst="rect">
-              <a:avLst/>
-            </a:prstGeom>
-            <a:noFill/>
-          </p:spPr>
-          <p:txBody>
-            <a:bodyPr wrap="none" rtlCol="0">
-              <a:spAutoFit/>
-            </a:bodyPr>
-            <a:lstStyle/>
-            <a:p>
-              <a:pPr algn="ctr"/>
-              <a:r>
-                <a:rPr lang="en-US" sz="4000" b="1" i="1" dirty="0"/>
-                <a:t>F</a:t>
-              </a:r>
-              <a:endParaRPr lang="en-US" sz="4000" b="1" i="1" baseline="-25000" dirty="0"/>
-            </a:p>
-          </p:txBody>
-        </p:sp>
-      </p:grpSp>
-      <p:grpSp>
-        <p:nvGrpSpPr>
-          <p:cNvPr id="108" name="Group 107">
-            <a:extLst>
-              <a:ext uri="{FF2B5EF4-FFF2-40B4-BE49-F238E27FC236}">
-                <a16:creationId xmlns:a16="http://schemas.microsoft.com/office/drawing/2014/main" id="{2F87EE65-F6C4-9A49-8051-D578F55EF960}"/>
-              </a:ext>
-            </a:extLst>
-          </p:cNvPr>
-          <p:cNvGrpSpPr/>
-          <p:nvPr/>
-        </p:nvGrpSpPr>
-        <p:grpSpPr>
-          <a:xfrm>
-            <a:off x="8045120" y="4057849"/>
-            <a:ext cx="4328354" cy="607173"/>
-            <a:chOff x="5825196" y="2127103"/>
-            <a:chExt cx="3434288" cy="709017"/>
-          </a:xfrm>
-        </p:grpSpPr>
-        <p:sp>
-          <p:nvSpPr>
-            <p:cNvPr id="109" name="Rounded Rectangle 108">
-              <a:extLst>
-                <a:ext uri="{FF2B5EF4-FFF2-40B4-BE49-F238E27FC236}">
-                  <a16:creationId xmlns:a16="http://schemas.microsoft.com/office/drawing/2014/main" id="{84C75DE8-442E-DF4E-A739-2AF7FFF43473}"/>
+                  <a16:creationId xmlns:a16="http://schemas.microsoft.com/office/drawing/2014/main" id="{DF7930CD-1F57-0947-9365-138AFB477A79}"/>
                 </a:ext>
               </a:extLst>
             </p:cNvPr>
@@ -5043,21 +4532,20 @@
           </p:nvSpPr>
           <p:spPr>
             <a:xfrm>
-              <a:off x="5880862" y="2127103"/>
-              <a:ext cx="3277580" cy="709017"/>
+              <a:off x="11668312" y="9142886"/>
+              <a:ext cx="1481924" cy="1334609"/>
             </a:xfrm>
-            <a:prstGeom prst="roundRect">
+            <a:prstGeom prst="ellipse">
               <a:avLst/>
             </a:prstGeom>
             <a:solidFill>
-              <a:schemeClr val="bg2">
-                <a:lumMod val="90000"/>
+              <a:schemeClr val="accent4">
+                <a:lumMod val="60000"/>
+                <a:lumOff val="40000"/>
               </a:schemeClr>
             </a:solidFill>
             <a:ln>
-              <a:solidFill>
-                <a:srgbClr val="92D050"/>
-              </a:solidFill>
+              <a:noFill/>
             </a:ln>
           </p:spPr>
           <p:style>
@@ -5077,12 +4565,7 @@
             </a:fontRef>
           </p:style>
           <p:txBody>
-            <a:bodyPr rot="0" spcFirstLastPara="0" vertOverflow="overflow" horzOverflow="overflow" vert="horz" wrap="square" lIns="91440" tIns="45720" rIns="91440" bIns="45720" numCol="1" spcCol="0" rtlCol="0" fromWordArt="0" anchor="ctr" anchorCtr="0" forceAA="0" compatLnSpc="1">
-              <a:prstTxWarp prst="textNoShape">
-                <a:avLst/>
-              </a:prstTxWarp>
-              <a:noAutofit/>
-            </a:bodyPr>
+            <a:bodyPr rtlCol="0" anchor="ctr"/>
             <a:lstStyle/>
             <a:p>
               <a:pPr algn="ctr"/>
@@ -5092,10 +4575,10 @@
         </p:sp>
         <p:sp>
           <p:nvSpPr>
-            <p:cNvPr id="110" name="TextBox 109">
+            <p:cNvPr id="60" name="TextBox 59">
               <a:extLst>
                 <a:ext uri="{FF2B5EF4-FFF2-40B4-BE49-F238E27FC236}">
-                  <a16:creationId xmlns:a16="http://schemas.microsoft.com/office/drawing/2014/main" id="{C3C58667-873D-274D-BC91-E860F15C3967}"/>
+                  <a16:creationId xmlns:a16="http://schemas.microsoft.com/office/drawing/2014/main" id="{654F41CD-F392-D049-AD0A-CB2D4915B896}"/>
                 </a:ext>
               </a:extLst>
             </p:cNvPr>
@@ -5104,8 +4587,8 @@
           </p:nvSpPr>
           <p:spPr>
             <a:xfrm>
-              <a:off x="5825196" y="2157494"/>
-              <a:ext cx="3434288" cy="467222"/>
+              <a:off x="11676482" y="9319770"/>
+              <a:ext cx="1450785" cy="1003912"/>
             </a:xfrm>
             <a:prstGeom prst="rect">
               <a:avLst/>
@@ -5113,143 +4596,41 @@
             <a:noFill/>
           </p:spPr>
           <p:txBody>
-            <a:bodyPr wrap="square" rtlCol="0">
+            <a:bodyPr wrap="square">
               <a:spAutoFit/>
             </a:bodyPr>
             <a:lstStyle/>
             <a:p>
               <a:pPr algn="ctr"/>
               <a:r>
-                <a:rPr lang="en-US" sz="2000" dirty="0"/>
-                <a:t>Search chronogram database and prune</a:t>
+                <a:rPr lang="en-US" b="1" dirty="0">
+                  <a:solidFill>
+                    <a:srgbClr val="7030A0"/>
+                  </a:solidFill>
+                </a:rPr>
+                <a:t>A tree from the</a:t>
+              </a:r>
+            </a:p>
+            <a:p>
+              <a:pPr algn="ctr"/>
+              <a:r>
+                <a:rPr lang="en-US" b="1" dirty="0">
+                  <a:solidFill>
+                    <a:srgbClr val="7030A0"/>
+                  </a:solidFill>
+                </a:rPr>
+                <a:t>literature</a:t>
               </a:r>
             </a:p>
           </p:txBody>
         </p:sp>
       </p:grpSp>
-      <p:grpSp>
-        <p:nvGrpSpPr>
-          <p:cNvPr id="111" name="Group 110">
+      <p:sp>
+        <p:nvSpPr>
+          <p:cNvPr id="63" name="Rounded Rectangle 62">
             <a:extLst>
               <a:ext uri="{FF2B5EF4-FFF2-40B4-BE49-F238E27FC236}">
-                <a16:creationId xmlns:a16="http://schemas.microsoft.com/office/drawing/2014/main" id="{C7B2A26B-1561-C64C-8EBF-A506334A9EA8}"/>
-              </a:ext>
-            </a:extLst>
-          </p:cNvPr>
-          <p:cNvGrpSpPr/>
-          <p:nvPr/>
-        </p:nvGrpSpPr>
-        <p:grpSpPr>
-          <a:xfrm>
-            <a:off x="8010560" y="6220038"/>
-            <a:ext cx="4491760" cy="607174"/>
-            <a:chOff x="5880861" y="2127103"/>
-            <a:chExt cx="3331307" cy="709017"/>
-          </a:xfrm>
-          <a:noFill/>
-        </p:grpSpPr>
-        <p:sp>
-          <p:nvSpPr>
-            <p:cNvPr id="112" name="Rounded Rectangle 111">
-              <a:extLst>
-                <a:ext uri="{FF2B5EF4-FFF2-40B4-BE49-F238E27FC236}">
-                  <a16:creationId xmlns:a16="http://schemas.microsoft.com/office/drawing/2014/main" id="{35B47542-E943-9342-A3AC-DDA6CF4F0B66}"/>
-                </a:ext>
-              </a:extLst>
-            </p:cNvPr>
-            <p:cNvSpPr/>
-            <p:nvPr/>
-          </p:nvSpPr>
-          <p:spPr>
-            <a:xfrm>
-              <a:off x="5880862" y="2127103"/>
-              <a:ext cx="3277580" cy="709017"/>
-            </a:xfrm>
-            <a:prstGeom prst="roundRect">
-              <a:avLst/>
-            </a:prstGeom>
-            <a:solidFill>
-              <a:srgbClr val="D0CECD"/>
-            </a:solidFill>
-            <a:ln>
-              <a:solidFill>
-                <a:srgbClr val="92D050"/>
-              </a:solidFill>
-            </a:ln>
-          </p:spPr>
-          <p:style>
-            <a:lnRef idx="2">
-              <a:schemeClr val="accent1">
-                <a:shade val="50000"/>
-              </a:schemeClr>
-            </a:lnRef>
-            <a:fillRef idx="1">
-              <a:schemeClr val="accent1"/>
-            </a:fillRef>
-            <a:effectRef idx="0">
-              <a:schemeClr val="accent1"/>
-            </a:effectRef>
-            <a:fontRef idx="minor">
-              <a:schemeClr val="lt1"/>
-            </a:fontRef>
-          </p:style>
-          <p:txBody>
-            <a:bodyPr rot="0" spcFirstLastPara="0" vertOverflow="overflow" horzOverflow="overflow" vert="horz" wrap="square" lIns="91440" tIns="45720" rIns="91440" bIns="45720" numCol="1" spcCol="0" rtlCol="0" fromWordArt="0" anchor="ctr" anchorCtr="0" forceAA="0" compatLnSpc="1">
-              <a:prstTxWarp prst="textNoShape">
-                <a:avLst/>
-              </a:prstTxWarp>
-              <a:noAutofit/>
-            </a:bodyPr>
-            <a:lstStyle/>
-            <a:p>
-              <a:pPr algn="ctr"/>
-              <a:endParaRPr lang="en-US"/>
-            </a:p>
-          </p:txBody>
-        </p:sp>
-        <p:sp>
-          <p:nvSpPr>
-            <p:cNvPr id="113" name="TextBox 112">
-              <a:extLst>
-                <a:ext uri="{FF2B5EF4-FFF2-40B4-BE49-F238E27FC236}">
-                  <a16:creationId xmlns:a16="http://schemas.microsoft.com/office/drawing/2014/main" id="{5067ED03-C77E-4A47-A498-072C59D7F4F2}"/>
-                </a:ext>
-              </a:extLst>
-            </p:cNvPr>
-            <p:cNvSpPr txBox="1"/>
-            <p:nvPr/>
-          </p:nvSpPr>
-          <p:spPr>
-            <a:xfrm>
-              <a:off x="5880861" y="2203919"/>
-              <a:ext cx="3331307" cy="467220"/>
-            </a:xfrm>
-            <a:prstGeom prst="rect">
-              <a:avLst/>
-            </a:prstGeom>
-            <a:grpFill/>
-          </p:spPr>
-          <p:txBody>
-            <a:bodyPr wrap="square" rtlCol="0">
-              <a:spAutoFit/>
-            </a:bodyPr>
-            <a:lstStyle/>
-            <a:p>
-              <a:pPr algn="ctr"/>
-              <a:r>
-                <a:rPr lang="en-US" sz="2000" dirty="0"/>
-                <a:t>Choose a tree topology</a:t>
-              </a:r>
-            </a:p>
-          </p:txBody>
-        </p:sp>
-      </p:grpSp>
-      <p:sp>
-        <p:nvSpPr>
-          <p:cNvPr id="115" name="Right Arrow 114">
-            <a:extLst>
-              <a:ext uri="{FF2B5EF4-FFF2-40B4-BE49-F238E27FC236}">
-                <a16:creationId xmlns:a16="http://schemas.microsoft.com/office/drawing/2014/main" id="{B77AB1E9-0E67-5247-9CFC-1EED51AE6EE1}"/>
+                <a16:creationId xmlns:a16="http://schemas.microsoft.com/office/drawing/2014/main" id="{FB327606-7CB4-0446-A67D-583D602C64AD}"/>
               </a:ext>
             </a:extLst>
           </p:cNvPr>
@@ -5257,17 +4638,15 @@
           <p:nvPr/>
         </p:nvSpPr>
         <p:spPr>
-          <a:xfrm flipV="1">
-            <a:off x="5817705" y="8917016"/>
-            <a:ext cx="688359" cy="716625"/>
-          </a:xfrm>
-          <a:prstGeom prst="rightArrow">
+          <a:xfrm>
+            <a:off x="4062532" y="96057"/>
+            <a:ext cx="11016876" cy="2583831"/>
+          </a:xfrm>
+          <a:prstGeom prst="roundRect">
             <a:avLst/>
           </a:prstGeom>
-          <a:solidFill>
-            <a:srgbClr val="498285"/>
-          </a:solidFill>
-          <a:ln>
+          <a:noFill/>
+          <a:ln w="38100">
             <a:solidFill>
               <a:srgbClr val="92D050"/>
             </a:solidFill>
@@ -5303,12 +4682,175 @@
           </a:p>
         </p:txBody>
       </p:sp>
-      <p:sp>
-        <p:nvSpPr>
-          <p:cNvPr id="73" name="Right Arrow 72">
+      <p:pic>
+        <p:nvPicPr>
+          <p:cNvPr id="53" name="Graphic 52">
             <a:extLst>
               <a:ext uri="{FF2B5EF4-FFF2-40B4-BE49-F238E27FC236}">
-                <a16:creationId xmlns:a16="http://schemas.microsoft.com/office/drawing/2014/main" id="{ECA3F275-FC3E-B741-AC9D-9D3662D43FB6}"/>
+                <a16:creationId xmlns:a16="http://schemas.microsoft.com/office/drawing/2014/main" id="{CBB174BA-B130-0645-A6ED-903B7CE3CF56}"/>
+              </a:ext>
+            </a:extLst>
+          </p:cNvPr>
+          <p:cNvPicPr>
+            <a:picLocks noChangeAspect="1"/>
+          </p:cNvPicPr>
+          <p:nvPr/>
+        </p:nvPicPr>
+        <p:blipFill>
+          <a:blip r:embed="rId12">
+            <a:extLst>
+              <a:ext uri="{96DAC541-7B7A-43D3-8B79-37D633B846F1}">
+                <asvg:svgBlip xmlns:asvg="http://schemas.microsoft.com/office/drawing/2016/SVG/main" r:embed="rId13"/>
+              </a:ext>
+            </a:extLst>
+          </a:blip>
+          <a:stretch>
+            <a:fillRect/>
+          </a:stretch>
+        </p:blipFill>
+        <p:spPr>
+          <a:xfrm>
+            <a:off x="10762836" y="6027641"/>
+            <a:ext cx="3501300" cy="3501300"/>
+          </a:xfrm>
+          <a:prstGeom prst="rect">
+            <a:avLst/>
+          </a:prstGeom>
+        </p:spPr>
+      </p:pic>
+      <p:grpSp>
+        <p:nvGrpSpPr>
+          <p:cNvPr id="6" name="Group 5">
+            <a:extLst>
+              <a:ext uri="{FF2B5EF4-FFF2-40B4-BE49-F238E27FC236}">
+                <a16:creationId xmlns:a16="http://schemas.microsoft.com/office/drawing/2014/main" id="{F2A34E4B-B77C-5C42-BAAE-DB44B2B6FC0A}"/>
+              </a:ext>
+            </a:extLst>
+          </p:cNvPr>
+          <p:cNvGrpSpPr/>
+          <p:nvPr/>
+        </p:nvGrpSpPr>
+        <p:grpSpPr>
+          <a:xfrm>
+            <a:off x="13830119" y="5267345"/>
+            <a:ext cx="1148104" cy="898320"/>
+            <a:chOff x="12975475" y="4116437"/>
+            <a:chExt cx="1148104" cy="898320"/>
+          </a:xfrm>
+        </p:grpSpPr>
+        <p:sp>
+          <p:nvSpPr>
+            <p:cNvPr id="67" name="Oval 66">
+              <a:extLst>
+                <a:ext uri="{FF2B5EF4-FFF2-40B4-BE49-F238E27FC236}">
+                  <a16:creationId xmlns:a16="http://schemas.microsoft.com/office/drawing/2014/main" id="{777AD2B0-1874-EB46-9A2C-3CF79F37C782}"/>
+                </a:ext>
+              </a:extLst>
+            </p:cNvPr>
+            <p:cNvSpPr/>
+            <p:nvPr/>
+          </p:nvSpPr>
+          <p:spPr>
+            <a:xfrm>
+              <a:off x="12975475" y="4116437"/>
+              <a:ext cx="1138645" cy="898320"/>
+            </a:xfrm>
+            <a:prstGeom prst="ellipse">
+              <a:avLst/>
+            </a:prstGeom>
+            <a:solidFill>
+              <a:schemeClr val="accent5">
+                <a:lumMod val="60000"/>
+                <a:lumOff val="40000"/>
+              </a:schemeClr>
+            </a:solidFill>
+            <a:ln>
+              <a:noFill/>
+            </a:ln>
+          </p:spPr>
+          <p:style>
+            <a:lnRef idx="2">
+              <a:schemeClr val="accent1">
+                <a:shade val="50000"/>
+              </a:schemeClr>
+            </a:lnRef>
+            <a:fillRef idx="1">
+              <a:schemeClr val="accent1"/>
+            </a:fillRef>
+            <a:effectRef idx="0">
+              <a:schemeClr val="accent1"/>
+            </a:effectRef>
+            <a:fontRef idx="minor">
+              <a:schemeClr val="lt1"/>
+            </a:fontRef>
+          </p:style>
+          <p:txBody>
+            <a:bodyPr rtlCol="0" anchor="ctr"/>
+            <a:lstStyle/>
+            <a:p>
+              <a:pPr algn="ctr"/>
+              <a:endParaRPr lang="en-US"/>
+            </a:p>
+          </p:txBody>
+        </p:sp>
+        <p:sp>
+          <p:nvSpPr>
+            <p:cNvPr id="66" name="TextBox 65">
+              <a:extLst>
+                <a:ext uri="{FF2B5EF4-FFF2-40B4-BE49-F238E27FC236}">
+                  <a16:creationId xmlns:a16="http://schemas.microsoft.com/office/drawing/2014/main" id="{736D0ADA-387F-C74B-A526-5A6296395A2D}"/>
+                </a:ext>
+              </a:extLst>
+            </p:cNvPr>
+            <p:cNvSpPr txBox="1"/>
+            <p:nvPr/>
+          </p:nvSpPr>
+          <p:spPr>
+            <a:xfrm>
+              <a:off x="12984934" y="4260972"/>
+              <a:ext cx="1138645" cy="646331"/>
+            </a:xfrm>
+            <a:prstGeom prst="rect">
+              <a:avLst/>
+            </a:prstGeom>
+            <a:noFill/>
+          </p:spPr>
+          <p:txBody>
+            <a:bodyPr wrap="none" rtlCol="0">
+              <a:spAutoFit/>
+            </a:bodyPr>
+            <a:lstStyle/>
+            <a:p>
+              <a:pPr algn="ctr"/>
+              <a:r>
+                <a:rPr lang="en-US" b="1" dirty="0">
+                  <a:solidFill>
+                    <a:srgbClr val="C00000"/>
+                  </a:solidFill>
+                </a:rPr>
+                <a:t>Your own </a:t>
+              </a:r>
+            </a:p>
+            <a:p>
+              <a:pPr algn="ctr"/>
+              <a:r>
+                <a:rPr lang="en-US" b="1" dirty="0">
+                  <a:solidFill>
+                    <a:srgbClr val="C00000"/>
+                  </a:solidFill>
+                </a:rPr>
+                <a:t>tree</a:t>
+              </a:r>
+            </a:p>
+          </p:txBody>
+        </p:sp>
+      </p:grpSp>
+      <p:sp>
+        <p:nvSpPr>
+          <p:cNvPr id="71" name="Right Arrow 70">
+            <a:extLst>
+              <a:ext uri="{FF2B5EF4-FFF2-40B4-BE49-F238E27FC236}">
+                <a16:creationId xmlns:a16="http://schemas.microsoft.com/office/drawing/2014/main" id="{75F9A897-D5B7-9F46-8110-C668075F1FBE}"/>
               </a:ext>
             </a:extLst>
           </p:cNvPr>
@@ -5316,65 +4858,8 @@
           <p:nvPr/>
         </p:nvSpPr>
         <p:spPr>
-          <a:xfrm rot="3458171" flipV="1">
-            <a:off x="1533249" y="3824971"/>
-            <a:ext cx="688359" cy="716625"/>
-          </a:xfrm>
-          <a:prstGeom prst="rightArrow">
-            <a:avLst/>
-          </a:prstGeom>
-          <a:solidFill>
-            <a:schemeClr val="tx1"/>
-          </a:solidFill>
-          <a:ln>
-            <a:noFill/>
-          </a:ln>
-        </p:spPr>
-        <p:style>
-          <a:lnRef idx="2">
-            <a:schemeClr val="accent1">
-              <a:shade val="50000"/>
-            </a:schemeClr>
-          </a:lnRef>
-          <a:fillRef idx="1">
-            <a:schemeClr val="accent1"/>
-          </a:fillRef>
-          <a:effectRef idx="0">
-            <a:schemeClr val="accent1"/>
-          </a:effectRef>
-          <a:fontRef idx="minor">
-            <a:schemeClr val="lt1"/>
-          </a:fontRef>
-        </p:style>
-        <p:txBody>
-          <a:bodyPr rot="0" spcFirstLastPara="0" vertOverflow="overflow" horzOverflow="overflow" vert="horz" wrap="square" lIns="91440" tIns="45720" rIns="91440" bIns="45720" numCol="1" spcCol="0" rtlCol="0" fromWordArt="0" anchor="ctr" anchorCtr="0" forceAA="0" compatLnSpc="1">
-            <a:prstTxWarp prst="textNoShape">
-              <a:avLst/>
-            </a:prstTxWarp>
-            <a:noAutofit/>
-          </a:bodyPr>
-          <a:lstStyle/>
-          <a:p>
-            <a:pPr algn="ctr"/>
-            <a:endParaRPr lang="en-US"/>
-          </a:p>
-        </p:txBody>
-      </p:sp>
-      <p:sp>
-        <p:nvSpPr>
-          <p:cNvPr id="78" name="Right Arrow 77">
-            <a:extLst>
-              <a:ext uri="{FF2B5EF4-FFF2-40B4-BE49-F238E27FC236}">
-                <a16:creationId xmlns:a16="http://schemas.microsoft.com/office/drawing/2014/main" id="{44518E44-45AC-0742-A5CD-56BC78C50264}"/>
-              </a:ext>
-            </a:extLst>
-          </p:cNvPr>
-          <p:cNvSpPr/>
-          <p:nvPr/>
-        </p:nvSpPr>
-        <p:spPr>
           <a:xfrm rot="5400000" flipV="1">
-            <a:off x="2930730" y="6247162"/>
+            <a:off x="1474683" y="1233664"/>
             <a:ext cx="688359" cy="716625"/>
           </a:xfrm>
           <a:prstGeom prst="rightArrow">
@@ -5419,305 +4904,12 @@
           </a:p>
         </p:txBody>
       </p:sp>
-      <p:sp>
-        <p:nvSpPr>
-          <p:cNvPr id="82" name="Right Arrow 81">
+      <p:grpSp>
+        <p:nvGrpSpPr>
+          <p:cNvPr id="72" name="Group 71">
             <a:extLst>
               <a:ext uri="{FF2B5EF4-FFF2-40B4-BE49-F238E27FC236}">
-                <a16:creationId xmlns:a16="http://schemas.microsoft.com/office/drawing/2014/main" id="{DE52D6E8-4F8D-E74D-9F04-09B30BF3C299}"/>
-              </a:ext>
-            </a:extLst>
-          </p:cNvPr>
-          <p:cNvSpPr/>
-          <p:nvPr/>
-        </p:nvSpPr>
-        <p:spPr>
-          <a:xfrm>
-            <a:off x="11958414" y="11519791"/>
-            <a:ext cx="872092" cy="722643"/>
-          </a:xfrm>
-          <a:prstGeom prst="rightArrow">
-            <a:avLst/>
-          </a:prstGeom>
-          <a:solidFill>
-            <a:srgbClr val="92D050"/>
-          </a:solidFill>
-          <a:ln>
-            <a:solidFill>
-              <a:srgbClr val="92D050"/>
-            </a:solidFill>
-          </a:ln>
-        </p:spPr>
-        <p:style>
-          <a:lnRef idx="2">
-            <a:schemeClr val="accent1">
-              <a:shade val="50000"/>
-            </a:schemeClr>
-          </a:lnRef>
-          <a:fillRef idx="1">
-            <a:schemeClr val="accent1"/>
-          </a:fillRef>
-          <a:effectRef idx="0">
-            <a:schemeClr val="accent1"/>
-          </a:effectRef>
-          <a:fontRef idx="minor">
-            <a:schemeClr val="lt1"/>
-          </a:fontRef>
-        </p:style>
-        <p:txBody>
-          <a:bodyPr rot="0" spcFirstLastPara="0" vertOverflow="overflow" horzOverflow="overflow" vert="horz" wrap="square" lIns="91440" tIns="45720" rIns="91440" bIns="45720" numCol="1" spcCol="0" rtlCol="0" fromWordArt="0" anchor="ctr" anchorCtr="0" forceAA="0" compatLnSpc="1">
-            <a:prstTxWarp prst="textNoShape">
-              <a:avLst/>
-            </a:prstTxWarp>
-            <a:noAutofit/>
-          </a:bodyPr>
-          <a:lstStyle/>
-          <a:p>
-            <a:pPr algn="ctr"/>
-            <a:endParaRPr lang="en-US"/>
-          </a:p>
-        </p:txBody>
-      </p:sp>
-      <p:sp>
-        <p:nvSpPr>
-          <p:cNvPr id="84" name="Right Arrow 83">
-            <a:extLst>
-              <a:ext uri="{FF2B5EF4-FFF2-40B4-BE49-F238E27FC236}">
-                <a16:creationId xmlns:a16="http://schemas.microsoft.com/office/drawing/2014/main" id="{F2C15A98-A0F7-A34B-98A0-51D3BB594C57}"/>
-              </a:ext>
-            </a:extLst>
-          </p:cNvPr>
-          <p:cNvSpPr/>
-          <p:nvPr/>
-        </p:nvSpPr>
-        <p:spPr>
-          <a:xfrm rot="16200000" flipV="1">
-            <a:off x="15215075" y="6188347"/>
-            <a:ext cx="688359" cy="716625"/>
-          </a:xfrm>
-          <a:prstGeom prst="rightArrow">
-            <a:avLst/>
-          </a:prstGeom>
-          <a:solidFill>
-            <a:srgbClr val="92D050"/>
-          </a:solidFill>
-          <a:ln>
-            <a:solidFill>
-              <a:srgbClr val="92D050"/>
-            </a:solidFill>
-          </a:ln>
-        </p:spPr>
-        <p:style>
-          <a:lnRef idx="2">
-            <a:schemeClr val="accent1">
-              <a:shade val="50000"/>
-            </a:schemeClr>
-          </a:lnRef>
-          <a:fillRef idx="1">
-            <a:schemeClr val="accent1"/>
-          </a:fillRef>
-          <a:effectRef idx="0">
-            <a:schemeClr val="accent1"/>
-          </a:effectRef>
-          <a:fontRef idx="minor">
-            <a:schemeClr val="lt1"/>
-          </a:fontRef>
-        </p:style>
-        <p:txBody>
-          <a:bodyPr rot="0" spcFirstLastPara="0" vertOverflow="overflow" horzOverflow="overflow" vert="horz" wrap="square" lIns="91440" tIns="45720" rIns="91440" bIns="45720" numCol="1" spcCol="0" rtlCol="0" fromWordArt="0" anchor="ctr" anchorCtr="0" forceAA="0" compatLnSpc="1">
-            <a:prstTxWarp prst="textNoShape">
-              <a:avLst/>
-            </a:prstTxWarp>
-            <a:noAutofit/>
-          </a:bodyPr>
-          <a:lstStyle/>
-          <a:p>
-            <a:pPr algn="ctr"/>
-            <a:endParaRPr lang="en-US"/>
-          </a:p>
-        </p:txBody>
-      </p:sp>
-      <p:sp>
-        <p:nvSpPr>
-          <p:cNvPr id="85" name="Right Arrow 84">
-            <a:extLst>
-              <a:ext uri="{FF2B5EF4-FFF2-40B4-BE49-F238E27FC236}">
-                <a16:creationId xmlns:a16="http://schemas.microsoft.com/office/drawing/2014/main" id="{058B6327-6A5A-174B-BB37-3D9D35CE19F0}"/>
-              </a:ext>
-            </a:extLst>
-          </p:cNvPr>
-          <p:cNvSpPr/>
-          <p:nvPr/>
-        </p:nvSpPr>
-        <p:spPr>
-          <a:xfrm flipV="1">
-            <a:off x="6678774" y="9828391"/>
-            <a:ext cx="688359" cy="716625"/>
-          </a:xfrm>
-          <a:prstGeom prst="rightArrow">
-            <a:avLst/>
-          </a:prstGeom>
-          <a:solidFill>
-            <a:srgbClr val="00B0F0"/>
-          </a:solidFill>
-          <a:ln>
-            <a:solidFill>
-              <a:srgbClr val="92D050"/>
-            </a:solidFill>
-          </a:ln>
-        </p:spPr>
-        <p:style>
-          <a:lnRef idx="2">
-            <a:schemeClr val="accent1">
-              <a:shade val="50000"/>
-            </a:schemeClr>
-          </a:lnRef>
-          <a:fillRef idx="1">
-            <a:schemeClr val="accent1"/>
-          </a:fillRef>
-          <a:effectRef idx="0">
-            <a:schemeClr val="accent1"/>
-          </a:effectRef>
-          <a:fontRef idx="minor">
-            <a:schemeClr val="lt1"/>
-          </a:fontRef>
-        </p:style>
-        <p:txBody>
-          <a:bodyPr rot="0" spcFirstLastPara="0" vertOverflow="overflow" horzOverflow="overflow" vert="horz" wrap="square" lIns="91440" tIns="45720" rIns="91440" bIns="45720" numCol="1" spcCol="0" rtlCol="0" fromWordArt="0" anchor="ctr" anchorCtr="0" forceAA="0" compatLnSpc="1">
-            <a:prstTxWarp prst="textNoShape">
-              <a:avLst/>
-            </a:prstTxWarp>
-            <a:noAutofit/>
-          </a:bodyPr>
-          <a:lstStyle/>
-          <a:p>
-            <a:pPr algn="ctr"/>
-            <a:endParaRPr lang="en-US"/>
-          </a:p>
-        </p:txBody>
-      </p:sp>
-      <p:sp>
-        <p:nvSpPr>
-          <p:cNvPr id="92" name="Right Arrow 91">
-            <a:extLst>
-              <a:ext uri="{FF2B5EF4-FFF2-40B4-BE49-F238E27FC236}">
-                <a16:creationId xmlns:a16="http://schemas.microsoft.com/office/drawing/2014/main" id="{01E99FEA-5E01-794B-8DF1-7EF566769BBA}"/>
-              </a:ext>
-            </a:extLst>
-          </p:cNvPr>
-          <p:cNvSpPr/>
-          <p:nvPr/>
-        </p:nvSpPr>
-        <p:spPr>
-          <a:xfrm flipV="1">
-            <a:off x="5755691" y="7805968"/>
-            <a:ext cx="688359" cy="716625"/>
-          </a:xfrm>
-          <a:prstGeom prst="rightArrow">
-            <a:avLst/>
-          </a:prstGeom>
-          <a:solidFill>
-            <a:srgbClr val="FFC000"/>
-          </a:solidFill>
-          <a:ln>
-            <a:solidFill>
-              <a:srgbClr val="92D050"/>
-            </a:solidFill>
-          </a:ln>
-        </p:spPr>
-        <p:style>
-          <a:lnRef idx="2">
-            <a:schemeClr val="accent1">
-              <a:shade val="50000"/>
-            </a:schemeClr>
-          </a:lnRef>
-          <a:fillRef idx="1">
-            <a:schemeClr val="accent1"/>
-          </a:fillRef>
-          <a:effectRef idx="0">
-            <a:schemeClr val="accent1"/>
-          </a:effectRef>
-          <a:fontRef idx="minor">
-            <a:schemeClr val="lt1"/>
-          </a:fontRef>
-        </p:style>
-        <p:txBody>
-          <a:bodyPr rot="0" spcFirstLastPara="0" vertOverflow="overflow" horzOverflow="overflow" vert="horz" wrap="square" lIns="91440" tIns="45720" rIns="91440" bIns="45720" numCol="1" spcCol="0" rtlCol="0" fromWordArt="0" anchor="ctr" anchorCtr="0" forceAA="0" compatLnSpc="1">
-            <a:prstTxWarp prst="textNoShape">
-              <a:avLst/>
-            </a:prstTxWarp>
-            <a:noAutofit/>
-          </a:bodyPr>
-          <a:lstStyle/>
-          <a:p>
-            <a:pPr algn="ctr"/>
-            <a:endParaRPr lang="en-US"/>
-          </a:p>
-        </p:txBody>
-      </p:sp>
-      <p:sp>
-        <p:nvSpPr>
-          <p:cNvPr id="94" name="Right Arrow 93">
-            <a:extLst>
-              <a:ext uri="{FF2B5EF4-FFF2-40B4-BE49-F238E27FC236}">
-                <a16:creationId xmlns:a16="http://schemas.microsoft.com/office/drawing/2014/main" id="{43012DF0-60EA-C84A-AE8F-57AB9027E3B3}"/>
-              </a:ext>
-            </a:extLst>
-          </p:cNvPr>
-          <p:cNvSpPr/>
-          <p:nvPr/>
-        </p:nvSpPr>
-        <p:spPr>
-          <a:xfrm flipV="1">
-            <a:off x="6506064" y="6949654"/>
-            <a:ext cx="688359" cy="716625"/>
-          </a:xfrm>
-          <a:prstGeom prst="rightArrow">
-            <a:avLst/>
-          </a:prstGeom>
-          <a:solidFill>
-            <a:srgbClr val="7030A0"/>
-          </a:solidFill>
-          <a:ln>
-            <a:noFill/>
-          </a:ln>
-        </p:spPr>
-        <p:style>
-          <a:lnRef idx="2">
-            <a:schemeClr val="accent1">
-              <a:shade val="50000"/>
-            </a:schemeClr>
-          </a:lnRef>
-          <a:fillRef idx="1">
-            <a:schemeClr val="accent1"/>
-          </a:fillRef>
-          <a:effectRef idx="0">
-            <a:schemeClr val="accent1"/>
-          </a:effectRef>
-          <a:fontRef idx="minor">
-            <a:schemeClr val="lt1"/>
-          </a:fontRef>
-        </p:style>
-        <p:txBody>
-          <a:bodyPr rot="0" spcFirstLastPara="0" vertOverflow="overflow" horzOverflow="overflow" vert="horz" wrap="square" lIns="91440" tIns="45720" rIns="91440" bIns="45720" numCol="1" spcCol="0" rtlCol="0" fromWordArt="0" anchor="ctr" anchorCtr="0" forceAA="0" compatLnSpc="1">
-            <a:prstTxWarp prst="textNoShape">
-              <a:avLst/>
-            </a:prstTxWarp>
-            <a:noAutofit/>
-          </a:bodyPr>
-          <a:lstStyle/>
-          <a:p>
-            <a:pPr algn="ctr"/>
-            <a:endParaRPr lang="en-US"/>
-          </a:p>
-        </p:txBody>
-      </p:sp>
-      <p:grpSp>
-        <p:nvGrpSpPr>
-          <p:cNvPr id="2" name="Group 1">
-            <a:extLst>
-              <a:ext uri="{FF2B5EF4-FFF2-40B4-BE49-F238E27FC236}">
-                <a16:creationId xmlns:a16="http://schemas.microsoft.com/office/drawing/2014/main" id="{02F0C3CD-2471-F547-A194-0EF24E29D28F}"/>
+                <a16:creationId xmlns:a16="http://schemas.microsoft.com/office/drawing/2014/main" id="{1AB72784-9867-F741-8D87-519E6AF1F296}"/>
               </a:ext>
             </a:extLst>
           </p:cNvPr>
@@ -5726,18 +4918,18 @@
         </p:nvGrpSpPr>
         <p:grpSpPr>
           <a:xfrm>
-            <a:off x="641461" y="310248"/>
-            <a:ext cx="2284483" cy="3164446"/>
-            <a:chOff x="1842753" y="704892"/>
-            <a:chExt cx="2284483" cy="3164446"/>
+            <a:off x="13232606" y="4050780"/>
+            <a:ext cx="1362974" cy="1227483"/>
+            <a:chOff x="11668312" y="9142886"/>
+            <a:chExt cx="1481924" cy="1334609"/>
           </a:xfrm>
         </p:grpSpPr>
         <p:sp>
           <p:nvSpPr>
-            <p:cNvPr id="76" name="Plaque 75">
+            <p:cNvPr id="73" name="Oval 72">
               <a:extLst>
                 <a:ext uri="{FF2B5EF4-FFF2-40B4-BE49-F238E27FC236}">
-                  <a16:creationId xmlns:a16="http://schemas.microsoft.com/office/drawing/2014/main" id="{70B4F680-DED6-7349-B480-CF71A4B63A0B}"/>
+                  <a16:creationId xmlns:a16="http://schemas.microsoft.com/office/drawing/2014/main" id="{039EAC04-6D04-5845-8FCB-20593C4CDDE0}"/>
                 </a:ext>
               </a:extLst>
             </p:cNvPr>
@@ -5746,16 +4938,16 @@
           </p:nvSpPr>
           <p:spPr>
             <a:xfrm>
-              <a:off x="1842753" y="704892"/>
-              <a:ext cx="2230947" cy="3164446"/>
+              <a:off x="11668312" y="9142886"/>
+              <a:ext cx="1481924" cy="1334609"/>
             </a:xfrm>
-            <a:prstGeom prst="plaque">
+            <a:prstGeom prst="ellipse">
               <a:avLst/>
             </a:prstGeom>
             <a:solidFill>
-              <a:schemeClr val="bg2">
-                <a:lumMod val="90000"/>
-              </a:schemeClr>
+              <a:srgbClr val="D883FF">
+                <a:alpha val="66195"/>
+              </a:srgbClr>
             </a:solidFill>
             <a:ln>
               <a:noFill/>
@@ -5778,25 +4970,20 @@
             </a:fontRef>
           </p:style>
           <p:txBody>
-            <a:bodyPr rot="0" spcFirstLastPara="0" vertOverflow="overflow" horzOverflow="overflow" vert="horz" wrap="square" lIns="91440" tIns="45720" rIns="91440" bIns="45720" numCol="1" spcCol="0" rtlCol="0" fromWordArt="0" anchor="ctr" anchorCtr="0" forceAA="0" compatLnSpc="1">
-              <a:prstTxWarp prst="textNoShape">
-                <a:avLst/>
-              </a:prstTxWarp>
-              <a:noAutofit/>
-            </a:bodyPr>
+            <a:bodyPr rtlCol="0" anchor="ctr"/>
             <a:lstStyle/>
             <a:p>
               <a:pPr algn="ctr"/>
-              <a:endParaRPr lang="en-US" sz="2800"/>
+              <a:endParaRPr lang="en-US"/>
             </a:p>
           </p:txBody>
         </p:sp>
         <p:sp>
           <p:nvSpPr>
-            <p:cNvPr id="96" name="TextBox 95">
+            <p:cNvPr id="74" name="TextBox 73">
               <a:extLst>
                 <a:ext uri="{FF2B5EF4-FFF2-40B4-BE49-F238E27FC236}">
-                  <a16:creationId xmlns:a16="http://schemas.microsoft.com/office/drawing/2014/main" id="{BC80BBC6-E3E2-ED4B-BEAF-135B1A0E3674}"/>
+                  <a16:creationId xmlns:a16="http://schemas.microsoft.com/office/drawing/2014/main" id="{407B33C0-D9A9-5248-9F87-0D0B4DFF5C8F}"/>
                 </a:ext>
               </a:extLst>
             </p:cNvPr>
@@ -5805,8 +4992,8 @@
           </p:nvSpPr>
           <p:spPr>
             <a:xfrm>
-              <a:off x="1896289" y="3014462"/>
-              <a:ext cx="2230947" cy="707886"/>
+              <a:off x="11676482" y="9319770"/>
+              <a:ext cx="1450785" cy="1003912"/>
             </a:xfrm>
             <a:prstGeom prst="rect">
               <a:avLst/>
@@ -5814,274 +5001,30 @@
             <a:noFill/>
           </p:spPr>
           <p:txBody>
-            <a:bodyPr wrap="square" rtlCol="0">
+            <a:bodyPr wrap="square">
               <a:spAutoFit/>
             </a:bodyPr>
             <a:lstStyle/>
             <a:p>
               <a:pPr algn="ctr"/>
               <a:r>
-                <a:rPr lang="en-US" sz="2000" b="1" dirty="0"/>
-                <a:t>Some taxa </a:t>
-              </a:r>
-            </a:p>
-            <a:p>
-              <a:pPr algn="ctr"/>
-              <a:r>
-                <a:rPr lang="en-US" sz="2000" b="1" dirty="0"/>
-                <a:t>of interest</a:t>
+                <a:rPr lang="en-US" b="1" dirty="0">
+                  <a:solidFill>
+                    <a:schemeClr val="accent6">
+                      <a:lumMod val="75000"/>
+                    </a:schemeClr>
+                  </a:solidFill>
+                </a:rPr>
+                <a:t>The largest source chronogram</a:t>
               </a:r>
             </a:p>
           </p:txBody>
         </p:sp>
-        <p:grpSp>
-          <p:nvGrpSpPr>
-            <p:cNvPr id="99" name="Group 98">
-              <a:extLst>
-                <a:ext uri="{FF2B5EF4-FFF2-40B4-BE49-F238E27FC236}">
-                  <a16:creationId xmlns:a16="http://schemas.microsoft.com/office/drawing/2014/main" id="{92AF6F90-2E54-C549-A1EC-B65A9E1A05FC}"/>
-                </a:ext>
-              </a:extLst>
-            </p:cNvPr>
-            <p:cNvGrpSpPr/>
-            <p:nvPr/>
-          </p:nvGrpSpPr>
-          <p:grpSpPr>
-            <a:xfrm>
-              <a:off x="2224759" y="985159"/>
-              <a:ext cx="1729673" cy="1878295"/>
-              <a:chOff x="2580041" y="130050"/>
-              <a:chExt cx="1729673" cy="1878295"/>
-            </a:xfrm>
-          </p:grpSpPr>
-          <p:sp>
-            <p:nvSpPr>
-              <p:cNvPr id="100" name="TextBox 99">
-                <a:extLst>
-                  <a:ext uri="{FF2B5EF4-FFF2-40B4-BE49-F238E27FC236}">
-                    <a16:creationId xmlns:a16="http://schemas.microsoft.com/office/drawing/2014/main" id="{5045E8A0-E488-1640-A660-9AFC1BE81023}"/>
-                  </a:ext>
-                </a:extLst>
-              </p:cNvPr>
-              <p:cNvSpPr txBox="1"/>
-              <p:nvPr/>
-            </p:nvSpPr>
-            <p:spPr>
-              <a:xfrm>
-                <a:off x="2580041" y="1151644"/>
-                <a:ext cx="495649" cy="707887"/>
-              </a:xfrm>
-              <a:prstGeom prst="rect">
-                <a:avLst/>
-              </a:prstGeom>
-              <a:noFill/>
-            </p:spPr>
-            <p:txBody>
-              <a:bodyPr wrap="none" rtlCol="0">
-                <a:spAutoFit/>
-              </a:bodyPr>
-              <a:lstStyle/>
-              <a:p>
-                <a:r>
-                  <a:rPr lang="en-US" sz="4000" b="1" i="1" dirty="0"/>
-                  <a:t>A</a:t>
-                </a:r>
-              </a:p>
-            </p:txBody>
-          </p:sp>
-          <p:sp>
-            <p:nvSpPr>
-              <p:cNvPr id="106" name="TextBox 105">
-                <a:extLst>
-                  <a:ext uri="{FF2B5EF4-FFF2-40B4-BE49-F238E27FC236}">
-                    <a16:creationId xmlns:a16="http://schemas.microsoft.com/office/drawing/2014/main" id="{2646D78F-CB97-4148-954D-A6CF5EE086E2}"/>
-                  </a:ext>
-                </a:extLst>
-              </p:cNvPr>
-              <p:cNvSpPr txBox="1"/>
-              <p:nvPr/>
-            </p:nvSpPr>
-            <p:spPr>
-              <a:xfrm>
-                <a:off x="2584674" y="276186"/>
-                <a:ext cx="644728" cy="707886"/>
-              </a:xfrm>
-              <a:prstGeom prst="rect">
-                <a:avLst/>
-              </a:prstGeom>
-              <a:noFill/>
-            </p:spPr>
-            <p:txBody>
-              <a:bodyPr wrap="none" rtlCol="0">
-                <a:spAutoFit/>
-              </a:bodyPr>
-              <a:lstStyle/>
-              <a:p>
-                <a:r>
-                  <a:rPr lang="en-US" sz="4000" b="1" i="1" dirty="0"/>
-                  <a:t>B</a:t>
-                </a:r>
-                <a:r>
-                  <a:rPr lang="en-US" sz="4000" b="1" i="1" baseline="-25000" dirty="0"/>
-                  <a:t>1</a:t>
-                </a:r>
-              </a:p>
-            </p:txBody>
-          </p:sp>
-          <p:sp>
-            <p:nvSpPr>
-              <p:cNvPr id="114" name="TextBox 113">
-                <a:extLst>
-                  <a:ext uri="{FF2B5EF4-FFF2-40B4-BE49-F238E27FC236}">
-                    <a16:creationId xmlns:a16="http://schemas.microsoft.com/office/drawing/2014/main" id="{E0FF12CE-6CEA-4A42-B4F9-793E590F7C2F}"/>
-                  </a:ext>
-                </a:extLst>
-              </p:cNvPr>
-              <p:cNvSpPr txBox="1"/>
-              <p:nvPr/>
-            </p:nvSpPr>
-            <p:spPr>
-              <a:xfrm>
-                <a:off x="3084451" y="737224"/>
-                <a:ext cx="450764" cy="707887"/>
-              </a:xfrm>
-              <a:prstGeom prst="rect">
-                <a:avLst/>
-              </a:prstGeom>
-              <a:noFill/>
-            </p:spPr>
-            <p:txBody>
-              <a:bodyPr wrap="none" rtlCol="0">
-                <a:spAutoFit/>
-              </a:bodyPr>
-              <a:lstStyle/>
-              <a:p>
-                <a:r>
-                  <a:rPr lang="en-US" sz="4000" b="1" i="1" dirty="0"/>
-                  <a:t>C</a:t>
-                </a:r>
-              </a:p>
-            </p:txBody>
-          </p:sp>
-          <p:sp>
-            <p:nvSpPr>
-              <p:cNvPr id="116" name="TextBox 115">
-                <a:extLst>
-                  <a:ext uri="{FF2B5EF4-FFF2-40B4-BE49-F238E27FC236}">
-                    <a16:creationId xmlns:a16="http://schemas.microsoft.com/office/drawing/2014/main" id="{1B379F31-D0B7-5441-BF76-478545DC3203}"/>
-                  </a:ext>
-                </a:extLst>
-              </p:cNvPr>
-              <p:cNvSpPr txBox="1"/>
-              <p:nvPr/>
-            </p:nvSpPr>
-            <p:spPr>
-              <a:xfrm>
-                <a:off x="3743748" y="1300458"/>
-                <a:ext cx="508474" cy="707887"/>
-              </a:xfrm>
-              <a:prstGeom prst="rect">
-                <a:avLst/>
-              </a:prstGeom>
-              <a:noFill/>
-            </p:spPr>
-            <p:txBody>
-              <a:bodyPr wrap="none" rtlCol="0">
-                <a:spAutoFit/>
-              </a:bodyPr>
-              <a:lstStyle/>
-              <a:p>
-                <a:pPr algn="ctr"/>
-                <a:r>
-                  <a:rPr lang="en-US" sz="4000" b="1" i="1" dirty="0"/>
-                  <a:t>D</a:t>
-                </a:r>
-              </a:p>
-            </p:txBody>
-          </p:sp>
-          <p:sp>
-            <p:nvSpPr>
-              <p:cNvPr id="117" name="TextBox 116">
-                <a:extLst>
-                  <a:ext uri="{FF2B5EF4-FFF2-40B4-BE49-F238E27FC236}">
-                    <a16:creationId xmlns:a16="http://schemas.microsoft.com/office/drawing/2014/main" id="{2C7CC876-0644-D341-9AC1-1ECA9C000C84}"/>
-                  </a:ext>
-                </a:extLst>
-              </p:cNvPr>
-              <p:cNvSpPr txBox="1"/>
-              <p:nvPr/>
-            </p:nvSpPr>
-            <p:spPr>
-              <a:xfrm>
-                <a:off x="3236273" y="130050"/>
-                <a:ext cx="434734" cy="707887"/>
-              </a:xfrm>
-              <a:prstGeom prst="rect">
-                <a:avLst/>
-              </a:prstGeom>
-              <a:noFill/>
-            </p:spPr>
-            <p:txBody>
-              <a:bodyPr wrap="none" rtlCol="0">
-                <a:spAutoFit/>
-              </a:bodyPr>
-              <a:lstStyle/>
-              <a:p>
-                <a:pPr algn="ctr"/>
-                <a:r>
-                  <a:rPr lang="en-US" sz="4000" b="1" i="1" dirty="0"/>
-                  <a:t>E</a:t>
-                </a:r>
-              </a:p>
-            </p:txBody>
-          </p:sp>
-          <p:sp>
-            <p:nvSpPr>
-              <p:cNvPr id="118" name="TextBox 117">
-                <a:extLst>
-                  <a:ext uri="{FF2B5EF4-FFF2-40B4-BE49-F238E27FC236}">
-                    <a16:creationId xmlns:a16="http://schemas.microsoft.com/office/drawing/2014/main" id="{FC2679B4-4A55-E04F-A5DD-763966F3DFC3}"/>
-                  </a:ext>
-                </a:extLst>
-              </p:cNvPr>
-              <p:cNvSpPr txBox="1"/>
-              <p:nvPr/>
-            </p:nvSpPr>
-            <p:spPr>
-              <a:xfrm>
-                <a:off x="3732312" y="583933"/>
-                <a:ext cx="577402" cy="707886"/>
-              </a:xfrm>
-              <a:prstGeom prst="rect">
-                <a:avLst/>
-              </a:prstGeom>
-              <a:noFill/>
-            </p:spPr>
-            <p:txBody>
-              <a:bodyPr wrap="none" rtlCol="0">
-                <a:spAutoFit/>
-              </a:bodyPr>
-              <a:lstStyle/>
-              <a:p>
-                <a:pPr algn="ctr"/>
-                <a:r>
-                  <a:rPr lang="en-US" sz="4000" b="1" i="1" dirty="0" err="1"/>
-                  <a:t>F</a:t>
-                </a:r>
-                <a:r>
-                  <a:rPr lang="en-US" sz="4000" b="1" i="1" baseline="-25000" dirty="0" err="1"/>
-                  <a:t>x</a:t>
-                </a:r>
-                <a:endParaRPr lang="en-US" sz="4000" b="1" i="1" baseline="-25000" dirty="0"/>
-              </a:p>
-            </p:txBody>
-          </p:sp>
-        </p:grpSp>
       </p:grpSp>
     </p:spTree>
     <p:extLst>
       <p:ext uri="{BB962C8B-B14F-4D97-AF65-F5344CB8AC3E}">
-        <p14:creationId xmlns:p14="http://schemas.microsoft.com/office/powerpoint/2010/main" val="950908805"/>
+        <p14:creationId xmlns:p14="http://schemas.microsoft.com/office/powerpoint/2010/main" val="3827921224"/>
       </p:ext>
     </p:extLst>
   </p:cSld>
